--- a/Conference_ppt/09-Integrate data from notebooks with Azure Data Factory or Synapse Pipelines.pptx
+++ b/Conference_ppt/09-Integrate data from notebooks with Azure Data Factory or Synapse Pipelines.pptx
@@ -6,18 +6,19 @@
     <p:sldMasterId id="2147483692" r:id="rId2"/>
   </p:sldMasterIdLst>
   <p:notesMasterIdLst>
-    <p:notesMasterId r:id="rId9"/>
+    <p:notesMasterId r:id="rId10"/>
   </p:notesMasterIdLst>
   <p:handoutMasterIdLst>
-    <p:handoutMasterId r:id="rId10"/>
+    <p:handoutMasterId r:id="rId11"/>
   </p:handoutMasterIdLst>
   <p:sldIdLst>
     <p:sldId id="256" r:id="rId3"/>
     <p:sldId id="418" r:id="rId4"/>
     <p:sldId id="257" r:id="rId5"/>
     <p:sldId id="419" r:id="rId6"/>
-    <p:sldId id="424" r:id="rId7"/>
-    <p:sldId id="2076137761" r:id="rId8"/>
+    <p:sldId id="2076137762" r:id="rId7"/>
+    <p:sldId id="424" r:id="rId8"/>
+    <p:sldId id="2076137761" r:id="rId9"/>
   </p:sldIdLst>
   <p:sldSz cx="12192000" cy="6858000"/>
   <p:notesSz cx="6858000" cy="9144000"/>
@@ -232,7 +233,7 @@
           <a:p>
             <a:fld id="{2B56BDA5-FBCC-43E1-957B-02AF36889AD5}" type="datetimeFigureOut">
               <a:rPr lang="en-US" smtClean="0"/>
-              <a:t>11/27/2021</a:t>
+              <a:t>12/4/2021</a:t>
             </a:fld>
             <a:endParaRPr lang="en-US"/>
           </a:p>
@@ -409,7 +410,7 @@
           <a:p>
             <a:fld id="{8F44CDF0-0D54-4AFE-B409-D6358A9BB9A1}" type="datetimeFigureOut">
               <a:rPr lang="en-US" smtClean="0"/>
-              <a:t>11/27/2021</a:t>
+              <a:t>12/4/2021</a:t>
             </a:fld>
             <a:endParaRPr lang="en-US"/>
           </a:p>
@@ -1539,7 +1540,7 @@
           <a:p>
             <a:fld id="{37E24C93-78CA-4AF0-9E77-825D60ABA46D}" type="slidenum">
               <a:rPr lang="en-US" smtClean="0"/>
-              <a:t>5</a:t>
+              <a:t>6</a:t>
             </a:fld>
             <a:endParaRPr lang="en-US"/>
           </a:p>
@@ -1832,7 +1833,7 @@
                 <a:tabLst/>
                 <a:defRPr/>
               </a:pPr>
-              <a:t>11/27/2021 4:38 PM</a:t>
+              <a:t>12/4/2021 2:34 PM</a:t>
             </a:fld>
             <a:endParaRPr kumimoji="0" lang="en-US" sz="5599" b="0" i="0" u="none" strike="noStrike" kern="0" cap="none" spc="-112" normalizeH="0" baseline="0" noProof="0" dirty="0">
               <a:ln>
@@ -1915,7 +1916,7 @@
                 <a:tabLst/>
                 <a:defRPr/>
               </a:pPr>
-              <a:t>6</a:t>
+              <a:t>7</a:t>
             </a:fld>
             <a:endParaRPr kumimoji="0" lang="en-US" sz="5599" b="0" i="0" u="none" strike="noStrike" kern="0" cap="none" spc="-112" normalizeH="0" baseline="0" noProof="0" dirty="0">
               <a:ln>
@@ -15366,7 +15367,7 @@
             </a:ln>
             <a:extLst>
               <a:ext uri="{C572A759-6A51-4108-AA02-DFA0A04FC94B}">
-                <ma14:wrappingTextBoxFlag xmlns="" xmlns:m="http://schemas.openxmlformats.org/officeDocument/2006/math" xmlns:a14="http://schemas.microsoft.com/office/drawing/2010/main" xmlns:ma14="http://schemas.microsoft.com/office/mac/drawingml/2011/main" val="1"/>
+                <ma14:wrappingTextBoxFlag xmlns:ma14="http://schemas.microsoft.com/office/mac/drawingml/2011/main" xmlns:a14="http://schemas.microsoft.com/office/drawing/2010/main" xmlns:m="http://schemas.openxmlformats.org/officeDocument/2006/math" xmlns="" val="1"/>
               </a:ext>
             </a:extLst>
           </p:spPr>
@@ -15414,7 +15415,7 @@
             </a:ln>
             <a:extLst>
               <a:ext uri="{C572A759-6A51-4108-AA02-DFA0A04FC94B}">
-                <ma14:wrappingTextBoxFlag xmlns="" xmlns:m="http://schemas.openxmlformats.org/officeDocument/2006/math" xmlns:a14="http://schemas.microsoft.com/office/drawing/2010/main" xmlns:ma14="http://schemas.microsoft.com/office/mac/drawingml/2011/main" val="1"/>
+                <ma14:wrappingTextBoxFlag xmlns:ma14="http://schemas.microsoft.com/office/mac/drawingml/2011/main" xmlns:a14="http://schemas.microsoft.com/office/drawing/2010/main" xmlns:m="http://schemas.openxmlformats.org/officeDocument/2006/math" xmlns="" val="1"/>
               </a:ext>
             </a:extLst>
           </p:spPr>
@@ -15462,7 +15463,7 @@
             </a:ln>
             <a:extLst>
               <a:ext uri="{C572A759-6A51-4108-AA02-DFA0A04FC94B}">
-                <ma14:wrappingTextBoxFlag xmlns="" xmlns:m="http://schemas.openxmlformats.org/officeDocument/2006/math" xmlns:a14="http://schemas.microsoft.com/office/drawing/2010/main" xmlns:ma14="http://schemas.microsoft.com/office/mac/drawingml/2011/main" val="1"/>
+                <ma14:wrappingTextBoxFlag xmlns:ma14="http://schemas.microsoft.com/office/mac/drawingml/2011/main" xmlns:a14="http://schemas.microsoft.com/office/drawing/2010/main" xmlns:m="http://schemas.openxmlformats.org/officeDocument/2006/math" xmlns="" val="1"/>
               </a:ext>
             </a:extLst>
           </p:spPr>
@@ -15514,7 +15515,7 @@
             </a:ln>
             <a:extLst>
               <a:ext uri="{C572A759-6A51-4108-AA02-DFA0A04FC94B}">
-                <ma14:wrappingTextBoxFlag xmlns="" xmlns:m="http://schemas.openxmlformats.org/officeDocument/2006/math" xmlns:a14="http://schemas.microsoft.com/office/drawing/2010/main" xmlns:ma14="http://schemas.microsoft.com/office/mac/drawingml/2011/main" val="1"/>
+                <ma14:wrappingTextBoxFlag xmlns:ma14="http://schemas.microsoft.com/office/mac/drawingml/2011/main" xmlns:a14="http://schemas.microsoft.com/office/drawing/2010/main" xmlns:m="http://schemas.openxmlformats.org/officeDocument/2006/math" xmlns="" val="1"/>
               </a:ext>
             </a:extLst>
           </p:spPr>
@@ -15562,7 +15563,7 @@
             </a:ln>
             <a:extLst>
               <a:ext uri="{C572A759-6A51-4108-AA02-DFA0A04FC94B}">
-                <ma14:wrappingTextBoxFlag xmlns="" xmlns:m="http://schemas.openxmlformats.org/officeDocument/2006/math" xmlns:a14="http://schemas.microsoft.com/office/drawing/2010/main" xmlns:ma14="http://schemas.microsoft.com/office/mac/drawingml/2011/main" val="1"/>
+                <ma14:wrappingTextBoxFlag xmlns:ma14="http://schemas.microsoft.com/office/mac/drawingml/2011/main" xmlns:a14="http://schemas.microsoft.com/office/drawing/2010/main" xmlns:m="http://schemas.openxmlformats.org/officeDocument/2006/math" xmlns="" val="1"/>
               </a:ext>
             </a:extLst>
           </p:spPr>
@@ -15610,7 +15611,7 @@
             </a:ln>
             <a:extLst>
               <a:ext uri="{C572A759-6A51-4108-AA02-DFA0A04FC94B}">
-                <ma14:wrappingTextBoxFlag xmlns="" xmlns:m="http://schemas.openxmlformats.org/officeDocument/2006/math" xmlns:a14="http://schemas.microsoft.com/office/drawing/2010/main" xmlns:ma14="http://schemas.microsoft.com/office/mac/drawingml/2011/main" val="1"/>
+                <ma14:wrappingTextBoxFlag xmlns:ma14="http://schemas.microsoft.com/office/mac/drawingml/2011/main" xmlns:a14="http://schemas.microsoft.com/office/drawing/2010/main" xmlns:m="http://schemas.openxmlformats.org/officeDocument/2006/math" xmlns="" val="1"/>
               </a:ext>
             </a:extLst>
           </p:spPr>
@@ -15667,7 +15668,7 @@
             </a:ln>
             <a:extLst>
               <a:ext uri="{C572A759-6A51-4108-AA02-DFA0A04FC94B}">
-                <ma14:wrappingTextBoxFlag xmlns="" xmlns:m="http://schemas.openxmlformats.org/officeDocument/2006/math" xmlns:a14="http://schemas.microsoft.com/office/drawing/2010/main" xmlns:ma14="http://schemas.microsoft.com/office/mac/drawingml/2011/main" val="1"/>
+                <ma14:wrappingTextBoxFlag xmlns:ma14="http://schemas.microsoft.com/office/mac/drawingml/2011/main" xmlns:a14="http://schemas.microsoft.com/office/drawing/2010/main" xmlns:m="http://schemas.openxmlformats.org/officeDocument/2006/math" xmlns="" val="1"/>
               </a:ext>
             </a:extLst>
           </p:spPr>
@@ -15725,7 +15726,7 @@
             </a:ln>
             <a:extLst>
               <a:ext uri="{C572A759-6A51-4108-AA02-DFA0A04FC94B}">
-                <ma14:wrappingTextBoxFlag xmlns="" xmlns:m="http://schemas.openxmlformats.org/officeDocument/2006/math" xmlns:a14="http://schemas.microsoft.com/office/drawing/2010/main" xmlns:ma14="http://schemas.microsoft.com/office/mac/drawingml/2011/main" val="1"/>
+                <ma14:wrappingTextBoxFlag xmlns:ma14="http://schemas.microsoft.com/office/mac/drawingml/2011/main" xmlns:a14="http://schemas.microsoft.com/office/drawing/2010/main" xmlns:m="http://schemas.openxmlformats.org/officeDocument/2006/math" xmlns="" val="1"/>
               </a:ext>
             </a:extLst>
           </p:spPr>
@@ -15773,7 +15774,7 @@
             </a:ln>
             <a:extLst>
               <a:ext uri="{C572A759-6A51-4108-AA02-DFA0A04FC94B}">
-                <ma14:wrappingTextBoxFlag xmlns="" xmlns:m="http://schemas.openxmlformats.org/officeDocument/2006/math" xmlns:a14="http://schemas.microsoft.com/office/drawing/2010/main" xmlns:ma14="http://schemas.microsoft.com/office/mac/drawingml/2011/main" val="1"/>
+                <ma14:wrappingTextBoxFlag xmlns:ma14="http://schemas.microsoft.com/office/mac/drawingml/2011/main" xmlns:a14="http://schemas.microsoft.com/office/drawing/2010/main" xmlns:m="http://schemas.openxmlformats.org/officeDocument/2006/math" xmlns="" val="1"/>
               </a:ext>
             </a:extLst>
           </p:spPr>
@@ -15821,7 +15822,7 @@
             </a:ln>
             <a:extLst>
               <a:ext uri="{C572A759-6A51-4108-AA02-DFA0A04FC94B}">
-                <ma14:wrappingTextBoxFlag xmlns="" xmlns:m="http://schemas.openxmlformats.org/officeDocument/2006/math" xmlns:a14="http://schemas.microsoft.com/office/drawing/2010/main" xmlns:ma14="http://schemas.microsoft.com/office/mac/drawingml/2011/main" val="1"/>
+                <ma14:wrappingTextBoxFlag xmlns:ma14="http://schemas.microsoft.com/office/mac/drawingml/2011/main" xmlns:a14="http://schemas.microsoft.com/office/drawing/2010/main" xmlns:m="http://schemas.openxmlformats.org/officeDocument/2006/math" xmlns="" val="1"/>
               </a:ext>
             </a:extLst>
           </p:spPr>
@@ -15869,7 +15870,7 @@
             </a:ln>
             <a:extLst>
               <a:ext uri="{C572A759-6A51-4108-AA02-DFA0A04FC94B}">
-                <ma14:wrappingTextBoxFlag xmlns="" xmlns:m="http://schemas.openxmlformats.org/officeDocument/2006/math" xmlns:a14="http://schemas.microsoft.com/office/drawing/2010/main" xmlns:ma14="http://schemas.microsoft.com/office/mac/drawingml/2011/main" val="1"/>
+                <ma14:wrappingTextBoxFlag xmlns:ma14="http://schemas.microsoft.com/office/mac/drawingml/2011/main" xmlns:a14="http://schemas.microsoft.com/office/drawing/2010/main" xmlns:m="http://schemas.openxmlformats.org/officeDocument/2006/math" xmlns="" val="1"/>
               </a:ext>
             </a:extLst>
           </p:spPr>
@@ -15927,7 +15928,7 @@
             </a:ln>
             <a:extLst>
               <a:ext uri="{C572A759-6A51-4108-AA02-DFA0A04FC94B}">
-                <ma14:wrappingTextBoxFlag xmlns="" xmlns:m="http://schemas.openxmlformats.org/officeDocument/2006/math" xmlns:a14="http://schemas.microsoft.com/office/drawing/2010/main" xmlns:ma14="http://schemas.microsoft.com/office/mac/drawingml/2011/main" val="1"/>
+                <ma14:wrappingTextBoxFlag xmlns:ma14="http://schemas.microsoft.com/office/mac/drawingml/2011/main" xmlns:a14="http://schemas.microsoft.com/office/drawing/2010/main" xmlns:m="http://schemas.openxmlformats.org/officeDocument/2006/math" xmlns="" val="1"/>
               </a:ext>
             </a:extLst>
           </p:spPr>
@@ -15984,7 +15985,7 @@
             </a:ln>
             <a:extLst>
               <a:ext uri="{C572A759-6A51-4108-AA02-DFA0A04FC94B}">
-                <ma14:wrappingTextBoxFlag xmlns="" xmlns:m="http://schemas.openxmlformats.org/officeDocument/2006/math" xmlns:a14="http://schemas.microsoft.com/office/drawing/2010/main" xmlns:ma14="http://schemas.microsoft.com/office/mac/drawingml/2011/main" val="1"/>
+                <ma14:wrappingTextBoxFlag xmlns:ma14="http://schemas.microsoft.com/office/mac/drawingml/2011/main" xmlns:a14="http://schemas.microsoft.com/office/drawing/2010/main" xmlns:m="http://schemas.openxmlformats.org/officeDocument/2006/math" xmlns="" val="1"/>
               </a:ext>
             </a:extLst>
           </p:spPr>
@@ -16032,7 +16033,7 @@
             </a:ln>
             <a:extLst>
               <a:ext uri="{C572A759-6A51-4108-AA02-DFA0A04FC94B}">
-                <ma14:wrappingTextBoxFlag xmlns="" xmlns:m="http://schemas.openxmlformats.org/officeDocument/2006/math" xmlns:a14="http://schemas.microsoft.com/office/drawing/2010/main" xmlns:ma14="http://schemas.microsoft.com/office/mac/drawingml/2011/main" val="1"/>
+                <ma14:wrappingTextBoxFlag xmlns:ma14="http://schemas.microsoft.com/office/mac/drawingml/2011/main" xmlns:a14="http://schemas.microsoft.com/office/drawing/2010/main" xmlns:m="http://schemas.openxmlformats.org/officeDocument/2006/math" xmlns="" val="1"/>
               </a:ext>
             </a:extLst>
           </p:spPr>
@@ -16084,7 +16085,7 @@
             </a:ln>
             <a:extLst>
               <a:ext uri="{C572A759-6A51-4108-AA02-DFA0A04FC94B}">
-                <ma14:wrappingTextBoxFlag xmlns="" xmlns:m="http://schemas.openxmlformats.org/officeDocument/2006/math" xmlns:a14="http://schemas.microsoft.com/office/drawing/2010/main" xmlns:ma14="http://schemas.microsoft.com/office/mac/drawingml/2011/main" val="1"/>
+                <ma14:wrappingTextBoxFlag xmlns:ma14="http://schemas.microsoft.com/office/mac/drawingml/2011/main" xmlns:a14="http://schemas.microsoft.com/office/drawing/2010/main" xmlns:m="http://schemas.openxmlformats.org/officeDocument/2006/math" xmlns="" val="1"/>
               </a:ext>
             </a:extLst>
           </p:spPr>
@@ -16142,7 +16143,7 @@
             </a:ln>
             <a:extLst>
               <a:ext uri="{C572A759-6A51-4108-AA02-DFA0A04FC94B}">
-                <ma14:wrappingTextBoxFlag xmlns="" xmlns:m="http://schemas.openxmlformats.org/officeDocument/2006/math" xmlns:a14="http://schemas.microsoft.com/office/drawing/2010/main" xmlns:ma14="http://schemas.microsoft.com/office/mac/drawingml/2011/main" val="1"/>
+                <ma14:wrappingTextBoxFlag xmlns:ma14="http://schemas.microsoft.com/office/mac/drawingml/2011/main" xmlns:a14="http://schemas.microsoft.com/office/drawing/2010/main" xmlns:m="http://schemas.openxmlformats.org/officeDocument/2006/math" xmlns="" val="1"/>
               </a:ext>
             </a:extLst>
           </p:spPr>
@@ -16190,7 +16191,7 @@
             </a:ln>
             <a:extLst>
               <a:ext uri="{C572A759-6A51-4108-AA02-DFA0A04FC94B}">
-                <ma14:wrappingTextBoxFlag xmlns="" xmlns:m="http://schemas.openxmlformats.org/officeDocument/2006/math" xmlns:a14="http://schemas.microsoft.com/office/drawing/2010/main" xmlns:ma14="http://schemas.microsoft.com/office/mac/drawingml/2011/main" val="1"/>
+                <ma14:wrappingTextBoxFlag xmlns:ma14="http://schemas.microsoft.com/office/mac/drawingml/2011/main" xmlns:a14="http://schemas.microsoft.com/office/drawing/2010/main" xmlns:m="http://schemas.openxmlformats.org/officeDocument/2006/math" xmlns="" val="1"/>
               </a:ext>
             </a:extLst>
           </p:spPr>
@@ -16243,7 +16244,7 @@
             </a:ln>
             <a:extLst>
               <a:ext uri="{C572A759-6A51-4108-AA02-DFA0A04FC94B}">
-                <ma14:wrappingTextBoxFlag xmlns="" xmlns:m="http://schemas.openxmlformats.org/officeDocument/2006/math" xmlns:a14="http://schemas.microsoft.com/office/drawing/2010/main" xmlns:ma14="http://schemas.microsoft.com/office/mac/drawingml/2011/main" val="1"/>
+                <ma14:wrappingTextBoxFlag xmlns:ma14="http://schemas.microsoft.com/office/mac/drawingml/2011/main" xmlns:a14="http://schemas.microsoft.com/office/drawing/2010/main" xmlns:m="http://schemas.openxmlformats.org/officeDocument/2006/math" xmlns="" val="1"/>
               </a:ext>
             </a:extLst>
           </p:spPr>
@@ -16291,7 +16292,7 @@
             </a:ln>
             <a:extLst>
               <a:ext uri="{C572A759-6A51-4108-AA02-DFA0A04FC94B}">
-                <ma14:wrappingTextBoxFlag xmlns="" xmlns:m="http://schemas.openxmlformats.org/officeDocument/2006/math" xmlns:a14="http://schemas.microsoft.com/office/drawing/2010/main" xmlns:ma14="http://schemas.microsoft.com/office/mac/drawingml/2011/main" val="1"/>
+                <ma14:wrappingTextBoxFlag xmlns:ma14="http://schemas.microsoft.com/office/mac/drawingml/2011/main" xmlns:a14="http://schemas.microsoft.com/office/drawing/2010/main" xmlns:m="http://schemas.openxmlformats.org/officeDocument/2006/math" xmlns="" val="1"/>
               </a:ext>
             </a:extLst>
           </p:spPr>
@@ -16343,7 +16344,7 @@
             </a:ln>
             <a:extLst>
               <a:ext uri="{C572A759-6A51-4108-AA02-DFA0A04FC94B}">
-                <ma14:wrappingTextBoxFlag xmlns="" xmlns:m="http://schemas.openxmlformats.org/officeDocument/2006/math" xmlns:a14="http://schemas.microsoft.com/office/drawing/2010/main" xmlns:ma14="http://schemas.microsoft.com/office/mac/drawingml/2011/main" val="1"/>
+                <ma14:wrappingTextBoxFlag xmlns:ma14="http://schemas.microsoft.com/office/mac/drawingml/2011/main" xmlns:a14="http://schemas.microsoft.com/office/drawing/2010/main" xmlns:m="http://schemas.openxmlformats.org/officeDocument/2006/math" xmlns="" val="1"/>
               </a:ext>
             </a:extLst>
           </p:spPr>
@@ -16391,7 +16392,7 @@
             </a:ln>
             <a:extLst>
               <a:ext uri="{C572A759-6A51-4108-AA02-DFA0A04FC94B}">
-                <ma14:wrappingTextBoxFlag xmlns="" xmlns:m="http://schemas.openxmlformats.org/officeDocument/2006/math" xmlns:a14="http://schemas.microsoft.com/office/drawing/2010/main" xmlns:ma14="http://schemas.microsoft.com/office/mac/drawingml/2011/main" val="1"/>
+                <ma14:wrappingTextBoxFlag xmlns:ma14="http://schemas.microsoft.com/office/mac/drawingml/2011/main" xmlns:a14="http://schemas.microsoft.com/office/drawing/2010/main" xmlns:m="http://schemas.openxmlformats.org/officeDocument/2006/math" xmlns="" val="1"/>
               </a:ext>
             </a:extLst>
           </p:spPr>
@@ -16445,7 +16446,7 @@
             </a:ln>
             <a:extLst>
               <a:ext uri="{C572A759-6A51-4108-AA02-DFA0A04FC94B}">
-                <ma14:wrappingTextBoxFlag xmlns="" xmlns:m="http://schemas.openxmlformats.org/officeDocument/2006/math" xmlns:a14="http://schemas.microsoft.com/office/drawing/2010/main" xmlns:ma14="http://schemas.microsoft.com/office/mac/drawingml/2011/main" val="1"/>
+                <ma14:wrappingTextBoxFlag xmlns:ma14="http://schemas.microsoft.com/office/mac/drawingml/2011/main" xmlns:a14="http://schemas.microsoft.com/office/drawing/2010/main" xmlns:m="http://schemas.openxmlformats.org/officeDocument/2006/math" xmlns="" val="1"/>
               </a:ext>
             </a:extLst>
           </p:spPr>
@@ -16502,7 +16503,7 @@
             </a:ln>
             <a:extLst>
               <a:ext uri="{C572A759-6A51-4108-AA02-DFA0A04FC94B}">
-                <ma14:wrappingTextBoxFlag xmlns="" xmlns:m="http://schemas.openxmlformats.org/officeDocument/2006/math" xmlns:a14="http://schemas.microsoft.com/office/drawing/2010/main" xmlns:ma14="http://schemas.microsoft.com/office/mac/drawingml/2011/main" val="1"/>
+                <ma14:wrappingTextBoxFlag xmlns:ma14="http://schemas.microsoft.com/office/mac/drawingml/2011/main" xmlns:a14="http://schemas.microsoft.com/office/drawing/2010/main" xmlns:m="http://schemas.openxmlformats.org/officeDocument/2006/math" xmlns="" val="1"/>
               </a:ext>
             </a:extLst>
           </p:spPr>
@@ -16560,7 +16561,7 @@
             </a:ln>
             <a:extLst>
               <a:ext uri="{C572A759-6A51-4108-AA02-DFA0A04FC94B}">
-                <ma14:wrappingTextBoxFlag xmlns="" xmlns:m="http://schemas.openxmlformats.org/officeDocument/2006/math" xmlns:a14="http://schemas.microsoft.com/office/drawing/2010/main" xmlns:ma14="http://schemas.microsoft.com/office/mac/drawingml/2011/main" val="1"/>
+                <ma14:wrappingTextBoxFlag xmlns:ma14="http://schemas.microsoft.com/office/mac/drawingml/2011/main" xmlns:a14="http://schemas.microsoft.com/office/drawing/2010/main" xmlns:m="http://schemas.openxmlformats.org/officeDocument/2006/math" xmlns="" val="1"/>
               </a:ext>
             </a:extLst>
           </p:spPr>
@@ -16641,7 +16642,7 @@
             </a:ln>
             <a:extLst>
               <a:ext uri="{C572A759-6A51-4108-AA02-DFA0A04FC94B}">
-                <ma14:wrappingTextBoxFlag xmlns="" xmlns:m="http://schemas.openxmlformats.org/officeDocument/2006/math" xmlns:a14="http://schemas.microsoft.com/office/drawing/2010/main" xmlns:ma14="http://schemas.microsoft.com/office/mac/drawingml/2011/main" val="1"/>
+                <ma14:wrappingTextBoxFlag xmlns:ma14="http://schemas.microsoft.com/office/mac/drawingml/2011/main" xmlns:a14="http://schemas.microsoft.com/office/drawing/2010/main" xmlns:m="http://schemas.openxmlformats.org/officeDocument/2006/math" xmlns="" val="1"/>
               </a:ext>
             </a:extLst>
           </p:spPr>
@@ -16699,7 +16700,7 @@
             </a:ln>
             <a:extLst>
               <a:ext uri="{C572A759-6A51-4108-AA02-DFA0A04FC94B}">
-                <ma14:wrappingTextBoxFlag xmlns="" xmlns:m="http://schemas.openxmlformats.org/officeDocument/2006/math" xmlns:a14="http://schemas.microsoft.com/office/drawing/2010/main" xmlns:ma14="http://schemas.microsoft.com/office/mac/drawingml/2011/main" val="1"/>
+                <ma14:wrappingTextBoxFlag xmlns:ma14="http://schemas.microsoft.com/office/mac/drawingml/2011/main" xmlns:a14="http://schemas.microsoft.com/office/drawing/2010/main" xmlns:m="http://schemas.openxmlformats.org/officeDocument/2006/math" xmlns="" val="1"/>
               </a:ext>
             </a:extLst>
           </p:spPr>
@@ -16757,7 +16758,7 @@
             </a:ln>
             <a:extLst>
               <a:ext uri="{C572A759-6A51-4108-AA02-DFA0A04FC94B}">
-                <ma14:wrappingTextBoxFlag xmlns="" xmlns:m="http://schemas.openxmlformats.org/officeDocument/2006/math" xmlns:a14="http://schemas.microsoft.com/office/drawing/2010/main" xmlns:ma14="http://schemas.microsoft.com/office/mac/drawingml/2011/main" val="1"/>
+                <ma14:wrappingTextBoxFlag xmlns:ma14="http://schemas.microsoft.com/office/mac/drawingml/2011/main" xmlns:a14="http://schemas.microsoft.com/office/drawing/2010/main" xmlns:m="http://schemas.openxmlformats.org/officeDocument/2006/math" xmlns="" val="1"/>
               </a:ext>
             </a:extLst>
           </p:spPr>
@@ -16815,7 +16816,7 @@
             </a:ln>
             <a:extLst>
               <a:ext uri="{C572A759-6A51-4108-AA02-DFA0A04FC94B}">
-                <ma14:wrappingTextBoxFlag xmlns="" xmlns:m="http://schemas.openxmlformats.org/officeDocument/2006/math" xmlns:a14="http://schemas.microsoft.com/office/drawing/2010/main" xmlns:ma14="http://schemas.microsoft.com/office/mac/drawingml/2011/main" val="1"/>
+                <ma14:wrappingTextBoxFlag xmlns:ma14="http://schemas.microsoft.com/office/mac/drawingml/2011/main" xmlns:a14="http://schemas.microsoft.com/office/drawing/2010/main" xmlns:m="http://schemas.openxmlformats.org/officeDocument/2006/math" xmlns="" val="1"/>
               </a:ext>
             </a:extLst>
           </p:spPr>
@@ -16863,7 +16864,7 @@
             </a:ln>
             <a:extLst>
               <a:ext uri="{C572A759-6A51-4108-AA02-DFA0A04FC94B}">
-                <ma14:wrappingTextBoxFlag xmlns="" xmlns:m="http://schemas.openxmlformats.org/officeDocument/2006/math" xmlns:a14="http://schemas.microsoft.com/office/drawing/2010/main" xmlns:ma14="http://schemas.microsoft.com/office/mac/drawingml/2011/main" val="1"/>
+                <ma14:wrappingTextBoxFlag xmlns:ma14="http://schemas.microsoft.com/office/mac/drawingml/2011/main" xmlns:a14="http://schemas.microsoft.com/office/drawing/2010/main" xmlns:m="http://schemas.openxmlformats.org/officeDocument/2006/math" xmlns="" val="1"/>
               </a:ext>
             </a:extLst>
           </p:spPr>
@@ -16911,7 +16912,7 @@
             </a:ln>
             <a:extLst>
               <a:ext uri="{C572A759-6A51-4108-AA02-DFA0A04FC94B}">
-                <ma14:wrappingTextBoxFlag xmlns="" xmlns:m="http://schemas.openxmlformats.org/officeDocument/2006/math" xmlns:a14="http://schemas.microsoft.com/office/drawing/2010/main" xmlns:ma14="http://schemas.microsoft.com/office/mac/drawingml/2011/main" val="1"/>
+                <ma14:wrappingTextBoxFlag xmlns:ma14="http://schemas.microsoft.com/office/mac/drawingml/2011/main" xmlns:a14="http://schemas.microsoft.com/office/drawing/2010/main" xmlns:m="http://schemas.openxmlformats.org/officeDocument/2006/math" xmlns="" val="1"/>
               </a:ext>
             </a:extLst>
           </p:spPr>
@@ -16965,7 +16966,7 @@
             </a:ln>
             <a:extLst>
               <a:ext uri="{C572A759-6A51-4108-AA02-DFA0A04FC94B}">
-                <ma14:wrappingTextBoxFlag xmlns="" xmlns:m="http://schemas.openxmlformats.org/officeDocument/2006/math" xmlns:a14="http://schemas.microsoft.com/office/drawing/2010/main" xmlns:ma14="http://schemas.microsoft.com/office/mac/drawingml/2011/main" val="1"/>
+                <ma14:wrappingTextBoxFlag xmlns:ma14="http://schemas.microsoft.com/office/mac/drawingml/2011/main" xmlns:a14="http://schemas.microsoft.com/office/drawing/2010/main" xmlns:m="http://schemas.openxmlformats.org/officeDocument/2006/math" xmlns="" val="1"/>
               </a:ext>
             </a:extLst>
           </p:spPr>
@@ -17019,7 +17020,7 @@
             </a:ln>
             <a:extLst>
               <a:ext uri="{C572A759-6A51-4108-AA02-DFA0A04FC94B}">
-                <ma14:wrappingTextBoxFlag xmlns="" xmlns:m="http://schemas.openxmlformats.org/officeDocument/2006/math" xmlns:a14="http://schemas.microsoft.com/office/drawing/2010/main" xmlns:ma14="http://schemas.microsoft.com/office/mac/drawingml/2011/main" val="1"/>
+                <ma14:wrappingTextBoxFlag xmlns:ma14="http://schemas.microsoft.com/office/mac/drawingml/2011/main" xmlns:a14="http://schemas.microsoft.com/office/drawing/2010/main" xmlns:m="http://schemas.openxmlformats.org/officeDocument/2006/math" xmlns="" val="1"/>
               </a:ext>
             </a:extLst>
           </p:spPr>
@@ -17072,7 +17073,7 @@
             </a:ln>
             <a:extLst>
               <a:ext uri="{C572A759-6A51-4108-AA02-DFA0A04FC94B}">
-                <ma14:wrappingTextBoxFlag xmlns="" xmlns:m="http://schemas.openxmlformats.org/officeDocument/2006/math" xmlns:a14="http://schemas.microsoft.com/office/drawing/2010/main" xmlns:ma14="http://schemas.microsoft.com/office/mac/drawingml/2011/main" val="1"/>
+                <ma14:wrappingTextBoxFlag xmlns:ma14="http://schemas.microsoft.com/office/mac/drawingml/2011/main" xmlns:a14="http://schemas.microsoft.com/office/drawing/2010/main" xmlns:m="http://schemas.openxmlformats.org/officeDocument/2006/math" xmlns="" val="1"/>
               </a:ext>
             </a:extLst>
           </p:spPr>
@@ -17125,7 +17126,7 @@
             </a:ln>
             <a:extLst>
               <a:ext uri="{C572A759-6A51-4108-AA02-DFA0A04FC94B}">
-                <ma14:wrappingTextBoxFlag xmlns="" xmlns:m="http://schemas.openxmlformats.org/officeDocument/2006/math" xmlns:a14="http://schemas.microsoft.com/office/drawing/2010/main" xmlns:ma14="http://schemas.microsoft.com/office/mac/drawingml/2011/main" val="1"/>
+                <ma14:wrappingTextBoxFlag xmlns:ma14="http://schemas.microsoft.com/office/mac/drawingml/2011/main" xmlns:a14="http://schemas.microsoft.com/office/drawing/2010/main" xmlns:m="http://schemas.openxmlformats.org/officeDocument/2006/math" xmlns="" val="1"/>
               </a:ext>
             </a:extLst>
           </p:spPr>
@@ -17178,7 +17179,7 @@
             </a:ln>
             <a:extLst>
               <a:ext uri="{C572A759-6A51-4108-AA02-DFA0A04FC94B}">
-                <ma14:wrappingTextBoxFlag xmlns="" xmlns:m="http://schemas.openxmlformats.org/officeDocument/2006/math" xmlns:a14="http://schemas.microsoft.com/office/drawing/2010/main" xmlns:ma14="http://schemas.microsoft.com/office/mac/drawingml/2011/main" val="1"/>
+                <ma14:wrappingTextBoxFlag xmlns:ma14="http://schemas.microsoft.com/office/mac/drawingml/2011/main" xmlns:a14="http://schemas.microsoft.com/office/drawing/2010/main" xmlns:m="http://schemas.openxmlformats.org/officeDocument/2006/math" xmlns="" val="1"/>
               </a:ext>
             </a:extLst>
           </p:spPr>
@@ -17355,7 +17356,7 @@
             </a:ln>
             <a:extLst>
               <a:ext uri="{C572A759-6A51-4108-AA02-DFA0A04FC94B}">
-                <ma14:wrappingTextBoxFlag xmlns="" xmlns:ma14="http://schemas.microsoft.com/office/mac/drawingml/2011/main" xmlns:a14="http://schemas.microsoft.com/office/drawing/2010/main" xmlns:m="http://schemas.openxmlformats.org/officeDocument/2006/math" val="1"/>
+                <ma14:wrappingTextBoxFlag xmlns:m="http://schemas.openxmlformats.org/officeDocument/2006/math" xmlns:a14="http://schemas.microsoft.com/office/drawing/2010/main" xmlns:ma14="http://schemas.microsoft.com/office/mac/drawingml/2011/main" xmlns="" val="1"/>
               </a:ext>
             </a:extLst>
           </p:spPr>
@@ -17403,7 +17404,7 @@
             </a:ln>
             <a:extLst>
               <a:ext uri="{C572A759-6A51-4108-AA02-DFA0A04FC94B}">
-                <ma14:wrappingTextBoxFlag xmlns="" xmlns:ma14="http://schemas.microsoft.com/office/mac/drawingml/2011/main" xmlns:a14="http://schemas.microsoft.com/office/drawing/2010/main" xmlns:m="http://schemas.openxmlformats.org/officeDocument/2006/math" val="1"/>
+                <ma14:wrappingTextBoxFlag xmlns:m="http://schemas.openxmlformats.org/officeDocument/2006/math" xmlns:a14="http://schemas.microsoft.com/office/drawing/2010/main" xmlns:ma14="http://schemas.microsoft.com/office/mac/drawingml/2011/main" xmlns="" val="1"/>
               </a:ext>
             </a:extLst>
           </p:spPr>
@@ -17451,7 +17452,7 @@
             </a:ln>
             <a:extLst>
               <a:ext uri="{C572A759-6A51-4108-AA02-DFA0A04FC94B}">
-                <ma14:wrappingTextBoxFlag xmlns="" xmlns:ma14="http://schemas.microsoft.com/office/mac/drawingml/2011/main" xmlns:a14="http://schemas.microsoft.com/office/drawing/2010/main" xmlns:m="http://schemas.openxmlformats.org/officeDocument/2006/math" val="1"/>
+                <ma14:wrappingTextBoxFlag xmlns:m="http://schemas.openxmlformats.org/officeDocument/2006/math" xmlns:a14="http://schemas.microsoft.com/office/drawing/2010/main" xmlns:ma14="http://schemas.microsoft.com/office/mac/drawingml/2011/main" xmlns="" val="1"/>
               </a:ext>
             </a:extLst>
           </p:spPr>
@@ -17503,7 +17504,7 @@
             </a:ln>
             <a:extLst>
               <a:ext uri="{C572A759-6A51-4108-AA02-DFA0A04FC94B}">
-                <ma14:wrappingTextBoxFlag xmlns="" xmlns:ma14="http://schemas.microsoft.com/office/mac/drawingml/2011/main" xmlns:a14="http://schemas.microsoft.com/office/drawing/2010/main" xmlns:m="http://schemas.openxmlformats.org/officeDocument/2006/math" val="1"/>
+                <ma14:wrappingTextBoxFlag xmlns:m="http://schemas.openxmlformats.org/officeDocument/2006/math" xmlns:a14="http://schemas.microsoft.com/office/drawing/2010/main" xmlns:ma14="http://schemas.microsoft.com/office/mac/drawingml/2011/main" xmlns="" val="1"/>
               </a:ext>
             </a:extLst>
           </p:spPr>
@@ -17551,7 +17552,7 @@
             </a:ln>
             <a:extLst>
               <a:ext uri="{C572A759-6A51-4108-AA02-DFA0A04FC94B}">
-                <ma14:wrappingTextBoxFlag xmlns="" xmlns:ma14="http://schemas.microsoft.com/office/mac/drawingml/2011/main" xmlns:a14="http://schemas.microsoft.com/office/drawing/2010/main" xmlns:m="http://schemas.openxmlformats.org/officeDocument/2006/math" val="1"/>
+                <ma14:wrappingTextBoxFlag xmlns:m="http://schemas.openxmlformats.org/officeDocument/2006/math" xmlns:a14="http://schemas.microsoft.com/office/drawing/2010/main" xmlns:ma14="http://schemas.microsoft.com/office/mac/drawingml/2011/main" xmlns="" val="1"/>
               </a:ext>
             </a:extLst>
           </p:spPr>
@@ -17599,7 +17600,7 @@
             </a:ln>
             <a:extLst>
               <a:ext uri="{C572A759-6A51-4108-AA02-DFA0A04FC94B}">
-                <ma14:wrappingTextBoxFlag xmlns="" xmlns:ma14="http://schemas.microsoft.com/office/mac/drawingml/2011/main" xmlns:a14="http://schemas.microsoft.com/office/drawing/2010/main" xmlns:m="http://schemas.openxmlformats.org/officeDocument/2006/math" val="1"/>
+                <ma14:wrappingTextBoxFlag xmlns:m="http://schemas.openxmlformats.org/officeDocument/2006/math" xmlns:a14="http://schemas.microsoft.com/office/drawing/2010/main" xmlns:ma14="http://schemas.microsoft.com/office/mac/drawingml/2011/main" xmlns="" val="1"/>
               </a:ext>
             </a:extLst>
           </p:spPr>
@@ -17656,7 +17657,7 @@
             </a:ln>
             <a:extLst>
               <a:ext uri="{C572A759-6A51-4108-AA02-DFA0A04FC94B}">
-                <ma14:wrappingTextBoxFlag xmlns="" xmlns:ma14="http://schemas.microsoft.com/office/mac/drawingml/2011/main" xmlns:a14="http://schemas.microsoft.com/office/drawing/2010/main" xmlns:m="http://schemas.openxmlformats.org/officeDocument/2006/math" val="1"/>
+                <ma14:wrappingTextBoxFlag xmlns:m="http://schemas.openxmlformats.org/officeDocument/2006/math" xmlns:a14="http://schemas.microsoft.com/office/drawing/2010/main" xmlns:ma14="http://schemas.microsoft.com/office/mac/drawingml/2011/main" xmlns="" val="1"/>
               </a:ext>
             </a:extLst>
           </p:spPr>
@@ -17714,7 +17715,7 @@
             </a:ln>
             <a:extLst>
               <a:ext uri="{C572A759-6A51-4108-AA02-DFA0A04FC94B}">
-                <ma14:wrappingTextBoxFlag xmlns="" xmlns:ma14="http://schemas.microsoft.com/office/mac/drawingml/2011/main" xmlns:a14="http://schemas.microsoft.com/office/drawing/2010/main" xmlns:m="http://schemas.openxmlformats.org/officeDocument/2006/math" val="1"/>
+                <ma14:wrappingTextBoxFlag xmlns:m="http://schemas.openxmlformats.org/officeDocument/2006/math" xmlns:a14="http://schemas.microsoft.com/office/drawing/2010/main" xmlns:ma14="http://schemas.microsoft.com/office/mac/drawingml/2011/main" xmlns="" val="1"/>
               </a:ext>
             </a:extLst>
           </p:spPr>
@@ -17762,7 +17763,7 @@
             </a:ln>
             <a:extLst>
               <a:ext uri="{C572A759-6A51-4108-AA02-DFA0A04FC94B}">
-                <ma14:wrappingTextBoxFlag xmlns="" xmlns:ma14="http://schemas.microsoft.com/office/mac/drawingml/2011/main" xmlns:a14="http://schemas.microsoft.com/office/drawing/2010/main" xmlns:m="http://schemas.openxmlformats.org/officeDocument/2006/math" val="1"/>
+                <ma14:wrappingTextBoxFlag xmlns:m="http://schemas.openxmlformats.org/officeDocument/2006/math" xmlns:a14="http://schemas.microsoft.com/office/drawing/2010/main" xmlns:ma14="http://schemas.microsoft.com/office/mac/drawingml/2011/main" xmlns="" val="1"/>
               </a:ext>
             </a:extLst>
           </p:spPr>
@@ -17810,7 +17811,7 @@
             </a:ln>
             <a:extLst>
               <a:ext uri="{C572A759-6A51-4108-AA02-DFA0A04FC94B}">
-                <ma14:wrappingTextBoxFlag xmlns="" xmlns:ma14="http://schemas.microsoft.com/office/mac/drawingml/2011/main" xmlns:a14="http://schemas.microsoft.com/office/drawing/2010/main" xmlns:m="http://schemas.openxmlformats.org/officeDocument/2006/math" val="1"/>
+                <ma14:wrappingTextBoxFlag xmlns:m="http://schemas.openxmlformats.org/officeDocument/2006/math" xmlns:a14="http://schemas.microsoft.com/office/drawing/2010/main" xmlns:ma14="http://schemas.microsoft.com/office/mac/drawingml/2011/main" xmlns="" val="1"/>
               </a:ext>
             </a:extLst>
           </p:spPr>
@@ -17858,7 +17859,7 @@
             </a:ln>
             <a:extLst>
               <a:ext uri="{C572A759-6A51-4108-AA02-DFA0A04FC94B}">
-                <ma14:wrappingTextBoxFlag xmlns="" xmlns:ma14="http://schemas.microsoft.com/office/mac/drawingml/2011/main" xmlns:a14="http://schemas.microsoft.com/office/drawing/2010/main" xmlns:m="http://schemas.openxmlformats.org/officeDocument/2006/math" val="1"/>
+                <ma14:wrappingTextBoxFlag xmlns:m="http://schemas.openxmlformats.org/officeDocument/2006/math" xmlns:a14="http://schemas.microsoft.com/office/drawing/2010/main" xmlns:ma14="http://schemas.microsoft.com/office/mac/drawingml/2011/main" xmlns="" val="1"/>
               </a:ext>
             </a:extLst>
           </p:spPr>
@@ -17916,7 +17917,7 @@
             </a:ln>
             <a:extLst>
               <a:ext uri="{C572A759-6A51-4108-AA02-DFA0A04FC94B}">
-                <ma14:wrappingTextBoxFlag xmlns="" xmlns:ma14="http://schemas.microsoft.com/office/mac/drawingml/2011/main" xmlns:a14="http://schemas.microsoft.com/office/drawing/2010/main" xmlns:m="http://schemas.openxmlformats.org/officeDocument/2006/math" val="1"/>
+                <ma14:wrappingTextBoxFlag xmlns:m="http://schemas.openxmlformats.org/officeDocument/2006/math" xmlns:a14="http://schemas.microsoft.com/office/drawing/2010/main" xmlns:ma14="http://schemas.microsoft.com/office/mac/drawingml/2011/main" xmlns="" val="1"/>
               </a:ext>
             </a:extLst>
           </p:spPr>
@@ -17973,7 +17974,7 @@
             </a:ln>
             <a:extLst>
               <a:ext uri="{C572A759-6A51-4108-AA02-DFA0A04FC94B}">
-                <ma14:wrappingTextBoxFlag xmlns="" xmlns:ma14="http://schemas.microsoft.com/office/mac/drawingml/2011/main" xmlns:a14="http://schemas.microsoft.com/office/drawing/2010/main" xmlns:m="http://schemas.openxmlformats.org/officeDocument/2006/math" val="1"/>
+                <ma14:wrappingTextBoxFlag xmlns:m="http://schemas.openxmlformats.org/officeDocument/2006/math" xmlns:a14="http://schemas.microsoft.com/office/drawing/2010/main" xmlns:ma14="http://schemas.microsoft.com/office/mac/drawingml/2011/main" xmlns="" val="1"/>
               </a:ext>
             </a:extLst>
           </p:spPr>
@@ -18021,7 +18022,7 @@
             </a:ln>
             <a:extLst>
               <a:ext uri="{C572A759-6A51-4108-AA02-DFA0A04FC94B}">
-                <ma14:wrappingTextBoxFlag xmlns="" xmlns:ma14="http://schemas.microsoft.com/office/mac/drawingml/2011/main" xmlns:a14="http://schemas.microsoft.com/office/drawing/2010/main" xmlns:m="http://schemas.openxmlformats.org/officeDocument/2006/math" val="1"/>
+                <ma14:wrappingTextBoxFlag xmlns:m="http://schemas.openxmlformats.org/officeDocument/2006/math" xmlns:a14="http://schemas.microsoft.com/office/drawing/2010/main" xmlns:ma14="http://schemas.microsoft.com/office/mac/drawingml/2011/main" xmlns="" val="1"/>
               </a:ext>
             </a:extLst>
           </p:spPr>
@@ -18073,7 +18074,7 @@
             </a:ln>
             <a:extLst>
               <a:ext uri="{C572A759-6A51-4108-AA02-DFA0A04FC94B}">
-                <ma14:wrappingTextBoxFlag xmlns="" xmlns:ma14="http://schemas.microsoft.com/office/mac/drawingml/2011/main" xmlns:a14="http://schemas.microsoft.com/office/drawing/2010/main" xmlns:m="http://schemas.openxmlformats.org/officeDocument/2006/math" val="1"/>
+                <ma14:wrappingTextBoxFlag xmlns:m="http://schemas.openxmlformats.org/officeDocument/2006/math" xmlns:a14="http://schemas.microsoft.com/office/drawing/2010/main" xmlns:ma14="http://schemas.microsoft.com/office/mac/drawingml/2011/main" xmlns="" val="1"/>
               </a:ext>
             </a:extLst>
           </p:spPr>
@@ -18131,7 +18132,7 @@
             </a:ln>
             <a:extLst>
               <a:ext uri="{C572A759-6A51-4108-AA02-DFA0A04FC94B}">
-                <ma14:wrappingTextBoxFlag xmlns="" xmlns:ma14="http://schemas.microsoft.com/office/mac/drawingml/2011/main" xmlns:a14="http://schemas.microsoft.com/office/drawing/2010/main" xmlns:m="http://schemas.openxmlformats.org/officeDocument/2006/math" val="1"/>
+                <ma14:wrappingTextBoxFlag xmlns:m="http://schemas.openxmlformats.org/officeDocument/2006/math" xmlns:a14="http://schemas.microsoft.com/office/drawing/2010/main" xmlns:ma14="http://schemas.microsoft.com/office/mac/drawingml/2011/main" xmlns="" val="1"/>
               </a:ext>
             </a:extLst>
           </p:spPr>
@@ -18179,7 +18180,7 @@
             </a:ln>
             <a:extLst>
               <a:ext uri="{C572A759-6A51-4108-AA02-DFA0A04FC94B}">
-                <ma14:wrappingTextBoxFlag xmlns="" xmlns:ma14="http://schemas.microsoft.com/office/mac/drawingml/2011/main" xmlns:a14="http://schemas.microsoft.com/office/drawing/2010/main" xmlns:m="http://schemas.openxmlformats.org/officeDocument/2006/math" val="1"/>
+                <ma14:wrappingTextBoxFlag xmlns:m="http://schemas.openxmlformats.org/officeDocument/2006/math" xmlns:a14="http://schemas.microsoft.com/office/drawing/2010/main" xmlns:ma14="http://schemas.microsoft.com/office/mac/drawingml/2011/main" xmlns="" val="1"/>
               </a:ext>
             </a:extLst>
           </p:spPr>
@@ -18232,7 +18233,7 @@
             </a:ln>
             <a:extLst>
               <a:ext uri="{C572A759-6A51-4108-AA02-DFA0A04FC94B}">
-                <ma14:wrappingTextBoxFlag xmlns="" xmlns:ma14="http://schemas.microsoft.com/office/mac/drawingml/2011/main" xmlns:a14="http://schemas.microsoft.com/office/drawing/2010/main" xmlns:m="http://schemas.openxmlformats.org/officeDocument/2006/math" val="1"/>
+                <ma14:wrappingTextBoxFlag xmlns:m="http://schemas.openxmlformats.org/officeDocument/2006/math" xmlns:a14="http://schemas.microsoft.com/office/drawing/2010/main" xmlns:ma14="http://schemas.microsoft.com/office/mac/drawingml/2011/main" xmlns="" val="1"/>
               </a:ext>
             </a:extLst>
           </p:spPr>
@@ -18280,7 +18281,7 @@
             </a:ln>
             <a:extLst>
               <a:ext uri="{C572A759-6A51-4108-AA02-DFA0A04FC94B}">
-                <ma14:wrappingTextBoxFlag xmlns="" xmlns:ma14="http://schemas.microsoft.com/office/mac/drawingml/2011/main" xmlns:a14="http://schemas.microsoft.com/office/drawing/2010/main" xmlns:m="http://schemas.openxmlformats.org/officeDocument/2006/math" val="1"/>
+                <ma14:wrappingTextBoxFlag xmlns:m="http://schemas.openxmlformats.org/officeDocument/2006/math" xmlns:a14="http://schemas.microsoft.com/office/drawing/2010/main" xmlns:ma14="http://schemas.microsoft.com/office/mac/drawingml/2011/main" xmlns="" val="1"/>
               </a:ext>
             </a:extLst>
           </p:spPr>
@@ -18332,7 +18333,7 @@
             </a:ln>
             <a:extLst>
               <a:ext uri="{C572A759-6A51-4108-AA02-DFA0A04FC94B}">
-                <ma14:wrappingTextBoxFlag xmlns="" xmlns:ma14="http://schemas.microsoft.com/office/mac/drawingml/2011/main" xmlns:a14="http://schemas.microsoft.com/office/drawing/2010/main" xmlns:m="http://schemas.openxmlformats.org/officeDocument/2006/math" val="1"/>
+                <ma14:wrappingTextBoxFlag xmlns:m="http://schemas.openxmlformats.org/officeDocument/2006/math" xmlns:a14="http://schemas.microsoft.com/office/drawing/2010/main" xmlns:ma14="http://schemas.microsoft.com/office/mac/drawingml/2011/main" xmlns="" val="1"/>
               </a:ext>
             </a:extLst>
           </p:spPr>
@@ -18380,7 +18381,7 @@
             </a:ln>
             <a:extLst>
               <a:ext uri="{C572A759-6A51-4108-AA02-DFA0A04FC94B}">
-                <ma14:wrappingTextBoxFlag xmlns="" xmlns:ma14="http://schemas.microsoft.com/office/mac/drawingml/2011/main" xmlns:a14="http://schemas.microsoft.com/office/drawing/2010/main" xmlns:m="http://schemas.openxmlformats.org/officeDocument/2006/math" val="1"/>
+                <ma14:wrappingTextBoxFlag xmlns:m="http://schemas.openxmlformats.org/officeDocument/2006/math" xmlns:a14="http://schemas.microsoft.com/office/drawing/2010/main" xmlns:ma14="http://schemas.microsoft.com/office/mac/drawingml/2011/main" xmlns="" val="1"/>
               </a:ext>
             </a:extLst>
           </p:spPr>
@@ -18434,7 +18435,7 @@
             </a:ln>
             <a:extLst>
               <a:ext uri="{C572A759-6A51-4108-AA02-DFA0A04FC94B}">
-                <ma14:wrappingTextBoxFlag xmlns="" xmlns:ma14="http://schemas.microsoft.com/office/mac/drawingml/2011/main" xmlns:a14="http://schemas.microsoft.com/office/drawing/2010/main" xmlns:m="http://schemas.openxmlformats.org/officeDocument/2006/math" val="1"/>
+                <ma14:wrappingTextBoxFlag xmlns:m="http://schemas.openxmlformats.org/officeDocument/2006/math" xmlns:a14="http://schemas.microsoft.com/office/drawing/2010/main" xmlns:ma14="http://schemas.microsoft.com/office/mac/drawingml/2011/main" xmlns="" val="1"/>
               </a:ext>
             </a:extLst>
           </p:spPr>
@@ -18491,7 +18492,7 @@
             </a:ln>
             <a:extLst>
               <a:ext uri="{C572A759-6A51-4108-AA02-DFA0A04FC94B}">
-                <ma14:wrappingTextBoxFlag xmlns="" xmlns:ma14="http://schemas.microsoft.com/office/mac/drawingml/2011/main" xmlns:a14="http://schemas.microsoft.com/office/drawing/2010/main" xmlns:m="http://schemas.openxmlformats.org/officeDocument/2006/math" val="1"/>
+                <ma14:wrappingTextBoxFlag xmlns:m="http://schemas.openxmlformats.org/officeDocument/2006/math" xmlns:a14="http://schemas.microsoft.com/office/drawing/2010/main" xmlns:ma14="http://schemas.microsoft.com/office/mac/drawingml/2011/main" xmlns="" val="1"/>
               </a:ext>
             </a:extLst>
           </p:spPr>
@@ -18549,7 +18550,7 @@
             </a:ln>
             <a:extLst>
               <a:ext uri="{C572A759-6A51-4108-AA02-DFA0A04FC94B}">
-                <ma14:wrappingTextBoxFlag xmlns="" xmlns:ma14="http://schemas.microsoft.com/office/mac/drawingml/2011/main" xmlns:a14="http://schemas.microsoft.com/office/drawing/2010/main" xmlns:m="http://schemas.openxmlformats.org/officeDocument/2006/math" val="1"/>
+                <ma14:wrappingTextBoxFlag xmlns:m="http://schemas.openxmlformats.org/officeDocument/2006/math" xmlns:a14="http://schemas.microsoft.com/office/drawing/2010/main" xmlns:ma14="http://schemas.microsoft.com/office/mac/drawingml/2011/main" xmlns="" val="1"/>
               </a:ext>
             </a:extLst>
           </p:spPr>
@@ -18630,7 +18631,7 @@
             </a:ln>
             <a:extLst>
               <a:ext uri="{C572A759-6A51-4108-AA02-DFA0A04FC94B}">
-                <ma14:wrappingTextBoxFlag xmlns="" xmlns:ma14="http://schemas.microsoft.com/office/mac/drawingml/2011/main" xmlns:a14="http://schemas.microsoft.com/office/drawing/2010/main" xmlns:m="http://schemas.openxmlformats.org/officeDocument/2006/math" val="1"/>
+                <ma14:wrappingTextBoxFlag xmlns:m="http://schemas.openxmlformats.org/officeDocument/2006/math" xmlns:a14="http://schemas.microsoft.com/office/drawing/2010/main" xmlns:ma14="http://schemas.microsoft.com/office/mac/drawingml/2011/main" xmlns="" val="1"/>
               </a:ext>
             </a:extLst>
           </p:spPr>
@@ -18688,7 +18689,7 @@
             </a:ln>
             <a:extLst>
               <a:ext uri="{C572A759-6A51-4108-AA02-DFA0A04FC94B}">
-                <ma14:wrappingTextBoxFlag xmlns="" xmlns:ma14="http://schemas.microsoft.com/office/mac/drawingml/2011/main" xmlns:a14="http://schemas.microsoft.com/office/drawing/2010/main" xmlns:m="http://schemas.openxmlformats.org/officeDocument/2006/math" val="1"/>
+                <ma14:wrappingTextBoxFlag xmlns:m="http://schemas.openxmlformats.org/officeDocument/2006/math" xmlns:a14="http://schemas.microsoft.com/office/drawing/2010/main" xmlns:ma14="http://schemas.microsoft.com/office/mac/drawingml/2011/main" xmlns="" val="1"/>
               </a:ext>
             </a:extLst>
           </p:spPr>
@@ -18746,7 +18747,7 @@
             </a:ln>
             <a:extLst>
               <a:ext uri="{C572A759-6A51-4108-AA02-DFA0A04FC94B}">
-                <ma14:wrappingTextBoxFlag xmlns="" xmlns:ma14="http://schemas.microsoft.com/office/mac/drawingml/2011/main" xmlns:a14="http://schemas.microsoft.com/office/drawing/2010/main" xmlns:m="http://schemas.openxmlformats.org/officeDocument/2006/math" val="1"/>
+                <ma14:wrappingTextBoxFlag xmlns:m="http://schemas.openxmlformats.org/officeDocument/2006/math" xmlns:a14="http://schemas.microsoft.com/office/drawing/2010/main" xmlns:ma14="http://schemas.microsoft.com/office/mac/drawingml/2011/main" xmlns="" val="1"/>
               </a:ext>
             </a:extLst>
           </p:spPr>
@@ -18804,7 +18805,7 @@
             </a:ln>
             <a:extLst>
               <a:ext uri="{C572A759-6A51-4108-AA02-DFA0A04FC94B}">
-                <ma14:wrappingTextBoxFlag xmlns="" xmlns:ma14="http://schemas.microsoft.com/office/mac/drawingml/2011/main" xmlns:a14="http://schemas.microsoft.com/office/drawing/2010/main" xmlns:m="http://schemas.openxmlformats.org/officeDocument/2006/math" val="1"/>
+                <ma14:wrappingTextBoxFlag xmlns:m="http://schemas.openxmlformats.org/officeDocument/2006/math" xmlns:a14="http://schemas.microsoft.com/office/drawing/2010/main" xmlns:ma14="http://schemas.microsoft.com/office/mac/drawingml/2011/main" xmlns="" val="1"/>
               </a:ext>
             </a:extLst>
           </p:spPr>
@@ -18852,7 +18853,7 @@
             </a:ln>
             <a:extLst>
               <a:ext uri="{C572A759-6A51-4108-AA02-DFA0A04FC94B}">
-                <ma14:wrappingTextBoxFlag xmlns="" xmlns:ma14="http://schemas.microsoft.com/office/mac/drawingml/2011/main" xmlns:a14="http://schemas.microsoft.com/office/drawing/2010/main" xmlns:m="http://schemas.openxmlformats.org/officeDocument/2006/math" val="1"/>
+                <ma14:wrappingTextBoxFlag xmlns:m="http://schemas.openxmlformats.org/officeDocument/2006/math" xmlns:a14="http://schemas.microsoft.com/office/drawing/2010/main" xmlns:ma14="http://schemas.microsoft.com/office/mac/drawingml/2011/main" xmlns="" val="1"/>
               </a:ext>
             </a:extLst>
           </p:spPr>
@@ -18900,7 +18901,7 @@
             </a:ln>
             <a:extLst>
               <a:ext uri="{C572A759-6A51-4108-AA02-DFA0A04FC94B}">
-                <ma14:wrappingTextBoxFlag xmlns="" xmlns:ma14="http://schemas.microsoft.com/office/mac/drawingml/2011/main" xmlns:a14="http://schemas.microsoft.com/office/drawing/2010/main" xmlns:m="http://schemas.openxmlformats.org/officeDocument/2006/math" val="1"/>
+                <ma14:wrappingTextBoxFlag xmlns:m="http://schemas.openxmlformats.org/officeDocument/2006/math" xmlns:a14="http://schemas.microsoft.com/office/drawing/2010/main" xmlns:ma14="http://schemas.microsoft.com/office/mac/drawingml/2011/main" xmlns="" val="1"/>
               </a:ext>
             </a:extLst>
           </p:spPr>
@@ -18954,7 +18955,7 @@
             </a:ln>
             <a:extLst>
               <a:ext uri="{C572A759-6A51-4108-AA02-DFA0A04FC94B}">
-                <ma14:wrappingTextBoxFlag xmlns="" xmlns:ma14="http://schemas.microsoft.com/office/mac/drawingml/2011/main" xmlns:a14="http://schemas.microsoft.com/office/drawing/2010/main" xmlns:m="http://schemas.openxmlformats.org/officeDocument/2006/math" val="1"/>
+                <ma14:wrappingTextBoxFlag xmlns:m="http://schemas.openxmlformats.org/officeDocument/2006/math" xmlns:a14="http://schemas.microsoft.com/office/drawing/2010/main" xmlns:ma14="http://schemas.microsoft.com/office/mac/drawingml/2011/main" xmlns="" val="1"/>
               </a:ext>
             </a:extLst>
           </p:spPr>
@@ -19008,7 +19009,7 @@
             </a:ln>
             <a:extLst>
               <a:ext uri="{C572A759-6A51-4108-AA02-DFA0A04FC94B}">
-                <ma14:wrappingTextBoxFlag xmlns="" xmlns:ma14="http://schemas.microsoft.com/office/mac/drawingml/2011/main" xmlns:a14="http://schemas.microsoft.com/office/drawing/2010/main" xmlns:m="http://schemas.openxmlformats.org/officeDocument/2006/math" val="1"/>
+                <ma14:wrappingTextBoxFlag xmlns:m="http://schemas.openxmlformats.org/officeDocument/2006/math" xmlns:a14="http://schemas.microsoft.com/office/drawing/2010/main" xmlns:ma14="http://schemas.microsoft.com/office/mac/drawingml/2011/main" xmlns="" val="1"/>
               </a:ext>
             </a:extLst>
           </p:spPr>
@@ -19061,7 +19062,7 @@
             </a:ln>
             <a:extLst>
               <a:ext uri="{C572A759-6A51-4108-AA02-DFA0A04FC94B}">
-                <ma14:wrappingTextBoxFlag xmlns="" xmlns:ma14="http://schemas.microsoft.com/office/mac/drawingml/2011/main" xmlns:a14="http://schemas.microsoft.com/office/drawing/2010/main" xmlns:m="http://schemas.openxmlformats.org/officeDocument/2006/math" val="1"/>
+                <ma14:wrappingTextBoxFlag xmlns:m="http://schemas.openxmlformats.org/officeDocument/2006/math" xmlns:a14="http://schemas.microsoft.com/office/drawing/2010/main" xmlns:ma14="http://schemas.microsoft.com/office/mac/drawingml/2011/main" xmlns="" val="1"/>
               </a:ext>
             </a:extLst>
           </p:spPr>
@@ -19114,7 +19115,7 @@
             </a:ln>
             <a:extLst>
               <a:ext uri="{C572A759-6A51-4108-AA02-DFA0A04FC94B}">
-                <ma14:wrappingTextBoxFlag xmlns="" xmlns:ma14="http://schemas.microsoft.com/office/mac/drawingml/2011/main" xmlns:a14="http://schemas.microsoft.com/office/drawing/2010/main" xmlns:m="http://schemas.openxmlformats.org/officeDocument/2006/math" val="1"/>
+                <ma14:wrappingTextBoxFlag xmlns:m="http://schemas.openxmlformats.org/officeDocument/2006/math" xmlns:a14="http://schemas.microsoft.com/office/drawing/2010/main" xmlns:ma14="http://schemas.microsoft.com/office/mac/drawingml/2011/main" xmlns="" val="1"/>
               </a:ext>
             </a:extLst>
           </p:spPr>
@@ -19167,7 +19168,7 @@
             </a:ln>
             <a:extLst>
               <a:ext uri="{C572A759-6A51-4108-AA02-DFA0A04FC94B}">
-                <ma14:wrappingTextBoxFlag xmlns="" xmlns:ma14="http://schemas.microsoft.com/office/mac/drawingml/2011/main" xmlns:a14="http://schemas.microsoft.com/office/drawing/2010/main" xmlns:m="http://schemas.openxmlformats.org/officeDocument/2006/math" val="1"/>
+                <ma14:wrappingTextBoxFlag xmlns:m="http://schemas.openxmlformats.org/officeDocument/2006/math" xmlns:a14="http://schemas.microsoft.com/office/drawing/2010/main" xmlns:ma14="http://schemas.microsoft.com/office/mac/drawingml/2011/main" xmlns="" val="1"/>
               </a:ext>
             </a:extLst>
           </p:spPr>
@@ -20344,7 +20345,7 @@
             </a:ln>
             <a:extLst>
               <a:ext uri="{C572A759-6A51-4108-AA02-DFA0A04FC94B}">
-                <ma14:wrappingTextBoxFlag xmlns="" xmlns:m="http://schemas.openxmlformats.org/officeDocument/2006/math" xmlns:a14="http://schemas.microsoft.com/office/drawing/2010/main" xmlns:ma14="http://schemas.microsoft.com/office/mac/drawingml/2011/main" val="1"/>
+                <ma14:wrappingTextBoxFlag xmlns:ma14="http://schemas.microsoft.com/office/mac/drawingml/2011/main" xmlns:a14="http://schemas.microsoft.com/office/drawing/2010/main" xmlns:m="http://schemas.openxmlformats.org/officeDocument/2006/math" xmlns="" val="1"/>
               </a:ext>
             </a:extLst>
           </p:spPr>
@@ -20392,7 +20393,7 @@
             </a:ln>
             <a:extLst>
               <a:ext uri="{C572A759-6A51-4108-AA02-DFA0A04FC94B}">
-                <ma14:wrappingTextBoxFlag xmlns="" xmlns:m="http://schemas.openxmlformats.org/officeDocument/2006/math" xmlns:a14="http://schemas.microsoft.com/office/drawing/2010/main" xmlns:ma14="http://schemas.microsoft.com/office/mac/drawingml/2011/main" val="1"/>
+                <ma14:wrappingTextBoxFlag xmlns:ma14="http://schemas.microsoft.com/office/mac/drawingml/2011/main" xmlns:a14="http://schemas.microsoft.com/office/drawing/2010/main" xmlns:m="http://schemas.openxmlformats.org/officeDocument/2006/math" xmlns="" val="1"/>
               </a:ext>
             </a:extLst>
           </p:spPr>
@@ -20440,7 +20441,7 @@
             </a:ln>
             <a:extLst>
               <a:ext uri="{C572A759-6A51-4108-AA02-DFA0A04FC94B}">
-                <ma14:wrappingTextBoxFlag xmlns="" xmlns:m="http://schemas.openxmlformats.org/officeDocument/2006/math" xmlns:a14="http://schemas.microsoft.com/office/drawing/2010/main" xmlns:ma14="http://schemas.microsoft.com/office/mac/drawingml/2011/main" val="1"/>
+                <ma14:wrappingTextBoxFlag xmlns:ma14="http://schemas.microsoft.com/office/mac/drawingml/2011/main" xmlns:a14="http://schemas.microsoft.com/office/drawing/2010/main" xmlns:m="http://schemas.openxmlformats.org/officeDocument/2006/math" xmlns="" val="1"/>
               </a:ext>
             </a:extLst>
           </p:spPr>
@@ -20492,7 +20493,7 @@
             </a:ln>
             <a:extLst>
               <a:ext uri="{C572A759-6A51-4108-AA02-DFA0A04FC94B}">
-                <ma14:wrappingTextBoxFlag xmlns="" xmlns:m="http://schemas.openxmlformats.org/officeDocument/2006/math" xmlns:a14="http://schemas.microsoft.com/office/drawing/2010/main" xmlns:ma14="http://schemas.microsoft.com/office/mac/drawingml/2011/main" val="1"/>
+                <ma14:wrappingTextBoxFlag xmlns:ma14="http://schemas.microsoft.com/office/mac/drawingml/2011/main" xmlns:a14="http://schemas.microsoft.com/office/drawing/2010/main" xmlns:m="http://schemas.openxmlformats.org/officeDocument/2006/math" xmlns="" val="1"/>
               </a:ext>
             </a:extLst>
           </p:spPr>
@@ -20540,7 +20541,7 @@
             </a:ln>
             <a:extLst>
               <a:ext uri="{C572A759-6A51-4108-AA02-DFA0A04FC94B}">
-                <ma14:wrappingTextBoxFlag xmlns="" xmlns:m="http://schemas.openxmlformats.org/officeDocument/2006/math" xmlns:a14="http://schemas.microsoft.com/office/drawing/2010/main" xmlns:ma14="http://schemas.microsoft.com/office/mac/drawingml/2011/main" val="1"/>
+                <ma14:wrappingTextBoxFlag xmlns:ma14="http://schemas.microsoft.com/office/mac/drawingml/2011/main" xmlns:a14="http://schemas.microsoft.com/office/drawing/2010/main" xmlns:m="http://schemas.openxmlformats.org/officeDocument/2006/math" xmlns="" val="1"/>
               </a:ext>
             </a:extLst>
           </p:spPr>
@@ -20588,7 +20589,7 @@
             </a:ln>
             <a:extLst>
               <a:ext uri="{C572A759-6A51-4108-AA02-DFA0A04FC94B}">
-                <ma14:wrappingTextBoxFlag xmlns="" xmlns:m="http://schemas.openxmlformats.org/officeDocument/2006/math" xmlns:a14="http://schemas.microsoft.com/office/drawing/2010/main" xmlns:ma14="http://schemas.microsoft.com/office/mac/drawingml/2011/main" val="1"/>
+                <ma14:wrappingTextBoxFlag xmlns:ma14="http://schemas.microsoft.com/office/mac/drawingml/2011/main" xmlns:a14="http://schemas.microsoft.com/office/drawing/2010/main" xmlns:m="http://schemas.openxmlformats.org/officeDocument/2006/math" xmlns="" val="1"/>
               </a:ext>
             </a:extLst>
           </p:spPr>
@@ -20645,7 +20646,7 @@
             </a:ln>
             <a:extLst>
               <a:ext uri="{C572A759-6A51-4108-AA02-DFA0A04FC94B}">
-                <ma14:wrappingTextBoxFlag xmlns="" xmlns:m="http://schemas.openxmlformats.org/officeDocument/2006/math" xmlns:a14="http://schemas.microsoft.com/office/drawing/2010/main" xmlns:ma14="http://schemas.microsoft.com/office/mac/drawingml/2011/main" val="1"/>
+                <ma14:wrappingTextBoxFlag xmlns:ma14="http://schemas.microsoft.com/office/mac/drawingml/2011/main" xmlns:a14="http://schemas.microsoft.com/office/drawing/2010/main" xmlns:m="http://schemas.openxmlformats.org/officeDocument/2006/math" xmlns="" val="1"/>
               </a:ext>
             </a:extLst>
           </p:spPr>
@@ -20703,7 +20704,7 @@
             </a:ln>
             <a:extLst>
               <a:ext uri="{C572A759-6A51-4108-AA02-DFA0A04FC94B}">
-                <ma14:wrappingTextBoxFlag xmlns="" xmlns:m="http://schemas.openxmlformats.org/officeDocument/2006/math" xmlns:a14="http://schemas.microsoft.com/office/drawing/2010/main" xmlns:ma14="http://schemas.microsoft.com/office/mac/drawingml/2011/main" val="1"/>
+                <ma14:wrappingTextBoxFlag xmlns:ma14="http://schemas.microsoft.com/office/mac/drawingml/2011/main" xmlns:a14="http://schemas.microsoft.com/office/drawing/2010/main" xmlns:m="http://schemas.openxmlformats.org/officeDocument/2006/math" xmlns="" val="1"/>
               </a:ext>
             </a:extLst>
           </p:spPr>
@@ -20751,7 +20752,7 @@
             </a:ln>
             <a:extLst>
               <a:ext uri="{C572A759-6A51-4108-AA02-DFA0A04FC94B}">
-                <ma14:wrappingTextBoxFlag xmlns="" xmlns:m="http://schemas.openxmlformats.org/officeDocument/2006/math" xmlns:a14="http://schemas.microsoft.com/office/drawing/2010/main" xmlns:ma14="http://schemas.microsoft.com/office/mac/drawingml/2011/main" val="1"/>
+                <ma14:wrappingTextBoxFlag xmlns:ma14="http://schemas.microsoft.com/office/mac/drawingml/2011/main" xmlns:a14="http://schemas.microsoft.com/office/drawing/2010/main" xmlns:m="http://schemas.openxmlformats.org/officeDocument/2006/math" xmlns="" val="1"/>
               </a:ext>
             </a:extLst>
           </p:spPr>
@@ -20799,7 +20800,7 @@
             </a:ln>
             <a:extLst>
               <a:ext uri="{C572A759-6A51-4108-AA02-DFA0A04FC94B}">
-                <ma14:wrappingTextBoxFlag xmlns="" xmlns:m="http://schemas.openxmlformats.org/officeDocument/2006/math" xmlns:a14="http://schemas.microsoft.com/office/drawing/2010/main" xmlns:ma14="http://schemas.microsoft.com/office/mac/drawingml/2011/main" val="1"/>
+                <ma14:wrappingTextBoxFlag xmlns:ma14="http://schemas.microsoft.com/office/mac/drawingml/2011/main" xmlns:a14="http://schemas.microsoft.com/office/drawing/2010/main" xmlns:m="http://schemas.openxmlformats.org/officeDocument/2006/math" xmlns="" val="1"/>
               </a:ext>
             </a:extLst>
           </p:spPr>
@@ -20847,7 +20848,7 @@
             </a:ln>
             <a:extLst>
               <a:ext uri="{C572A759-6A51-4108-AA02-DFA0A04FC94B}">
-                <ma14:wrappingTextBoxFlag xmlns="" xmlns:m="http://schemas.openxmlformats.org/officeDocument/2006/math" xmlns:a14="http://schemas.microsoft.com/office/drawing/2010/main" xmlns:ma14="http://schemas.microsoft.com/office/mac/drawingml/2011/main" val="1"/>
+                <ma14:wrappingTextBoxFlag xmlns:ma14="http://schemas.microsoft.com/office/mac/drawingml/2011/main" xmlns:a14="http://schemas.microsoft.com/office/drawing/2010/main" xmlns:m="http://schemas.openxmlformats.org/officeDocument/2006/math" xmlns="" val="1"/>
               </a:ext>
             </a:extLst>
           </p:spPr>
@@ -20905,7 +20906,7 @@
             </a:ln>
             <a:extLst>
               <a:ext uri="{C572A759-6A51-4108-AA02-DFA0A04FC94B}">
-                <ma14:wrappingTextBoxFlag xmlns="" xmlns:m="http://schemas.openxmlformats.org/officeDocument/2006/math" xmlns:a14="http://schemas.microsoft.com/office/drawing/2010/main" xmlns:ma14="http://schemas.microsoft.com/office/mac/drawingml/2011/main" val="1"/>
+                <ma14:wrappingTextBoxFlag xmlns:ma14="http://schemas.microsoft.com/office/mac/drawingml/2011/main" xmlns:a14="http://schemas.microsoft.com/office/drawing/2010/main" xmlns:m="http://schemas.openxmlformats.org/officeDocument/2006/math" xmlns="" val="1"/>
               </a:ext>
             </a:extLst>
           </p:spPr>
@@ -20962,7 +20963,7 @@
             </a:ln>
             <a:extLst>
               <a:ext uri="{C572A759-6A51-4108-AA02-DFA0A04FC94B}">
-                <ma14:wrappingTextBoxFlag xmlns="" xmlns:m="http://schemas.openxmlformats.org/officeDocument/2006/math" xmlns:a14="http://schemas.microsoft.com/office/drawing/2010/main" xmlns:ma14="http://schemas.microsoft.com/office/mac/drawingml/2011/main" val="1"/>
+                <ma14:wrappingTextBoxFlag xmlns:ma14="http://schemas.microsoft.com/office/mac/drawingml/2011/main" xmlns:a14="http://schemas.microsoft.com/office/drawing/2010/main" xmlns:m="http://schemas.openxmlformats.org/officeDocument/2006/math" xmlns="" val="1"/>
               </a:ext>
             </a:extLst>
           </p:spPr>
@@ -21010,7 +21011,7 @@
             </a:ln>
             <a:extLst>
               <a:ext uri="{C572A759-6A51-4108-AA02-DFA0A04FC94B}">
-                <ma14:wrappingTextBoxFlag xmlns="" xmlns:m="http://schemas.openxmlformats.org/officeDocument/2006/math" xmlns:a14="http://schemas.microsoft.com/office/drawing/2010/main" xmlns:ma14="http://schemas.microsoft.com/office/mac/drawingml/2011/main" val="1"/>
+                <ma14:wrappingTextBoxFlag xmlns:ma14="http://schemas.microsoft.com/office/mac/drawingml/2011/main" xmlns:a14="http://schemas.microsoft.com/office/drawing/2010/main" xmlns:m="http://schemas.openxmlformats.org/officeDocument/2006/math" xmlns="" val="1"/>
               </a:ext>
             </a:extLst>
           </p:spPr>
@@ -21062,7 +21063,7 @@
             </a:ln>
             <a:extLst>
               <a:ext uri="{C572A759-6A51-4108-AA02-DFA0A04FC94B}">
-                <ma14:wrappingTextBoxFlag xmlns="" xmlns:m="http://schemas.openxmlformats.org/officeDocument/2006/math" xmlns:a14="http://schemas.microsoft.com/office/drawing/2010/main" xmlns:ma14="http://schemas.microsoft.com/office/mac/drawingml/2011/main" val="1"/>
+                <ma14:wrappingTextBoxFlag xmlns:ma14="http://schemas.microsoft.com/office/mac/drawingml/2011/main" xmlns:a14="http://schemas.microsoft.com/office/drawing/2010/main" xmlns:m="http://schemas.openxmlformats.org/officeDocument/2006/math" xmlns="" val="1"/>
               </a:ext>
             </a:extLst>
           </p:spPr>
@@ -21120,7 +21121,7 @@
             </a:ln>
             <a:extLst>
               <a:ext uri="{C572A759-6A51-4108-AA02-DFA0A04FC94B}">
-                <ma14:wrappingTextBoxFlag xmlns="" xmlns:m="http://schemas.openxmlformats.org/officeDocument/2006/math" xmlns:a14="http://schemas.microsoft.com/office/drawing/2010/main" xmlns:ma14="http://schemas.microsoft.com/office/mac/drawingml/2011/main" val="1"/>
+                <ma14:wrappingTextBoxFlag xmlns:ma14="http://schemas.microsoft.com/office/mac/drawingml/2011/main" xmlns:a14="http://schemas.microsoft.com/office/drawing/2010/main" xmlns:m="http://schemas.openxmlformats.org/officeDocument/2006/math" xmlns="" val="1"/>
               </a:ext>
             </a:extLst>
           </p:spPr>
@@ -21168,7 +21169,7 @@
             </a:ln>
             <a:extLst>
               <a:ext uri="{C572A759-6A51-4108-AA02-DFA0A04FC94B}">
-                <ma14:wrappingTextBoxFlag xmlns="" xmlns:m="http://schemas.openxmlformats.org/officeDocument/2006/math" xmlns:a14="http://schemas.microsoft.com/office/drawing/2010/main" xmlns:ma14="http://schemas.microsoft.com/office/mac/drawingml/2011/main" val="1"/>
+                <ma14:wrappingTextBoxFlag xmlns:ma14="http://schemas.microsoft.com/office/mac/drawingml/2011/main" xmlns:a14="http://schemas.microsoft.com/office/drawing/2010/main" xmlns:m="http://schemas.openxmlformats.org/officeDocument/2006/math" xmlns="" val="1"/>
               </a:ext>
             </a:extLst>
           </p:spPr>
@@ -21221,7 +21222,7 @@
             </a:ln>
             <a:extLst>
               <a:ext uri="{C572A759-6A51-4108-AA02-DFA0A04FC94B}">
-                <ma14:wrappingTextBoxFlag xmlns="" xmlns:m="http://schemas.openxmlformats.org/officeDocument/2006/math" xmlns:a14="http://schemas.microsoft.com/office/drawing/2010/main" xmlns:ma14="http://schemas.microsoft.com/office/mac/drawingml/2011/main" val="1"/>
+                <ma14:wrappingTextBoxFlag xmlns:ma14="http://schemas.microsoft.com/office/mac/drawingml/2011/main" xmlns:a14="http://schemas.microsoft.com/office/drawing/2010/main" xmlns:m="http://schemas.openxmlformats.org/officeDocument/2006/math" xmlns="" val="1"/>
               </a:ext>
             </a:extLst>
           </p:spPr>
@@ -21269,7 +21270,7 @@
             </a:ln>
             <a:extLst>
               <a:ext uri="{C572A759-6A51-4108-AA02-DFA0A04FC94B}">
-                <ma14:wrappingTextBoxFlag xmlns="" xmlns:m="http://schemas.openxmlformats.org/officeDocument/2006/math" xmlns:a14="http://schemas.microsoft.com/office/drawing/2010/main" xmlns:ma14="http://schemas.microsoft.com/office/mac/drawingml/2011/main" val="1"/>
+                <ma14:wrappingTextBoxFlag xmlns:ma14="http://schemas.microsoft.com/office/mac/drawingml/2011/main" xmlns:a14="http://schemas.microsoft.com/office/drawing/2010/main" xmlns:m="http://schemas.openxmlformats.org/officeDocument/2006/math" xmlns="" val="1"/>
               </a:ext>
             </a:extLst>
           </p:spPr>
@@ -21321,7 +21322,7 @@
             </a:ln>
             <a:extLst>
               <a:ext uri="{C572A759-6A51-4108-AA02-DFA0A04FC94B}">
-                <ma14:wrappingTextBoxFlag xmlns="" xmlns:m="http://schemas.openxmlformats.org/officeDocument/2006/math" xmlns:a14="http://schemas.microsoft.com/office/drawing/2010/main" xmlns:ma14="http://schemas.microsoft.com/office/mac/drawingml/2011/main" val="1"/>
+                <ma14:wrappingTextBoxFlag xmlns:ma14="http://schemas.microsoft.com/office/mac/drawingml/2011/main" xmlns:a14="http://schemas.microsoft.com/office/drawing/2010/main" xmlns:m="http://schemas.openxmlformats.org/officeDocument/2006/math" xmlns="" val="1"/>
               </a:ext>
             </a:extLst>
           </p:spPr>
@@ -21369,7 +21370,7 @@
             </a:ln>
             <a:extLst>
               <a:ext uri="{C572A759-6A51-4108-AA02-DFA0A04FC94B}">
-                <ma14:wrappingTextBoxFlag xmlns="" xmlns:m="http://schemas.openxmlformats.org/officeDocument/2006/math" xmlns:a14="http://schemas.microsoft.com/office/drawing/2010/main" xmlns:ma14="http://schemas.microsoft.com/office/mac/drawingml/2011/main" val="1"/>
+                <ma14:wrappingTextBoxFlag xmlns:ma14="http://schemas.microsoft.com/office/mac/drawingml/2011/main" xmlns:a14="http://schemas.microsoft.com/office/drawing/2010/main" xmlns:m="http://schemas.openxmlformats.org/officeDocument/2006/math" xmlns="" val="1"/>
               </a:ext>
             </a:extLst>
           </p:spPr>
@@ -21423,7 +21424,7 @@
             </a:ln>
             <a:extLst>
               <a:ext uri="{C572A759-6A51-4108-AA02-DFA0A04FC94B}">
-                <ma14:wrappingTextBoxFlag xmlns="" xmlns:m="http://schemas.openxmlformats.org/officeDocument/2006/math" xmlns:a14="http://schemas.microsoft.com/office/drawing/2010/main" xmlns:ma14="http://schemas.microsoft.com/office/mac/drawingml/2011/main" val="1"/>
+                <ma14:wrappingTextBoxFlag xmlns:ma14="http://schemas.microsoft.com/office/mac/drawingml/2011/main" xmlns:a14="http://schemas.microsoft.com/office/drawing/2010/main" xmlns:m="http://schemas.openxmlformats.org/officeDocument/2006/math" xmlns="" val="1"/>
               </a:ext>
             </a:extLst>
           </p:spPr>
@@ -21480,7 +21481,7 @@
             </a:ln>
             <a:extLst>
               <a:ext uri="{C572A759-6A51-4108-AA02-DFA0A04FC94B}">
-                <ma14:wrappingTextBoxFlag xmlns="" xmlns:m="http://schemas.openxmlformats.org/officeDocument/2006/math" xmlns:a14="http://schemas.microsoft.com/office/drawing/2010/main" xmlns:ma14="http://schemas.microsoft.com/office/mac/drawingml/2011/main" val="1"/>
+                <ma14:wrappingTextBoxFlag xmlns:ma14="http://schemas.microsoft.com/office/mac/drawingml/2011/main" xmlns:a14="http://schemas.microsoft.com/office/drawing/2010/main" xmlns:m="http://schemas.openxmlformats.org/officeDocument/2006/math" xmlns="" val="1"/>
               </a:ext>
             </a:extLst>
           </p:spPr>
@@ -21538,7 +21539,7 @@
             </a:ln>
             <a:extLst>
               <a:ext uri="{C572A759-6A51-4108-AA02-DFA0A04FC94B}">
-                <ma14:wrappingTextBoxFlag xmlns="" xmlns:m="http://schemas.openxmlformats.org/officeDocument/2006/math" xmlns:a14="http://schemas.microsoft.com/office/drawing/2010/main" xmlns:ma14="http://schemas.microsoft.com/office/mac/drawingml/2011/main" val="1"/>
+                <ma14:wrappingTextBoxFlag xmlns:ma14="http://schemas.microsoft.com/office/mac/drawingml/2011/main" xmlns:a14="http://schemas.microsoft.com/office/drawing/2010/main" xmlns:m="http://schemas.openxmlformats.org/officeDocument/2006/math" xmlns="" val="1"/>
               </a:ext>
             </a:extLst>
           </p:spPr>
@@ -21619,7 +21620,7 @@
             </a:ln>
             <a:extLst>
               <a:ext uri="{C572A759-6A51-4108-AA02-DFA0A04FC94B}">
-                <ma14:wrappingTextBoxFlag xmlns="" xmlns:m="http://schemas.openxmlformats.org/officeDocument/2006/math" xmlns:a14="http://schemas.microsoft.com/office/drawing/2010/main" xmlns:ma14="http://schemas.microsoft.com/office/mac/drawingml/2011/main" val="1"/>
+                <ma14:wrappingTextBoxFlag xmlns:ma14="http://schemas.microsoft.com/office/mac/drawingml/2011/main" xmlns:a14="http://schemas.microsoft.com/office/drawing/2010/main" xmlns:m="http://schemas.openxmlformats.org/officeDocument/2006/math" xmlns="" val="1"/>
               </a:ext>
             </a:extLst>
           </p:spPr>
@@ -21677,7 +21678,7 @@
             </a:ln>
             <a:extLst>
               <a:ext uri="{C572A759-6A51-4108-AA02-DFA0A04FC94B}">
-                <ma14:wrappingTextBoxFlag xmlns="" xmlns:m="http://schemas.openxmlformats.org/officeDocument/2006/math" xmlns:a14="http://schemas.microsoft.com/office/drawing/2010/main" xmlns:ma14="http://schemas.microsoft.com/office/mac/drawingml/2011/main" val="1"/>
+                <ma14:wrappingTextBoxFlag xmlns:ma14="http://schemas.microsoft.com/office/mac/drawingml/2011/main" xmlns:a14="http://schemas.microsoft.com/office/drawing/2010/main" xmlns:m="http://schemas.openxmlformats.org/officeDocument/2006/math" xmlns="" val="1"/>
               </a:ext>
             </a:extLst>
           </p:spPr>
@@ -21735,7 +21736,7 @@
             </a:ln>
             <a:extLst>
               <a:ext uri="{C572A759-6A51-4108-AA02-DFA0A04FC94B}">
-                <ma14:wrappingTextBoxFlag xmlns="" xmlns:m="http://schemas.openxmlformats.org/officeDocument/2006/math" xmlns:a14="http://schemas.microsoft.com/office/drawing/2010/main" xmlns:ma14="http://schemas.microsoft.com/office/mac/drawingml/2011/main" val="1"/>
+                <ma14:wrappingTextBoxFlag xmlns:ma14="http://schemas.microsoft.com/office/mac/drawingml/2011/main" xmlns:a14="http://schemas.microsoft.com/office/drawing/2010/main" xmlns:m="http://schemas.openxmlformats.org/officeDocument/2006/math" xmlns="" val="1"/>
               </a:ext>
             </a:extLst>
           </p:spPr>
@@ -21793,7 +21794,7 @@
             </a:ln>
             <a:extLst>
               <a:ext uri="{C572A759-6A51-4108-AA02-DFA0A04FC94B}">
-                <ma14:wrappingTextBoxFlag xmlns="" xmlns:m="http://schemas.openxmlformats.org/officeDocument/2006/math" xmlns:a14="http://schemas.microsoft.com/office/drawing/2010/main" xmlns:ma14="http://schemas.microsoft.com/office/mac/drawingml/2011/main" val="1"/>
+                <ma14:wrappingTextBoxFlag xmlns:ma14="http://schemas.microsoft.com/office/mac/drawingml/2011/main" xmlns:a14="http://schemas.microsoft.com/office/drawing/2010/main" xmlns:m="http://schemas.openxmlformats.org/officeDocument/2006/math" xmlns="" val="1"/>
               </a:ext>
             </a:extLst>
           </p:spPr>
@@ -21841,7 +21842,7 @@
             </a:ln>
             <a:extLst>
               <a:ext uri="{C572A759-6A51-4108-AA02-DFA0A04FC94B}">
-                <ma14:wrappingTextBoxFlag xmlns="" xmlns:m="http://schemas.openxmlformats.org/officeDocument/2006/math" xmlns:a14="http://schemas.microsoft.com/office/drawing/2010/main" xmlns:ma14="http://schemas.microsoft.com/office/mac/drawingml/2011/main" val="1"/>
+                <ma14:wrappingTextBoxFlag xmlns:ma14="http://schemas.microsoft.com/office/mac/drawingml/2011/main" xmlns:a14="http://schemas.microsoft.com/office/drawing/2010/main" xmlns:m="http://schemas.openxmlformats.org/officeDocument/2006/math" xmlns="" val="1"/>
               </a:ext>
             </a:extLst>
           </p:spPr>
@@ -21889,7 +21890,7 @@
             </a:ln>
             <a:extLst>
               <a:ext uri="{C572A759-6A51-4108-AA02-DFA0A04FC94B}">
-                <ma14:wrappingTextBoxFlag xmlns="" xmlns:m="http://schemas.openxmlformats.org/officeDocument/2006/math" xmlns:a14="http://schemas.microsoft.com/office/drawing/2010/main" xmlns:ma14="http://schemas.microsoft.com/office/mac/drawingml/2011/main" val="1"/>
+                <ma14:wrappingTextBoxFlag xmlns:ma14="http://schemas.microsoft.com/office/mac/drawingml/2011/main" xmlns:a14="http://schemas.microsoft.com/office/drawing/2010/main" xmlns:m="http://schemas.openxmlformats.org/officeDocument/2006/math" xmlns="" val="1"/>
               </a:ext>
             </a:extLst>
           </p:spPr>
@@ -21943,7 +21944,7 @@
             </a:ln>
             <a:extLst>
               <a:ext uri="{C572A759-6A51-4108-AA02-DFA0A04FC94B}">
-                <ma14:wrappingTextBoxFlag xmlns="" xmlns:m="http://schemas.openxmlformats.org/officeDocument/2006/math" xmlns:a14="http://schemas.microsoft.com/office/drawing/2010/main" xmlns:ma14="http://schemas.microsoft.com/office/mac/drawingml/2011/main" val="1"/>
+                <ma14:wrappingTextBoxFlag xmlns:ma14="http://schemas.microsoft.com/office/mac/drawingml/2011/main" xmlns:a14="http://schemas.microsoft.com/office/drawing/2010/main" xmlns:m="http://schemas.openxmlformats.org/officeDocument/2006/math" xmlns="" val="1"/>
               </a:ext>
             </a:extLst>
           </p:spPr>
@@ -21997,7 +21998,7 @@
             </a:ln>
             <a:extLst>
               <a:ext uri="{C572A759-6A51-4108-AA02-DFA0A04FC94B}">
-                <ma14:wrappingTextBoxFlag xmlns="" xmlns:m="http://schemas.openxmlformats.org/officeDocument/2006/math" xmlns:a14="http://schemas.microsoft.com/office/drawing/2010/main" xmlns:ma14="http://schemas.microsoft.com/office/mac/drawingml/2011/main" val="1"/>
+                <ma14:wrappingTextBoxFlag xmlns:ma14="http://schemas.microsoft.com/office/mac/drawingml/2011/main" xmlns:a14="http://schemas.microsoft.com/office/drawing/2010/main" xmlns:m="http://schemas.openxmlformats.org/officeDocument/2006/math" xmlns="" val="1"/>
               </a:ext>
             </a:extLst>
           </p:spPr>
@@ -22050,7 +22051,7 @@
             </a:ln>
             <a:extLst>
               <a:ext uri="{C572A759-6A51-4108-AA02-DFA0A04FC94B}">
-                <ma14:wrappingTextBoxFlag xmlns="" xmlns:m="http://schemas.openxmlformats.org/officeDocument/2006/math" xmlns:a14="http://schemas.microsoft.com/office/drawing/2010/main" xmlns:ma14="http://schemas.microsoft.com/office/mac/drawingml/2011/main" val="1"/>
+                <ma14:wrappingTextBoxFlag xmlns:ma14="http://schemas.microsoft.com/office/mac/drawingml/2011/main" xmlns:a14="http://schemas.microsoft.com/office/drawing/2010/main" xmlns:m="http://schemas.openxmlformats.org/officeDocument/2006/math" xmlns="" val="1"/>
               </a:ext>
             </a:extLst>
           </p:spPr>
@@ -22103,7 +22104,7 @@
             </a:ln>
             <a:extLst>
               <a:ext uri="{C572A759-6A51-4108-AA02-DFA0A04FC94B}">
-                <ma14:wrappingTextBoxFlag xmlns="" xmlns:m="http://schemas.openxmlformats.org/officeDocument/2006/math" xmlns:a14="http://schemas.microsoft.com/office/drawing/2010/main" xmlns:ma14="http://schemas.microsoft.com/office/mac/drawingml/2011/main" val="1"/>
+                <ma14:wrappingTextBoxFlag xmlns:ma14="http://schemas.microsoft.com/office/mac/drawingml/2011/main" xmlns:a14="http://schemas.microsoft.com/office/drawing/2010/main" xmlns:m="http://schemas.openxmlformats.org/officeDocument/2006/math" xmlns="" val="1"/>
               </a:ext>
             </a:extLst>
           </p:spPr>
@@ -22156,7 +22157,7 @@
             </a:ln>
             <a:extLst>
               <a:ext uri="{C572A759-6A51-4108-AA02-DFA0A04FC94B}">
-                <ma14:wrappingTextBoxFlag xmlns="" xmlns:m="http://schemas.openxmlformats.org/officeDocument/2006/math" xmlns:a14="http://schemas.microsoft.com/office/drawing/2010/main" xmlns:ma14="http://schemas.microsoft.com/office/mac/drawingml/2011/main" val="1"/>
+                <ma14:wrappingTextBoxFlag xmlns:ma14="http://schemas.microsoft.com/office/mac/drawingml/2011/main" xmlns:a14="http://schemas.microsoft.com/office/drawing/2010/main" xmlns:m="http://schemas.openxmlformats.org/officeDocument/2006/math" xmlns="" val="1"/>
               </a:ext>
             </a:extLst>
           </p:spPr>
@@ -22333,7 +22334,7 @@
             </a:ln>
             <a:extLst>
               <a:ext uri="{C572A759-6A51-4108-AA02-DFA0A04FC94B}">
-                <ma14:wrappingTextBoxFlag xmlns="" xmlns:m="http://schemas.openxmlformats.org/officeDocument/2006/math" xmlns:a14="http://schemas.microsoft.com/office/drawing/2010/main" xmlns:ma14="http://schemas.microsoft.com/office/mac/drawingml/2011/main" val="1"/>
+                <ma14:wrappingTextBoxFlag xmlns:ma14="http://schemas.microsoft.com/office/mac/drawingml/2011/main" xmlns:a14="http://schemas.microsoft.com/office/drawing/2010/main" xmlns:m="http://schemas.openxmlformats.org/officeDocument/2006/math" xmlns="" val="1"/>
               </a:ext>
             </a:extLst>
           </p:spPr>
@@ -22381,7 +22382,7 @@
             </a:ln>
             <a:extLst>
               <a:ext uri="{C572A759-6A51-4108-AA02-DFA0A04FC94B}">
-                <ma14:wrappingTextBoxFlag xmlns="" xmlns:m="http://schemas.openxmlformats.org/officeDocument/2006/math" xmlns:a14="http://schemas.microsoft.com/office/drawing/2010/main" xmlns:ma14="http://schemas.microsoft.com/office/mac/drawingml/2011/main" val="1"/>
+                <ma14:wrappingTextBoxFlag xmlns:ma14="http://schemas.microsoft.com/office/mac/drawingml/2011/main" xmlns:a14="http://schemas.microsoft.com/office/drawing/2010/main" xmlns:m="http://schemas.openxmlformats.org/officeDocument/2006/math" xmlns="" val="1"/>
               </a:ext>
             </a:extLst>
           </p:spPr>
@@ -22429,7 +22430,7 @@
             </a:ln>
             <a:extLst>
               <a:ext uri="{C572A759-6A51-4108-AA02-DFA0A04FC94B}">
-                <ma14:wrappingTextBoxFlag xmlns="" xmlns:m="http://schemas.openxmlformats.org/officeDocument/2006/math" xmlns:a14="http://schemas.microsoft.com/office/drawing/2010/main" xmlns:ma14="http://schemas.microsoft.com/office/mac/drawingml/2011/main" val="1"/>
+                <ma14:wrappingTextBoxFlag xmlns:ma14="http://schemas.microsoft.com/office/mac/drawingml/2011/main" xmlns:a14="http://schemas.microsoft.com/office/drawing/2010/main" xmlns:m="http://schemas.openxmlformats.org/officeDocument/2006/math" xmlns="" val="1"/>
               </a:ext>
             </a:extLst>
           </p:spPr>
@@ -22481,7 +22482,7 @@
             </a:ln>
             <a:extLst>
               <a:ext uri="{C572A759-6A51-4108-AA02-DFA0A04FC94B}">
-                <ma14:wrappingTextBoxFlag xmlns="" xmlns:m="http://schemas.openxmlformats.org/officeDocument/2006/math" xmlns:a14="http://schemas.microsoft.com/office/drawing/2010/main" xmlns:ma14="http://schemas.microsoft.com/office/mac/drawingml/2011/main" val="1"/>
+                <ma14:wrappingTextBoxFlag xmlns:ma14="http://schemas.microsoft.com/office/mac/drawingml/2011/main" xmlns:a14="http://schemas.microsoft.com/office/drawing/2010/main" xmlns:m="http://schemas.openxmlformats.org/officeDocument/2006/math" xmlns="" val="1"/>
               </a:ext>
             </a:extLst>
           </p:spPr>
@@ -22529,7 +22530,7 @@
             </a:ln>
             <a:extLst>
               <a:ext uri="{C572A759-6A51-4108-AA02-DFA0A04FC94B}">
-                <ma14:wrappingTextBoxFlag xmlns="" xmlns:m="http://schemas.openxmlformats.org/officeDocument/2006/math" xmlns:a14="http://schemas.microsoft.com/office/drawing/2010/main" xmlns:ma14="http://schemas.microsoft.com/office/mac/drawingml/2011/main" val="1"/>
+                <ma14:wrappingTextBoxFlag xmlns:ma14="http://schemas.microsoft.com/office/mac/drawingml/2011/main" xmlns:a14="http://schemas.microsoft.com/office/drawing/2010/main" xmlns:m="http://schemas.openxmlformats.org/officeDocument/2006/math" xmlns="" val="1"/>
               </a:ext>
             </a:extLst>
           </p:spPr>
@@ -22577,7 +22578,7 @@
             </a:ln>
             <a:extLst>
               <a:ext uri="{C572A759-6A51-4108-AA02-DFA0A04FC94B}">
-                <ma14:wrappingTextBoxFlag xmlns="" xmlns:m="http://schemas.openxmlformats.org/officeDocument/2006/math" xmlns:a14="http://schemas.microsoft.com/office/drawing/2010/main" xmlns:ma14="http://schemas.microsoft.com/office/mac/drawingml/2011/main" val="1"/>
+                <ma14:wrappingTextBoxFlag xmlns:ma14="http://schemas.microsoft.com/office/mac/drawingml/2011/main" xmlns:a14="http://schemas.microsoft.com/office/drawing/2010/main" xmlns:m="http://schemas.openxmlformats.org/officeDocument/2006/math" xmlns="" val="1"/>
               </a:ext>
             </a:extLst>
           </p:spPr>
@@ -22634,7 +22635,7 @@
             </a:ln>
             <a:extLst>
               <a:ext uri="{C572A759-6A51-4108-AA02-DFA0A04FC94B}">
-                <ma14:wrappingTextBoxFlag xmlns="" xmlns:m="http://schemas.openxmlformats.org/officeDocument/2006/math" xmlns:a14="http://schemas.microsoft.com/office/drawing/2010/main" xmlns:ma14="http://schemas.microsoft.com/office/mac/drawingml/2011/main" val="1"/>
+                <ma14:wrappingTextBoxFlag xmlns:ma14="http://schemas.microsoft.com/office/mac/drawingml/2011/main" xmlns:a14="http://schemas.microsoft.com/office/drawing/2010/main" xmlns:m="http://schemas.openxmlformats.org/officeDocument/2006/math" xmlns="" val="1"/>
               </a:ext>
             </a:extLst>
           </p:spPr>
@@ -22692,7 +22693,7 @@
             </a:ln>
             <a:extLst>
               <a:ext uri="{C572A759-6A51-4108-AA02-DFA0A04FC94B}">
-                <ma14:wrappingTextBoxFlag xmlns="" xmlns:m="http://schemas.openxmlformats.org/officeDocument/2006/math" xmlns:a14="http://schemas.microsoft.com/office/drawing/2010/main" xmlns:ma14="http://schemas.microsoft.com/office/mac/drawingml/2011/main" val="1"/>
+                <ma14:wrappingTextBoxFlag xmlns:ma14="http://schemas.microsoft.com/office/mac/drawingml/2011/main" xmlns:a14="http://schemas.microsoft.com/office/drawing/2010/main" xmlns:m="http://schemas.openxmlformats.org/officeDocument/2006/math" xmlns="" val="1"/>
               </a:ext>
             </a:extLst>
           </p:spPr>
@@ -22740,7 +22741,7 @@
             </a:ln>
             <a:extLst>
               <a:ext uri="{C572A759-6A51-4108-AA02-DFA0A04FC94B}">
-                <ma14:wrappingTextBoxFlag xmlns="" xmlns:m="http://schemas.openxmlformats.org/officeDocument/2006/math" xmlns:a14="http://schemas.microsoft.com/office/drawing/2010/main" xmlns:ma14="http://schemas.microsoft.com/office/mac/drawingml/2011/main" val="1"/>
+                <ma14:wrappingTextBoxFlag xmlns:ma14="http://schemas.microsoft.com/office/mac/drawingml/2011/main" xmlns:a14="http://schemas.microsoft.com/office/drawing/2010/main" xmlns:m="http://schemas.openxmlformats.org/officeDocument/2006/math" xmlns="" val="1"/>
               </a:ext>
             </a:extLst>
           </p:spPr>
@@ -22788,7 +22789,7 @@
             </a:ln>
             <a:extLst>
               <a:ext uri="{C572A759-6A51-4108-AA02-DFA0A04FC94B}">
-                <ma14:wrappingTextBoxFlag xmlns="" xmlns:m="http://schemas.openxmlformats.org/officeDocument/2006/math" xmlns:a14="http://schemas.microsoft.com/office/drawing/2010/main" xmlns:ma14="http://schemas.microsoft.com/office/mac/drawingml/2011/main" val="1"/>
+                <ma14:wrappingTextBoxFlag xmlns:ma14="http://schemas.microsoft.com/office/mac/drawingml/2011/main" xmlns:a14="http://schemas.microsoft.com/office/drawing/2010/main" xmlns:m="http://schemas.openxmlformats.org/officeDocument/2006/math" xmlns="" val="1"/>
               </a:ext>
             </a:extLst>
           </p:spPr>
@@ -22836,7 +22837,7 @@
             </a:ln>
             <a:extLst>
               <a:ext uri="{C572A759-6A51-4108-AA02-DFA0A04FC94B}">
-                <ma14:wrappingTextBoxFlag xmlns="" xmlns:m="http://schemas.openxmlformats.org/officeDocument/2006/math" xmlns:a14="http://schemas.microsoft.com/office/drawing/2010/main" xmlns:ma14="http://schemas.microsoft.com/office/mac/drawingml/2011/main" val="1"/>
+                <ma14:wrappingTextBoxFlag xmlns:ma14="http://schemas.microsoft.com/office/mac/drawingml/2011/main" xmlns:a14="http://schemas.microsoft.com/office/drawing/2010/main" xmlns:m="http://schemas.openxmlformats.org/officeDocument/2006/math" xmlns="" val="1"/>
               </a:ext>
             </a:extLst>
           </p:spPr>
@@ -22894,7 +22895,7 @@
             </a:ln>
             <a:extLst>
               <a:ext uri="{C572A759-6A51-4108-AA02-DFA0A04FC94B}">
-                <ma14:wrappingTextBoxFlag xmlns="" xmlns:m="http://schemas.openxmlformats.org/officeDocument/2006/math" xmlns:a14="http://schemas.microsoft.com/office/drawing/2010/main" xmlns:ma14="http://schemas.microsoft.com/office/mac/drawingml/2011/main" val="1"/>
+                <ma14:wrappingTextBoxFlag xmlns:ma14="http://schemas.microsoft.com/office/mac/drawingml/2011/main" xmlns:a14="http://schemas.microsoft.com/office/drawing/2010/main" xmlns:m="http://schemas.openxmlformats.org/officeDocument/2006/math" xmlns="" val="1"/>
               </a:ext>
             </a:extLst>
           </p:spPr>
@@ -22951,7 +22952,7 @@
             </a:ln>
             <a:extLst>
               <a:ext uri="{C572A759-6A51-4108-AA02-DFA0A04FC94B}">
-                <ma14:wrappingTextBoxFlag xmlns="" xmlns:m="http://schemas.openxmlformats.org/officeDocument/2006/math" xmlns:a14="http://schemas.microsoft.com/office/drawing/2010/main" xmlns:ma14="http://schemas.microsoft.com/office/mac/drawingml/2011/main" val="1"/>
+                <ma14:wrappingTextBoxFlag xmlns:ma14="http://schemas.microsoft.com/office/mac/drawingml/2011/main" xmlns:a14="http://schemas.microsoft.com/office/drawing/2010/main" xmlns:m="http://schemas.openxmlformats.org/officeDocument/2006/math" xmlns="" val="1"/>
               </a:ext>
             </a:extLst>
           </p:spPr>
@@ -22999,7 +23000,7 @@
             </a:ln>
             <a:extLst>
               <a:ext uri="{C572A759-6A51-4108-AA02-DFA0A04FC94B}">
-                <ma14:wrappingTextBoxFlag xmlns="" xmlns:m="http://schemas.openxmlformats.org/officeDocument/2006/math" xmlns:a14="http://schemas.microsoft.com/office/drawing/2010/main" xmlns:ma14="http://schemas.microsoft.com/office/mac/drawingml/2011/main" val="1"/>
+                <ma14:wrappingTextBoxFlag xmlns:ma14="http://schemas.microsoft.com/office/mac/drawingml/2011/main" xmlns:a14="http://schemas.microsoft.com/office/drawing/2010/main" xmlns:m="http://schemas.openxmlformats.org/officeDocument/2006/math" xmlns="" val="1"/>
               </a:ext>
             </a:extLst>
           </p:spPr>
@@ -23051,7 +23052,7 @@
             </a:ln>
             <a:extLst>
               <a:ext uri="{C572A759-6A51-4108-AA02-DFA0A04FC94B}">
-                <ma14:wrappingTextBoxFlag xmlns="" xmlns:m="http://schemas.openxmlformats.org/officeDocument/2006/math" xmlns:a14="http://schemas.microsoft.com/office/drawing/2010/main" xmlns:ma14="http://schemas.microsoft.com/office/mac/drawingml/2011/main" val="1"/>
+                <ma14:wrappingTextBoxFlag xmlns:ma14="http://schemas.microsoft.com/office/mac/drawingml/2011/main" xmlns:a14="http://schemas.microsoft.com/office/drawing/2010/main" xmlns:m="http://schemas.openxmlformats.org/officeDocument/2006/math" xmlns="" val="1"/>
               </a:ext>
             </a:extLst>
           </p:spPr>
@@ -23109,7 +23110,7 @@
             </a:ln>
             <a:extLst>
               <a:ext uri="{C572A759-6A51-4108-AA02-DFA0A04FC94B}">
-                <ma14:wrappingTextBoxFlag xmlns="" xmlns:m="http://schemas.openxmlformats.org/officeDocument/2006/math" xmlns:a14="http://schemas.microsoft.com/office/drawing/2010/main" xmlns:ma14="http://schemas.microsoft.com/office/mac/drawingml/2011/main" val="1"/>
+                <ma14:wrappingTextBoxFlag xmlns:ma14="http://schemas.microsoft.com/office/mac/drawingml/2011/main" xmlns:a14="http://schemas.microsoft.com/office/drawing/2010/main" xmlns:m="http://schemas.openxmlformats.org/officeDocument/2006/math" xmlns="" val="1"/>
               </a:ext>
             </a:extLst>
           </p:spPr>
@@ -23157,7 +23158,7 @@
             </a:ln>
             <a:extLst>
               <a:ext uri="{C572A759-6A51-4108-AA02-DFA0A04FC94B}">
-                <ma14:wrappingTextBoxFlag xmlns="" xmlns:m="http://schemas.openxmlformats.org/officeDocument/2006/math" xmlns:a14="http://schemas.microsoft.com/office/drawing/2010/main" xmlns:ma14="http://schemas.microsoft.com/office/mac/drawingml/2011/main" val="1"/>
+                <ma14:wrappingTextBoxFlag xmlns:ma14="http://schemas.microsoft.com/office/mac/drawingml/2011/main" xmlns:a14="http://schemas.microsoft.com/office/drawing/2010/main" xmlns:m="http://schemas.openxmlformats.org/officeDocument/2006/math" xmlns="" val="1"/>
               </a:ext>
             </a:extLst>
           </p:spPr>
@@ -23210,7 +23211,7 @@
             </a:ln>
             <a:extLst>
               <a:ext uri="{C572A759-6A51-4108-AA02-DFA0A04FC94B}">
-                <ma14:wrappingTextBoxFlag xmlns="" xmlns:m="http://schemas.openxmlformats.org/officeDocument/2006/math" xmlns:a14="http://schemas.microsoft.com/office/drawing/2010/main" xmlns:ma14="http://schemas.microsoft.com/office/mac/drawingml/2011/main" val="1"/>
+                <ma14:wrappingTextBoxFlag xmlns:ma14="http://schemas.microsoft.com/office/mac/drawingml/2011/main" xmlns:a14="http://schemas.microsoft.com/office/drawing/2010/main" xmlns:m="http://schemas.openxmlformats.org/officeDocument/2006/math" xmlns="" val="1"/>
               </a:ext>
             </a:extLst>
           </p:spPr>
@@ -23258,7 +23259,7 @@
             </a:ln>
             <a:extLst>
               <a:ext uri="{C572A759-6A51-4108-AA02-DFA0A04FC94B}">
-                <ma14:wrappingTextBoxFlag xmlns="" xmlns:m="http://schemas.openxmlformats.org/officeDocument/2006/math" xmlns:a14="http://schemas.microsoft.com/office/drawing/2010/main" xmlns:ma14="http://schemas.microsoft.com/office/mac/drawingml/2011/main" val="1"/>
+                <ma14:wrappingTextBoxFlag xmlns:ma14="http://schemas.microsoft.com/office/mac/drawingml/2011/main" xmlns:a14="http://schemas.microsoft.com/office/drawing/2010/main" xmlns:m="http://schemas.openxmlformats.org/officeDocument/2006/math" xmlns="" val="1"/>
               </a:ext>
             </a:extLst>
           </p:spPr>
@@ -23310,7 +23311,7 @@
             </a:ln>
             <a:extLst>
               <a:ext uri="{C572A759-6A51-4108-AA02-DFA0A04FC94B}">
-                <ma14:wrappingTextBoxFlag xmlns="" xmlns:m="http://schemas.openxmlformats.org/officeDocument/2006/math" xmlns:a14="http://schemas.microsoft.com/office/drawing/2010/main" xmlns:ma14="http://schemas.microsoft.com/office/mac/drawingml/2011/main" val="1"/>
+                <ma14:wrappingTextBoxFlag xmlns:ma14="http://schemas.microsoft.com/office/mac/drawingml/2011/main" xmlns:a14="http://schemas.microsoft.com/office/drawing/2010/main" xmlns:m="http://schemas.openxmlformats.org/officeDocument/2006/math" xmlns="" val="1"/>
               </a:ext>
             </a:extLst>
           </p:spPr>
@@ -23358,7 +23359,7 @@
             </a:ln>
             <a:extLst>
               <a:ext uri="{C572A759-6A51-4108-AA02-DFA0A04FC94B}">
-                <ma14:wrappingTextBoxFlag xmlns="" xmlns:m="http://schemas.openxmlformats.org/officeDocument/2006/math" xmlns:a14="http://schemas.microsoft.com/office/drawing/2010/main" xmlns:ma14="http://schemas.microsoft.com/office/mac/drawingml/2011/main" val="1"/>
+                <ma14:wrappingTextBoxFlag xmlns:ma14="http://schemas.microsoft.com/office/mac/drawingml/2011/main" xmlns:a14="http://schemas.microsoft.com/office/drawing/2010/main" xmlns:m="http://schemas.openxmlformats.org/officeDocument/2006/math" xmlns="" val="1"/>
               </a:ext>
             </a:extLst>
           </p:spPr>
@@ -23412,7 +23413,7 @@
             </a:ln>
             <a:extLst>
               <a:ext uri="{C572A759-6A51-4108-AA02-DFA0A04FC94B}">
-                <ma14:wrappingTextBoxFlag xmlns="" xmlns:m="http://schemas.openxmlformats.org/officeDocument/2006/math" xmlns:a14="http://schemas.microsoft.com/office/drawing/2010/main" xmlns:ma14="http://schemas.microsoft.com/office/mac/drawingml/2011/main" val="1"/>
+                <ma14:wrappingTextBoxFlag xmlns:ma14="http://schemas.microsoft.com/office/mac/drawingml/2011/main" xmlns:a14="http://schemas.microsoft.com/office/drawing/2010/main" xmlns:m="http://schemas.openxmlformats.org/officeDocument/2006/math" xmlns="" val="1"/>
               </a:ext>
             </a:extLst>
           </p:spPr>
@@ -23469,7 +23470,7 @@
             </a:ln>
             <a:extLst>
               <a:ext uri="{C572A759-6A51-4108-AA02-DFA0A04FC94B}">
-                <ma14:wrappingTextBoxFlag xmlns="" xmlns:m="http://schemas.openxmlformats.org/officeDocument/2006/math" xmlns:a14="http://schemas.microsoft.com/office/drawing/2010/main" xmlns:ma14="http://schemas.microsoft.com/office/mac/drawingml/2011/main" val="1"/>
+                <ma14:wrappingTextBoxFlag xmlns:ma14="http://schemas.microsoft.com/office/mac/drawingml/2011/main" xmlns:a14="http://schemas.microsoft.com/office/drawing/2010/main" xmlns:m="http://schemas.openxmlformats.org/officeDocument/2006/math" xmlns="" val="1"/>
               </a:ext>
             </a:extLst>
           </p:spPr>
@@ -23527,7 +23528,7 @@
             </a:ln>
             <a:extLst>
               <a:ext uri="{C572A759-6A51-4108-AA02-DFA0A04FC94B}">
-                <ma14:wrappingTextBoxFlag xmlns="" xmlns:m="http://schemas.openxmlformats.org/officeDocument/2006/math" xmlns:a14="http://schemas.microsoft.com/office/drawing/2010/main" xmlns:ma14="http://schemas.microsoft.com/office/mac/drawingml/2011/main" val="1"/>
+                <ma14:wrappingTextBoxFlag xmlns:ma14="http://schemas.microsoft.com/office/mac/drawingml/2011/main" xmlns:a14="http://schemas.microsoft.com/office/drawing/2010/main" xmlns:m="http://schemas.openxmlformats.org/officeDocument/2006/math" xmlns="" val="1"/>
               </a:ext>
             </a:extLst>
           </p:spPr>
@@ -23608,7 +23609,7 @@
             </a:ln>
             <a:extLst>
               <a:ext uri="{C572A759-6A51-4108-AA02-DFA0A04FC94B}">
-                <ma14:wrappingTextBoxFlag xmlns="" xmlns:m="http://schemas.openxmlformats.org/officeDocument/2006/math" xmlns:a14="http://schemas.microsoft.com/office/drawing/2010/main" xmlns:ma14="http://schemas.microsoft.com/office/mac/drawingml/2011/main" val="1"/>
+                <ma14:wrappingTextBoxFlag xmlns:ma14="http://schemas.microsoft.com/office/mac/drawingml/2011/main" xmlns:a14="http://schemas.microsoft.com/office/drawing/2010/main" xmlns:m="http://schemas.openxmlformats.org/officeDocument/2006/math" xmlns="" val="1"/>
               </a:ext>
             </a:extLst>
           </p:spPr>
@@ -23666,7 +23667,7 @@
             </a:ln>
             <a:extLst>
               <a:ext uri="{C572A759-6A51-4108-AA02-DFA0A04FC94B}">
-                <ma14:wrappingTextBoxFlag xmlns="" xmlns:m="http://schemas.openxmlformats.org/officeDocument/2006/math" xmlns:a14="http://schemas.microsoft.com/office/drawing/2010/main" xmlns:ma14="http://schemas.microsoft.com/office/mac/drawingml/2011/main" val="1"/>
+                <ma14:wrappingTextBoxFlag xmlns:ma14="http://schemas.microsoft.com/office/mac/drawingml/2011/main" xmlns:a14="http://schemas.microsoft.com/office/drawing/2010/main" xmlns:m="http://schemas.openxmlformats.org/officeDocument/2006/math" xmlns="" val="1"/>
               </a:ext>
             </a:extLst>
           </p:spPr>
@@ -23724,7 +23725,7 @@
             </a:ln>
             <a:extLst>
               <a:ext uri="{C572A759-6A51-4108-AA02-DFA0A04FC94B}">
-                <ma14:wrappingTextBoxFlag xmlns="" xmlns:m="http://schemas.openxmlformats.org/officeDocument/2006/math" xmlns:a14="http://schemas.microsoft.com/office/drawing/2010/main" xmlns:ma14="http://schemas.microsoft.com/office/mac/drawingml/2011/main" val="1"/>
+                <ma14:wrappingTextBoxFlag xmlns:ma14="http://schemas.microsoft.com/office/mac/drawingml/2011/main" xmlns:a14="http://schemas.microsoft.com/office/drawing/2010/main" xmlns:m="http://schemas.openxmlformats.org/officeDocument/2006/math" xmlns="" val="1"/>
               </a:ext>
             </a:extLst>
           </p:spPr>
@@ -23782,7 +23783,7 @@
             </a:ln>
             <a:extLst>
               <a:ext uri="{C572A759-6A51-4108-AA02-DFA0A04FC94B}">
-                <ma14:wrappingTextBoxFlag xmlns="" xmlns:m="http://schemas.openxmlformats.org/officeDocument/2006/math" xmlns:a14="http://schemas.microsoft.com/office/drawing/2010/main" xmlns:ma14="http://schemas.microsoft.com/office/mac/drawingml/2011/main" val="1"/>
+                <ma14:wrappingTextBoxFlag xmlns:ma14="http://schemas.microsoft.com/office/mac/drawingml/2011/main" xmlns:a14="http://schemas.microsoft.com/office/drawing/2010/main" xmlns:m="http://schemas.openxmlformats.org/officeDocument/2006/math" xmlns="" val="1"/>
               </a:ext>
             </a:extLst>
           </p:spPr>
@@ -23830,7 +23831,7 @@
             </a:ln>
             <a:extLst>
               <a:ext uri="{C572A759-6A51-4108-AA02-DFA0A04FC94B}">
-                <ma14:wrappingTextBoxFlag xmlns="" xmlns:m="http://schemas.openxmlformats.org/officeDocument/2006/math" xmlns:a14="http://schemas.microsoft.com/office/drawing/2010/main" xmlns:ma14="http://schemas.microsoft.com/office/mac/drawingml/2011/main" val="1"/>
+                <ma14:wrappingTextBoxFlag xmlns:ma14="http://schemas.microsoft.com/office/mac/drawingml/2011/main" xmlns:a14="http://schemas.microsoft.com/office/drawing/2010/main" xmlns:m="http://schemas.openxmlformats.org/officeDocument/2006/math" xmlns="" val="1"/>
               </a:ext>
             </a:extLst>
           </p:spPr>
@@ -23878,7 +23879,7 @@
             </a:ln>
             <a:extLst>
               <a:ext uri="{C572A759-6A51-4108-AA02-DFA0A04FC94B}">
-                <ma14:wrappingTextBoxFlag xmlns="" xmlns:m="http://schemas.openxmlformats.org/officeDocument/2006/math" xmlns:a14="http://schemas.microsoft.com/office/drawing/2010/main" xmlns:ma14="http://schemas.microsoft.com/office/mac/drawingml/2011/main" val="1"/>
+                <ma14:wrappingTextBoxFlag xmlns:ma14="http://schemas.microsoft.com/office/mac/drawingml/2011/main" xmlns:a14="http://schemas.microsoft.com/office/drawing/2010/main" xmlns:m="http://schemas.openxmlformats.org/officeDocument/2006/math" xmlns="" val="1"/>
               </a:ext>
             </a:extLst>
           </p:spPr>
@@ -23932,7 +23933,7 @@
             </a:ln>
             <a:extLst>
               <a:ext uri="{C572A759-6A51-4108-AA02-DFA0A04FC94B}">
-                <ma14:wrappingTextBoxFlag xmlns="" xmlns:m="http://schemas.openxmlformats.org/officeDocument/2006/math" xmlns:a14="http://schemas.microsoft.com/office/drawing/2010/main" xmlns:ma14="http://schemas.microsoft.com/office/mac/drawingml/2011/main" val="1"/>
+                <ma14:wrappingTextBoxFlag xmlns:ma14="http://schemas.microsoft.com/office/mac/drawingml/2011/main" xmlns:a14="http://schemas.microsoft.com/office/drawing/2010/main" xmlns:m="http://schemas.openxmlformats.org/officeDocument/2006/math" xmlns="" val="1"/>
               </a:ext>
             </a:extLst>
           </p:spPr>
@@ -23986,7 +23987,7 @@
             </a:ln>
             <a:extLst>
               <a:ext uri="{C572A759-6A51-4108-AA02-DFA0A04FC94B}">
-                <ma14:wrappingTextBoxFlag xmlns="" xmlns:m="http://schemas.openxmlformats.org/officeDocument/2006/math" xmlns:a14="http://schemas.microsoft.com/office/drawing/2010/main" xmlns:ma14="http://schemas.microsoft.com/office/mac/drawingml/2011/main" val="1"/>
+                <ma14:wrappingTextBoxFlag xmlns:ma14="http://schemas.microsoft.com/office/mac/drawingml/2011/main" xmlns:a14="http://schemas.microsoft.com/office/drawing/2010/main" xmlns:m="http://schemas.openxmlformats.org/officeDocument/2006/math" xmlns="" val="1"/>
               </a:ext>
             </a:extLst>
           </p:spPr>
@@ -24039,7 +24040,7 @@
             </a:ln>
             <a:extLst>
               <a:ext uri="{C572A759-6A51-4108-AA02-DFA0A04FC94B}">
-                <ma14:wrappingTextBoxFlag xmlns="" xmlns:m="http://schemas.openxmlformats.org/officeDocument/2006/math" xmlns:a14="http://schemas.microsoft.com/office/drawing/2010/main" xmlns:ma14="http://schemas.microsoft.com/office/mac/drawingml/2011/main" val="1"/>
+                <ma14:wrappingTextBoxFlag xmlns:ma14="http://schemas.microsoft.com/office/mac/drawingml/2011/main" xmlns:a14="http://schemas.microsoft.com/office/drawing/2010/main" xmlns:m="http://schemas.openxmlformats.org/officeDocument/2006/math" xmlns="" val="1"/>
               </a:ext>
             </a:extLst>
           </p:spPr>
@@ -24092,7 +24093,7 @@
             </a:ln>
             <a:extLst>
               <a:ext uri="{C572A759-6A51-4108-AA02-DFA0A04FC94B}">
-                <ma14:wrappingTextBoxFlag xmlns="" xmlns:m="http://schemas.openxmlformats.org/officeDocument/2006/math" xmlns:a14="http://schemas.microsoft.com/office/drawing/2010/main" xmlns:ma14="http://schemas.microsoft.com/office/mac/drawingml/2011/main" val="1"/>
+                <ma14:wrappingTextBoxFlag xmlns:ma14="http://schemas.microsoft.com/office/mac/drawingml/2011/main" xmlns:a14="http://schemas.microsoft.com/office/drawing/2010/main" xmlns:m="http://schemas.openxmlformats.org/officeDocument/2006/math" xmlns="" val="1"/>
               </a:ext>
             </a:extLst>
           </p:spPr>
@@ -24145,7 +24146,7 @@
             </a:ln>
             <a:extLst>
               <a:ext uri="{C572A759-6A51-4108-AA02-DFA0A04FC94B}">
-                <ma14:wrappingTextBoxFlag xmlns="" xmlns:m="http://schemas.openxmlformats.org/officeDocument/2006/math" xmlns:a14="http://schemas.microsoft.com/office/drawing/2010/main" xmlns:ma14="http://schemas.microsoft.com/office/mac/drawingml/2011/main" val="1"/>
+                <ma14:wrappingTextBoxFlag xmlns:ma14="http://schemas.microsoft.com/office/mac/drawingml/2011/main" xmlns:a14="http://schemas.microsoft.com/office/drawing/2010/main" xmlns:m="http://schemas.openxmlformats.org/officeDocument/2006/math" xmlns="" val="1"/>
               </a:ext>
             </a:extLst>
           </p:spPr>
@@ -24419,7 +24420,7 @@
             </a:ln>
             <a:extLst>
               <a:ext uri="{C572A759-6A51-4108-AA02-DFA0A04FC94B}">
-                <ma14:wrappingTextBoxFlag xmlns="" xmlns:ma14="http://schemas.microsoft.com/office/mac/drawingml/2011/main" xmlns:a14="http://schemas.microsoft.com/office/drawing/2010/main" xmlns:m="http://schemas.openxmlformats.org/officeDocument/2006/math" val="1"/>
+                <ma14:wrappingTextBoxFlag xmlns:m="http://schemas.openxmlformats.org/officeDocument/2006/math" xmlns:a14="http://schemas.microsoft.com/office/drawing/2010/main" xmlns:ma14="http://schemas.microsoft.com/office/mac/drawingml/2011/main" xmlns="" val="1"/>
               </a:ext>
             </a:extLst>
           </p:spPr>
@@ -24467,7 +24468,7 @@
             </a:ln>
             <a:extLst>
               <a:ext uri="{C572A759-6A51-4108-AA02-DFA0A04FC94B}">
-                <ma14:wrappingTextBoxFlag xmlns="" xmlns:ma14="http://schemas.microsoft.com/office/mac/drawingml/2011/main" xmlns:a14="http://schemas.microsoft.com/office/drawing/2010/main" xmlns:m="http://schemas.openxmlformats.org/officeDocument/2006/math" val="1"/>
+                <ma14:wrappingTextBoxFlag xmlns:m="http://schemas.openxmlformats.org/officeDocument/2006/math" xmlns:a14="http://schemas.microsoft.com/office/drawing/2010/main" xmlns:ma14="http://schemas.microsoft.com/office/mac/drawingml/2011/main" xmlns="" val="1"/>
               </a:ext>
             </a:extLst>
           </p:spPr>
@@ -24515,7 +24516,7 @@
             </a:ln>
             <a:extLst>
               <a:ext uri="{C572A759-6A51-4108-AA02-DFA0A04FC94B}">
-                <ma14:wrappingTextBoxFlag xmlns="" xmlns:ma14="http://schemas.microsoft.com/office/mac/drawingml/2011/main" xmlns:a14="http://schemas.microsoft.com/office/drawing/2010/main" xmlns:m="http://schemas.openxmlformats.org/officeDocument/2006/math" val="1"/>
+                <ma14:wrappingTextBoxFlag xmlns:m="http://schemas.openxmlformats.org/officeDocument/2006/math" xmlns:a14="http://schemas.microsoft.com/office/drawing/2010/main" xmlns:ma14="http://schemas.microsoft.com/office/mac/drawingml/2011/main" xmlns="" val="1"/>
               </a:ext>
             </a:extLst>
           </p:spPr>
@@ -24567,7 +24568,7 @@
             </a:ln>
             <a:extLst>
               <a:ext uri="{C572A759-6A51-4108-AA02-DFA0A04FC94B}">
-                <ma14:wrappingTextBoxFlag xmlns="" xmlns:ma14="http://schemas.microsoft.com/office/mac/drawingml/2011/main" xmlns:a14="http://schemas.microsoft.com/office/drawing/2010/main" xmlns:m="http://schemas.openxmlformats.org/officeDocument/2006/math" val="1"/>
+                <ma14:wrappingTextBoxFlag xmlns:m="http://schemas.openxmlformats.org/officeDocument/2006/math" xmlns:a14="http://schemas.microsoft.com/office/drawing/2010/main" xmlns:ma14="http://schemas.microsoft.com/office/mac/drawingml/2011/main" xmlns="" val="1"/>
               </a:ext>
             </a:extLst>
           </p:spPr>
@@ -24615,7 +24616,7 @@
             </a:ln>
             <a:extLst>
               <a:ext uri="{C572A759-6A51-4108-AA02-DFA0A04FC94B}">
-                <ma14:wrappingTextBoxFlag xmlns="" xmlns:ma14="http://schemas.microsoft.com/office/mac/drawingml/2011/main" xmlns:a14="http://schemas.microsoft.com/office/drawing/2010/main" xmlns:m="http://schemas.openxmlformats.org/officeDocument/2006/math" val="1"/>
+                <ma14:wrappingTextBoxFlag xmlns:m="http://schemas.openxmlformats.org/officeDocument/2006/math" xmlns:a14="http://schemas.microsoft.com/office/drawing/2010/main" xmlns:ma14="http://schemas.microsoft.com/office/mac/drawingml/2011/main" xmlns="" val="1"/>
               </a:ext>
             </a:extLst>
           </p:spPr>
@@ -24663,7 +24664,7 @@
             </a:ln>
             <a:extLst>
               <a:ext uri="{C572A759-6A51-4108-AA02-DFA0A04FC94B}">
-                <ma14:wrappingTextBoxFlag xmlns="" xmlns:ma14="http://schemas.microsoft.com/office/mac/drawingml/2011/main" xmlns:a14="http://schemas.microsoft.com/office/drawing/2010/main" xmlns:m="http://schemas.openxmlformats.org/officeDocument/2006/math" val="1"/>
+                <ma14:wrappingTextBoxFlag xmlns:m="http://schemas.openxmlformats.org/officeDocument/2006/math" xmlns:a14="http://schemas.microsoft.com/office/drawing/2010/main" xmlns:ma14="http://schemas.microsoft.com/office/mac/drawingml/2011/main" xmlns="" val="1"/>
               </a:ext>
             </a:extLst>
           </p:spPr>
@@ -24720,7 +24721,7 @@
             </a:ln>
             <a:extLst>
               <a:ext uri="{C572A759-6A51-4108-AA02-DFA0A04FC94B}">
-                <ma14:wrappingTextBoxFlag xmlns="" xmlns:ma14="http://schemas.microsoft.com/office/mac/drawingml/2011/main" xmlns:a14="http://schemas.microsoft.com/office/drawing/2010/main" xmlns:m="http://schemas.openxmlformats.org/officeDocument/2006/math" val="1"/>
+                <ma14:wrappingTextBoxFlag xmlns:m="http://schemas.openxmlformats.org/officeDocument/2006/math" xmlns:a14="http://schemas.microsoft.com/office/drawing/2010/main" xmlns:ma14="http://schemas.microsoft.com/office/mac/drawingml/2011/main" xmlns="" val="1"/>
               </a:ext>
             </a:extLst>
           </p:spPr>
@@ -24778,7 +24779,7 @@
             </a:ln>
             <a:extLst>
               <a:ext uri="{C572A759-6A51-4108-AA02-DFA0A04FC94B}">
-                <ma14:wrappingTextBoxFlag xmlns="" xmlns:ma14="http://schemas.microsoft.com/office/mac/drawingml/2011/main" xmlns:a14="http://schemas.microsoft.com/office/drawing/2010/main" xmlns:m="http://schemas.openxmlformats.org/officeDocument/2006/math" val="1"/>
+                <ma14:wrappingTextBoxFlag xmlns:m="http://schemas.openxmlformats.org/officeDocument/2006/math" xmlns:a14="http://schemas.microsoft.com/office/drawing/2010/main" xmlns:ma14="http://schemas.microsoft.com/office/mac/drawingml/2011/main" xmlns="" val="1"/>
               </a:ext>
             </a:extLst>
           </p:spPr>
@@ -24826,7 +24827,7 @@
             </a:ln>
             <a:extLst>
               <a:ext uri="{C572A759-6A51-4108-AA02-DFA0A04FC94B}">
-                <ma14:wrappingTextBoxFlag xmlns="" xmlns:ma14="http://schemas.microsoft.com/office/mac/drawingml/2011/main" xmlns:a14="http://schemas.microsoft.com/office/drawing/2010/main" xmlns:m="http://schemas.openxmlformats.org/officeDocument/2006/math" val="1"/>
+                <ma14:wrappingTextBoxFlag xmlns:m="http://schemas.openxmlformats.org/officeDocument/2006/math" xmlns:a14="http://schemas.microsoft.com/office/drawing/2010/main" xmlns:ma14="http://schemas.microsoft.com/office/mac/drawingml/2011/main" xmlns="" val="1"/>
               </a:ext>
             </a:extLst>
           </p:spPr>
@@ -24874,7 +24875,7 @@
             </a:ln>
             <a:extLst>
               <a:ext uri="{C572A759-6A51-4108-AA02-DFA0A04FC94B}">
-                <ma14:wrappingTextBoxFlag xmlns="" xmlns:ma14="http://schemas.microsoft.com/office/mac/drawingml/2011/main" xmlns:a14="http://schemas.microsoft.com/office/drawing/2010/main" xmlns:m="http://schemas.openxmlformats.org/officeDocument/2006/math" val="1"/>
+                <ma14:wrappingTextBoxFlag xmlns:m="http://schemas.openxmlformats.org/officeDocument/2006/math" xmlns:a14="http://schemas.microsoft.com/office/drawing/2010/main" xmlns:ma14="http://schemas.microsoft.com/office/mac/drawingml/2011/main" xmlns="" val="1"/>
               </a:ext>
             </a:extLst>
           </p:spPr>
@@ -24922,7 +24923,7 @@
             </a:ln>
             <a:extLst>
               <a:ext uri="{C572A759-6A51-4108-AA02-DFA0A04FC94B}">
-                <ma14:wrappingTextBoxFlag xmlns="" xmlns:ma14="http://schemas.microsoft.com/office/mac/drawingml/2011/main" xmlns:a14="http://schemas.microsoft.com/office/drawing/2010/main" xmlns:m="http://schemas.openxmlformats.org/officeDocument/2006/math" val="1"/>
+                <ma14:wrappingTextBoxFlag xmlns:m="http://schemas.openxmlformats.org/officeDocument/2006/math" xmlns:a14="http://schemas.microsoft.com/office/drawing/2010/main" xmlns:ma14="http://schemas.microsoft.com/office/mac/drawingml/2011/main" xmlns="" val="1"/>
               </a:ext>
             </a:extLst>
           </p:spPr>
@@ -24980,7 +24981,7 @@
             </a:ln>
             <a:extLst>
               <a:ext uri="{C572A759-6A51-4108-AA02-DFA0A04FC94B}">
-                <ma14:wrappingTextBoxFlag xmlns="" xmlns:ma14="http://schemas.microsoft.com/office/mac/drawingml/2011/main" xmlns:a14="http://schemas.microsoft.com/office/drawing/2010/main" xmlns:m="http://schemas.openxmlformats.org/officeDocument/2006/math" val="1"/>
+                <ma14:wrappingTextBoxFlag xmlns:m="http://schemas.openxmlformats.org/officeDocument/2006/math" xmlns:a14="http://schemas.microsoft.com/office/drawing/2010/main" xmlns:ma14="http://schemas.microsoft.com/office/mac/drawingml/2011/main" xmlns="" val="1"/>
               </a:ext>
             </a:extLst>
           </p:spPr>
@@ -25037,7 +25038,7 @@
             </a:ln>
             <a:extLst>
               <a:ext uri="{C572A759-6A51-4108-AA02-DFA0A04FC94B}">
-                <ma14:wrappingTextBoxFlag xmlns="" xmlns:ma14="http://schemas.microsoft.com/office/mac/drawingml/2011/main" xmlns:a14="http://schemas.microsoft.com/office/drawing/2010/main" xmlns:m="http://schemas.openxmlformats.org/officeDocument/2006/math" val="1"/>
+                <ma14:wrappingTextBoxFlag xmlns:m="http://schemas.openxmlformats.org/officeDocument/2006/math" xmlns:a14="http://schemas.microsoft.com/office/drawing/2010/main" xmlns:ma14="http://schemas.microsoft.com/office/mac/drawingml/2011/main" xmlns="" val="1"/>
               </a:ext>
             </a:extLst>
           </p:spPr>
@@ -25085,7 +25086,7 @@
             </a:ln>
             <a:extLst>
               <a:ext uri="{C572A759-6A51-4108-AA02-DFA0A04FC94B}">
-                <ma14:wrappingTextBoxFlag xmlns="" xmlns:ma14="http://schemas.microsoft.com/office/mac/drawingml/2011/main" xmlns:a14="http://schemas.microsoft.com/office/drawing/2010/main" xmlns:m="http://schemas.openxmlformats.org/officeDocument/2006/math" val="1"/>
+                <ma14:wrappingTextBoxFlag xmlns:m="http://schemas.openxmlformats.org/officeDocument/2006/math" xmlns:a14="http://schemas.microsoft.com/office/drawing/2010/main" xmlns:ma14="http://schemas.microsoft.com/office/mac/drawingml/2011/main" xmlns="" val="1"/>
               </a:ext>
             </a:extLst>
           </p:spPr>
@@ -25137,7 +25138,7 @@
             </a:ln>
             <a:extLst>
               <a:ext uri="{C572A759-6A51-4108-AA02-DFA0A04FC94B}">
-                <ma14:wrappingTextBoxFlag xmlns="" xmlns:ma14="http://schemas.microsoft.com/office/mac/drawingml/2011/main" xmlns:a14="http://schemas.microsoft.com/office/drawing/2010/main" xmlns:m="http://schemas.openxmlformats.org/officeDocument/2006/math" val="1"/>
+                <ma14:wrappingTextBoxFlag xmlns:m="http://schemas.openxmlformats.org/officeDocument/2006/math" xmlns:a14="http://schemas.microsoft.com/office/drawing/2010/main" xmlns:ma14="http://schemas.microsoft.com/office/mac/drawingml/2011/main" xmlns="" val="1"/>
               </a:ext>
             </a:extLst>
           </p:spPr>
@@ -25195,7 +25196,7 @@
             </a:ln>
             <a:extLst>
               <a:ext uri="{C572A759-6A51-4108-AA02-DFA0A04FC94B}">
-                <ma14:wrappingTextBoxFlag xmlns="" xmlns:ma14="http://schemas.microsoft.com/office/mac/drawingml/2011/main" xmlns:a14="http://schemas.microsoft.com/office/drawing/2010/main" xmlns:m="http://schemas.openxmlformats.org/officeDocument/2006/math" val="1"/>
+                <ma14:wrappingTextBoxFlag xmlns:m="http://schemas.openxmlformats.org/officeDocument/2006/math" xmlns:a14="http://schemas.microsoft.com/office/drawing/2010/main" xmlns:ma14="http://schemas.microsoft.com/office/mac/drawingml/2011/main" xmlns="" val="1"/>
               </a:ext>
             </a:extLst>
           </p:spPr>
@@ -25243,7 +25244,7 @@
             </a:ln>
             <a:extLst>
               <a:ext uri="{C572A759-6A51-4108-AA02-DFA0A04FC94B}">
-                <ma14:wrappingTextBoxFlag xmlns="" xmlns:ma14="http://schemas.microsoft.com/office/mac/drawingml/2011/main" xmlns:a14="http://schemas.microsoft.com/office/drawing/2010/main" xmlns:m="http://schemas.openxmlformats.org/officeDocument/2006/math" val="1"/>
+                <ma14:wrappingTextBoxFlag xmlns:m="http://schemas.openxmlformats.org/officeDocument/2006/math" xmlns:a14="http://schemas.microsoft.com/office/drawing/2010/main" xmlns:ma14="http://schemas.microsoft.com/office/mac/drawingml/2011/main" xmlns="" val="1"/>
               </a:ext>
             </a:extLst>
           </p:spPr>
@@ -25296,7 +25297,7 @@
             </a:ln>
             <a:extLst>
               <a:ext uri="{C572A759-6A51-4108-AA02-DFA0A04FC94B}">
-                <ma14:wrappingTextBoxFlag xmlns="" xmlns:ma14="http://schemas.microsoft.com/office/mac/drawingml/2011/main" xmlns:a14="http://schemas.microsoft.com/office/drawing/2010/main" xmlns:m="http://schemas.openxmlformats.org/officeDocument/2006/math" val="1"/>
+                <ma14:wrappingTextBoxFlag xmlns:m="http://schemas.openxmlformats.org/officeDocument/2006/math" xmlns:a14="http://schemas.microsoft.com/office/drawing/2010/main" xmlns:ma14="http://schemas.microsoft.com/office/mac/drawingml/2011/main" xmlns="" val="1"/>
               </a:ext>
             </a:extLst>
           </p:spPr>
@@ -25344,7 +25345,7 @@
             </a:ln>
             <a:extLst>
               <a:ext uri="{C572A759-6A51-4108-AA02-DFA0A04FC94B}">
-                <ma14:wrappingTextBoxFlag xmlns="" xmlns:ma14="http://schemas.microsoft.com/office/mac/drawingml/2011/main" xmlns:a14="http://schemas.microsoft.com/office/drawing/2010/main" xmlns:m="http://schemas.openxmlformats.org/officeDocument/2006/math" val="1"/>
+                <ma14:wrappingTextBoxFlag xmlns:m="http://schemas.openxmlformats.org/officeDocument/2006/math" xmlns:a14="http://schemas.microsoft.com/office/drawing/2010/main" xmlns:ma14="http://schemas.microsoft.com/office/mac/drawingml/2011/main" xmlns="" val="1"/>
               </a:ext>
             </a:extLst>
           </p:spPr>
@@ -25396,7 +25397,7 @@
             </a:ln>
             <a:extLst>
               <a:ext uri="{C572A759-6A51-4108-AA02-DFA0A04FC94B}">
-                <ma14:wrappingTextBoxFlag xmlns="" xmlns:ma14="http://schemas.microsoft.com/office/mac/drawingml/2011/main" xmlns:a14="http://schemas.microsoft.com/office/drawing/2010/main" xmlns:m="http://schemas.openxmlformats.org/officeDocument/2006/math" val="1"/>
+                <ma14:wrappingTextBoxFlag xmlns:m="http://schemas.openxmlformats.org/officeDocument/2006/math" xmlns:a14="http://schemas.microsoft.com/office/drawing/2010/main" xmlns:ma14="http://schemas.microsoft.com/office/mac/drawingml/2011/main" xmlns="" val="1"/>
               </a:ext>
             </a:extLst>
           </p:spPr>
@@ -25444,7 +25445,7 @@
             </a:ln>
             <a:extLst>
               <a:ext uri="{C572A759-6A51-4108-AA02-DFA0A04FC94B}">
-                <ma14:wrappingTextBoxFlag xmlns="" xmlns:ma14="http://schemas.microsoft.com/office/mac/drawingml/2011/main" xmlns:a14="http://schemas.microsoft.com/office/drawing/2010/main" xmlns:m="http://schemas.openxmlformats.org/officeDocument/2006/math" val="1"/>
+                <ma14:wrappingTextBoxFlag xmlns:m="http://schemas.openxmlformats.org/officeDocument/2006/math" xmlns:a14="http://schemas.microsoft.com/office/drawing/2010/main" xmlns:ma14="http://schemas.microsoft.com/office/mac/drawingml/2011/main" xmlns="" val="1"/>
               </a:ext>
             </a:extLst>
           </p:spPr>
@@ -25498,7 +25499,7 @@
             </a:ln>
             <a:extLst>
               <a:ext uri="{C572A759-6A51-4108-AA02-DFA0A04FC94B}">
-                <ma14:wrappingTextBoxFlag xmlns="" xmlns:ma14="http://schemas.microsoft.com/office/mac/drawingml/2011/main" xmlns:a14="http://schemas.microsoft.com/office/drawing/2010/main" xmlns:m="http://schemas.openxmlformats.org/officeDocument/2006/math" val="1"/>
+                <ma14:wrappingTextBoxFlag xmlns:m="http://schemas.openxmlformats.org/officeDocument/2006/math" xmlns:a14="http://schemas.microsoft.com/office/drawing/2010/main" xmlns:ma14="http://schemas.microsoft.com/office/mac/drawingml/2011/main" xmlns="" val="1"/>
               </a:ext>
             </a:extLst>
           </p:spPr>
@@ -25555,7 +25556,7 @@
             </a:ln>
             <a:extLst>
               <a:ext uri="{C572A759-6A51-4108-AA02-DFA0A04FC94B}">
-                <ma14:wrappingTextBoxFlag xmlns="" xmlns:ma14="http://schemas.microsoft.com/office/mac/drawingml/2011/main" xmlns:a14="http://schemas.microsoft.com/office/drawing/2010/main" xmlns:m="http://schemas.openxmlformats.org/officeDocument/2006/math" val="1"/>
+                <ma14:wrappingTextBoxFlag xmlns:m="http://schemas.openxmlformats.org/officeDocument/2006/math" xmlns:a14="http://schemas.microsoft.com/office/drawing/2010/main" xmlns:ma14="http://schemas.microsoft.com/office/mac/drawingml/2011/main" xmlns="" val="1"/>
               </a:ext>
             </a:extLst>
           </p:spPr>
@@ -25613,7 +25614,7 @@
             </a:ln>
             <a:extLst>
               <a:ext uri="{C572A759-6A51-4108-AA02-DFA0A04FC94B}">
-                <ma14:wrappingTextBoxFlag xmlns="" xmlns:ma14="http://schemas.microsoft.com/office/mac/drawingml/2011/main" xmlns:a14="http://schemas.microsoft.com/office/drawing/2010/main" xmlns:m="http://schemas.openxmlformats.org/officeDocument/2006/math" val="1"/>
+                <ma14:wrappingTextBoxFlag xmlns:m="http://schemas.openxmlformats.org/officeDocument/2006/math" xmlns:a14="http://schemas.microsoft.com/office/drawing/2010/main" xmlns:ma14="http://schemas.microsoft.com/office/mac/drawingml/2011/main" xmlns="" val="1"/>
               </a:ext>
             </a:extLst>
           </p:spPr>
@@ -25694,7 +25695,7 @@
             </a:ln>
             <a:extLst>
               <a:ext uri="{C572A759-6A51-4108-AA02-DFA0A04FC94B}">
-                <ma14:wrappingTextBoxFlag xmlns="" xmlns:ma14="http://schemas.microsoft.com/office/mac/drawingml/2011/main" xmlns:a14="http://schemas.microsoft.com/office/drawing/2010/main" xmlns:m="http://schemas.openxmlformats.org/officeDocument/2006/math" val="1"/>
+                <ma14:wrappingTextBoxFlag xmlns:m="http://schemas.openxmlformats.org/officeDocument/2006/math" xmlns:a14="http://schemas.microsoft.com/office/drawing/2010/main" xmlns:ma14="http://schemas.microsoft.com/office/mac/drawingml/2011/main" xmlns="" val="1"/>
               </a:ext>
             </a:extLst>
           </p:spPr>
@@ -25752,7 +25753,7 @@
             </a:ln>
             <a:extLst>
               <a:ext uri="{C572A759-6A51-4108-AA02-DFA0A04FC94B}">
-                <ma14:wrappingTextBoxFlag xmlns="" xmlns:ma14="http://schemas.microsoft.com/office/mac/drawingml/2011/main" xmlns:a14="http://schemas.microsoft.com/office/drawing/2010/main" xmlns:m="http://schemas.openxmlformats.org/officeDocument/2006/math" val="1"/>
+                <ma14:wrappingTextBoxFlag xmlns:m="http://schemas.openxmlformats.org/officeDocument/2006/math" xmlns:a14="http://schemas.microsoft.com/office/drawing/2010/main" xmlns:ma14="http://schemas.microsoft.com/office/mac/drawingml/2011/main" xmlns="" val="1"/>
               </a:ext>
             </a:extLst>
           </p:spPr>
@@ -25810,7 +25811,7 @@
             </a:ln>
             <a:extLst>
               <a:ext uri="{C572A759-6A51-4108-AA02-DFA0A04FC94B}">
-                <ma14:wrappingTextBoxFlag xmlns="" xmlns:ma14="http://schemas.microsoft.com/office/mac/drawingml/2011/main" xmlns:a14="http://schemas.microsoft.com/office/drawing/2010/main" xmlns:m="http://schemas.openxmlformats.org/officeDocument/2006/math" val="1"/>
+                <ma14:wrappingTextBoxFlag xmlns:m="http://schemas.openxmlformats.org/officeDocument/2006/math" xmlns:a14="http://schemas.microsoft.com/office/drawing/2010/main" xmlns:ma14="http://schemas.microsoft.com/office/mac/drawingml/2011/main" xmlns="" val="1"/>
               </a:ext>
             </a:extLst>
           </p:spPr>
@@ -25868,7 +25869,7 @@
             </a:ln>
             <a:extLst>
               <a:ext uri="{C572A759-6A51-4108-AA02-DFA0A04FC94B}">
-                <ma14:wrappingTextBoxFlag xmlns="" xmlns:ma14="http://schemas.microsoft.com/office/mac/drawingml/2011/main" xmlns:a14="http://schemas.microsoft.com/office/drawing/2010/main" xmlns:m="http://schemas.openxmlformats.org/officeDocument/2006/math" val="1"/>
+                <ma14:wrappingTextBoxFlag xmlns:m="http://schemas.openxmlformats.org/officeDocument/2006/math" xmlns:a14="http://schemas.microsoft.com/office/drawing/2010/main" xmlns:ma14="http://schemas.microsoft.com/office/mac/drawingml/2011/main" xmlns="" val="1"/>
               </a:ext>
             </a:extLst>
           </p:spPr>
@@ -25916,7 +25917,7 @@
             </a:ln>
             <a:extLst>
               <a:ext uri="{C572A759-6A51-4108-AA02-DFA0A04FC94B}">
-                <ma14:wrappingTextBoxFlag xmlns="" xmlns:ma14="http://schemas.microsoft.com/office/mac/drawingml/2011/main" xmlns:a14="http://schemas.microsoft.com/office/drawing/2010/main" xmlns:m="http://schemas.openxmlformats.org/officeDocument/2006/math" val="1"/>
+                <ma14:wrappingTextBoxFlag xmlns:m="http://schemas.openxmlformats.org/officeDocument/2006/math" xmlns:a14="http://schemas.microsoft.com/office/drawing/2010/main" xmlns:ma14="http://schemas.microsoft.com/office/mac/drawingml/2011/main" xmlns="" val="1"/>
               </a:ext>
             </a:extLst>
           </p:spPr>
@@ -25964,7 +25965,7 @@
             </a:ln>
             <a:extLst>
               <a:ext uri="{C572A759-6A51-4108-AA02-DFA0A04FC94B}">
-                <ma14:wrappingTextBoxFlag xmlns="" xmlns:ma14="http://schemas.microsoft.com/office/mac/drawingml/2011/main" xmlns:a14="http://schemas.microsoft.com/office/drawing/2010/main" xmlns:m="http://schemas.openxmlformats.org/officeDocument/2006/math" val="1"/>
+                <ma14:wrappingTextBoxFlag xmlns:m="http://schemas.openxmlformats.org/officeDocument/2006/math" xmlns:a14="http://schemas.microsoft.com/office/drawing/2010/main" xmlns:ma14="http://schemas.microsoft.com/office/mac/drawingml/2011/main" xmlns="" val="1"/>
               </a:ext>
             </a:extLst>
           </p:spPr>
@@ -26018,7 +26019,7 @@
             </a:ln>
             <a:extLst>
               <a:ext uri="{C572A759-6A51-4108-AA02-DFA0A04FC94B}">
-                <ma14:wrappingTextBoxFlag xmlns="" xmlns:ma14="http://schemas.microsoft.com/office/mac/drawingml/2011/main" xmlns:a14="http://schemas.microsoft.com/office/drawing/2010/main" xmlns:m="http://schemas.openxmlformats.org/officeDocument/2006/math" val="1"/>
+                <ma14:wrappingTextBoxFlag xmlns:m="http://schemas.openxmlformats.org/officeDocument/2006/math" xmlns:a14="http://schemas.microsoft.com/office/drawing/2010/main" xmlns:ma14="http://schemas.microsoft.com/office/mac/drawingml/2011/main" xmlns="" val="1"/>
               </a:ext>
             </a:extLst>
           </p:spPr>
@@ -26072,7 +26073,7 @@
             </a:ln>
             <a:extLst>
               <a:ext uri="{C572A759-6A51-4108-AA02-DFA0A04FC94B}">
-                <ma14:wrappingTextBoxFlag xmlns="" xmlns:ma14="http://schemas.microsoft.com/office/mac/drawingml/2011/main" xmlns:a14="http://schemas.microsoft.com/office/drawing/2010/main" xmlns:m="http://schemas.openxmlformats.org/officeDocument/2006/math" val="1"/>
+                <ma14:wrappingTextBoxFlag xmlns:m="http://schemas.openxmlformats.org/officeDocument/2006/math" xmlns:a14="http://schemas.microsoft.com/office/drawing/2010/main" xmlns:ma14="http://schemas.microsoft.com/office/mac/drawingml/2011/main" xmlns="" val="1"/>
               </a:ext>
             </a:extLst>
           </p:spPr>
@@ -26125,7 +26126,7 @@
             </a:ln>
             <a:extLst>
               <a:ext uri="{C572A759-6A51-4108-AA02-DFA0A04FC94B}">
-                <ma14:wrappingTextBoxFlag xmlns="" xmlns:ma14="http://schemas.microsoft.com/office/mac/drawingml/2011/main" xmlns:a14="http://schemas.microsoft.com/office/drawing/2010/main" xmlns:m="http://schemas.openxmlformats.org/officeDocument/2006/math" val="1"/>
+                <ma14:wrappingTextBoxFlag xmlns:m="http://schemas.openxmlformats.org/officeDocument/2006/math" xmlns:a14="http://schemas.microsoft.com/office/drawing/2010/main" xmlns:ma14="http://schemas.microsoft.com/office/mac/drawingml/2011/main" xmlns="" val="1"/>
               </a:ext>
             </a:extLst>
           </p:spPr>
@@ -26178,7 +26179,7 @@
             </a:ln>
             <a:extLst>
               <a:ext uri="{C572A759-6A51-4108-AA02-DFA0A04FC94B}">
-                <ma14:wrappingTextBoxFlag xmlns="" xmlns:ma14="http://schemas.microsoft.com/office/mac/drawingml/2011/main" xmlns:a14="http://schemas.microsoft.com/office/drawing/2010/main" xmlns:m="http://schemas.openxmlformats.org/officeDocument/2006/math" val="1"/>
+                <ma14:wrappingTextBoxFlag xmlns:m="http://schemas.openxmlformats.org/officeDocument/2006/math" xmlns:a14="http://schemas.microsoft.com/office/drawing/2010/main" xmlns:ma14="http://schemas.microsoft.com/office/mac/drawingml/2011/main" xmlns="" val="1"/>
               </a:ext>
             </a:extLst>
           </p:spPr>
@@ -26231,7 +26232,7 @@
             </a:ln>
             <a:extLst>
               <a:ext uri="{C572A759-6A51-4108-AA02-DFA0A04FC94B}">
-                <ma14:wrappingTextBoxFlag xmlns="" xmlns:ma14="http://schemas.microsoft.com/office/mac/drawingml/2011/main" xmlns:a14="http://schemas.microsoft.com/office/drawing/2010/main" xmlns:m="http://schemas.openxmlformats.org/officeDocument/2006/math" val="1"/>
+                <ma14:wrappingTextBoxFlag xmlns:m="http://schemas.openxmlformats.org/officeDocument/2006/math" xmlns:a14="http://schemas.microsoft.com/office/drawing/2010/main" xmlns:ma14="http://schemas.microsoft.com/office/mac/drawingml/2011/main" xmlns="" val="1"/>
               </a:ext>
             </a:extLst>
           </p:spPr>
@@ -26535,7 +26536,7 @@
             </a:ln>
             <a:extLst>
               <a:ext uri="{C572A759-6A51-4108-AA02-DFA0A04FC94B}">
-                <ma14:wrappingTextBoxFlag xmlns="" xmlns:m="http://schemas.openxmlformats.org/officeDocument/2006/math" xmlns:a14="http://schemas.microsoft.com/office/drawing/2010/main" xmlns:ma14="http://schemas.microsoft.com/office/mac/drawingml/2011/main" val="1"/>
+                <ma14:wrappingTextBoxFlag xmlns:ma14="http://schemas.microsoft.com/office/mac/drawingml/2011/main" xmlns:a14="http://schemas.microsoft.com/office/drawing/2010/main" xmlns:m="http://schemas.openxmlformats.org/officeDocument/2006/math" xmlns="" val="1"/>
               </a:ext>
             </a:extLst>
           </p:spPr>
@@ -26583,7 +26584,7 @@
             </a:ln>
             <a:extLst>
               <a:ext uri="{C572A759-6A51-4108-AA02-DFA0A04FC94B}">
-                <ma14:wrappingTextBoxFlag xmlns="" xmlns:m="http://schemas.openxmlformats.org/officeDocument/2006/math" xmlns:a14="http://schemas.microsoft.com/office/drawing/2010/main" xmlns:ma14="http://schemas.microsoft.com/office/mac/drawingml/2011/main" val="1"/>
+                <ma14:wrappingTextBoxFlag xmlns:ma14="http://schemas.microsoft.com/office/mac/drawingml/2011/main" xmlns:a14="http://schemas.microsoft.com/office/drawing/2010/main" xmlns:m="http://schemas.openxmlformats.org/officeDocument/2006/math" xmlns="" val="1"/>
               </a:ext>
             </a:extLst>
           </p:spPr>
@@ -26631,7 +26632,7 @@
             </a:ln>
             <a:extLst>
               <a:ext uri="{C572A759-6A51-4108-AA02-DFA0A04FC94B}">
-                <ma14:wrappingTextBoxFlag xmlns="" xmlns:m="http://schemas.openxmlformats.org/officeDocument/2006/math" xmlns:a14="http://schemas.microsoft.com/office/drawing/2010/main" xmlns:ma14="http://schemas.microsoft.com/office/mac/drawingml/2011/main" val="1"/>
+                <ma14:wrappingTextBoxFlag xmlns:ma14="http://schemas.microsoft.com/office/mac/drawingml/2011/main" xmlns:a14="http://schemas.microsoft.com/office/drawing/2010/main" xmlns:m="http://schemas.openxmlformats.org/officeDocument/2006/math" xmlns="" val="1"/>
               </a:ext>
             </a:extLst>
           </p:spPr>
@@ -26683,7 +26684,7 @@
             </a:ln>
             <a:extLst>
               <a:ext uri="{C572A759-6A51-4108-AA02-DFA0A04FC94B}">
-                <ma14:wrappingTextBoxFlag xmlns="" xmlns:m="http://schemas.openxmlformats.org/officeDocument/2006/math" xmlns:a14="http://schemas.microsoft.com/office/drawing/2010/main" xmlns:ma14="http://schemas.microsoft.com/office/mac/drawingml/2011/main" val="1"/>
+                <ma14:wrappingTextBoxFlag xmlns:ma14="http://schemas.microsoft.com/office/mac/drawingml/2011/main" xmlns:a14="http://schemas.microsoft.com/office/drawing/2010/main" xmlns:m="http://schemas.openxmlformats.org/officeDocument/2006/math" xmlns="" val="1"/>
               </a:ext>
             </a:extLst>
           </p:spPr>
@@ -26731,7 +26732,7 @@
             </a:ln>
             <a:extLst>
               <a:ext uri="{C572A759-6A51-4108-AA02-DFA0A04FC94B}">
-                <ma14:wrappingTextBoxFlag xmlns="" xmlns:m="http://schemas.openxmlformats.org/officeDocument/2006/math" xmlns:a14="http://schemas.microsoft.com/office/drawing/2010/main" xmlns:ma14="http://schemas.microsoft.com/office/mac/drawingml/2011/main" val="1"/>
+                <ma14:wrappingTextBoxFlag xmlns:ma14="http://schemas.microsoft.com/office/mac/drawingml/2011/main" xmlns:a14="http://schemas.microsoft.com/office/drawing/2010/main" xmlns:m="http://schemas.openxmlformats.org/officeDocument/2006/math" xmlns="" val="1"/>
               </a:ext>
             </a:extLst>
           </p:spPr>
@@ -26779,7 +26780,7 @@
             </a:ln>
             <a:extLst>
               <a:ext uri="{C572A759-6A51-4108-AA02-DFA0A04FC94B}">
-                <ma14:wrappingTextBoxFlag xmlns="" xmlns:m="http://schemas.openxmlformats.org/officeDocument/2006/math" xmlns:a14="http://schemas.microsoft.com/office/drawing/2010/main" xmlns:ma14="http://schemas.microsoft.com/office/mac/drawingml/2011/main" val="1"/>
+                <ma14:wrappingTextBoxFlag xmlns:ma14="http://schemas.microsoft.com/office/mac/drawingml/2011/main" xmlns:a14="http://schemas.microsoft.com/office/drawing/2010/main" xmlns:m="http://schemas.openxmlformats.org/officeDocument/2006/math" xmlns="" val="1"/>
               </a:ext>
             </a:extLst>
           </p:spPr>
@@ -26836,7 +26837,7 @@
             </a:ln>
             <a:extLst>
               <a:ext uri="{C572A759-6A51-4108-AA02-DFA0A04FC94B}">
-                <ma14:wrappingTextBoxFlag xmlns="" xmlns:m="http://schemas.openxmlformats.org/officeDocument/2006/math" xmlns:a14="http://schemas.microsoft.com/office/drawing/2010/main" xmlns:ma14="http://schemas.microsoft.com/office/mac/drawingml/2011/main" val="1"/>
+                <ma14:wrappingTextBoxFlag xmlns:ma14="http://schemas.microsoft.com/office/mac/drawingml/2011/main" xmlns:a14="http://schemas.microsoft.com/office/drawing/2010/main" xmlns:m="http://schemas.openxmlformats.org/officeDocument/2006/math" xmlns="" val="1"/>
               </a:ext>
             </a:extLst>
           </p:spPr>
@@ -26894,7 +26895,7 @@
             </a:ln>
             <a:extLst>
               <a:ext uri="{C572A759-6A51-4108-AA02-DFA0A04FC94B}">
-                <ma14:wrappingTextBoxFlag xmlns="" xmlns:m="http://schemas.openxmlformats.org/officeDocument/2006/math" xmlns:a14="http://schemas.microsoft.com/office/drawing/2010/main" xmlns:ma14="http://schemas.microsoft.com/office/mac/drawingml/2011/main" val="1"/>
+                <ma14:wrappingTextBoxFlag xmlns:ma14="http://schemas.microsoft.com/office/mac/drawingml/2011/main" xmlns:a14="http://schemas.microsoft.com/office/drawing/2010/main" xmlns:m="http://schemas.openxmlformats.org/officeDocument/2006/math" xmlns="" val="1"/>
               </a:ext>
             </a:extLst>
           </p:spPr>
@@ -26942,7 +26943,7 @@
             </a:ln>
             <a:extLst>
               <a:ext uri="{C572A759-6A51-4108-AA02-DFA0A04FC94B}">
-                <ma14:wrappingTextBoxFlag xmlns="" xmlns:m="http://schemas.openxmlformats.org/officeDocument/2006/math" xmlns:a14="http://schemas.microsoft.com/office/drawing/2010/main" xmlns:ma14="http://schemas.microsoft.com/office/mac/drawingml/2011/main" val="1"/>
+                <ma14:wrappingTextBoxFlag xmlns:ma14="http://schemas.microsoft.com/office/mac/drawingml/2011/main" xmlns:a14="http://schemas.microsoft.com/office/drawing/2010/main" xmlns:m="http://schemas.openxmlformats.org/officeDocument/2006/math" xmlns="" val="1"/>
               </a:ext>
             </a:extLst>
           </p:spPr>
@@ -26990,7 +26991,7 @@
             </a:ln>
             <a:extLst>
               <a:ext uri="{C572A759-6A51-4108-AA02-DFA0A04FC94B}">
-                <ma14:wrappingTextBoxFlag xmlns="" xmlns:m="http://schemas.openxmlformats.org/officeDocument/2006/math" xmlns:a14="http://schemas.microsoft.com/office/drawing/2010/main" xmlns:ma14="http://schemas.microsoft.com/office/mac/drawingml/2011/main" val="1"/>
+                <ma14:wrappingTextBoxFlag xmlns:ma14="http://schemas.microsoft.com/office/mac/drawingml/2011/main" xmlns:a14="http://schemas.microsoft.com/office/drawing/2010/main" xmlns:m="http://schemas.openxmlformats.org/officeDocument/2006/math" xmlns="" val="1"/>
               </a:ext>
             </a:extLst>
           </p:spPr>
@@ -27038,7 +27039,7 @@
             </a:ln>
             <a:extLst>
               <a:ext uri="{C572A759-6A51-4108-AA02-DFA0A04FC94B}">
-                <ma14:wrappingTextBoxFlag xmlns="" xmlns:m="http://schemas.openxmlformats.org/officeDocument/2006/math" xmlns:a14="http://schemas.microsoft.com/office/drawing/2010/main" xmlns:ma14="http://schemas.microsoft.com/office/mac/drawingml/2011/main" val="1"/>
+                <ma14:wrappingTextBoxFlag xmlns:ma14="http://schemas.microsoft.com/office/mac/drawingml/2011/main" xmlns:a14="http://schemas.microsoft.com/office/drawing/2010/main" xmlns:m="http://schemas.openxmlformats.org/officeDocument/2006/math" xmlns="" val="1"/>
               </a:ext>
             </a:extLst>
           </p:spPr>
@@ -27096,7 +27097,7 @@
             </a:ln>
             <a:extLst>
               <a:ext uri="{C572A759-6A51-4108-AA02-DFA0A04FC94B}">
-                <ma14:wrappingTextBoxFlag xmlns="" xmlns:m="http://schemas.openxmlformats.org/officeDocument/2006/math" xmlns:a14="http://schemas.microsoft.com/office/drawing/2010/main" xmlns:ma14="http://schemas.microsoft.com/office/mac/drawingml/2011/main" val="1"/>
+                <ma14:wrappingTextBoxFlag xmlns:ma14="http://schemas.microsoft.com/office/mac/drawingml/2011/main" xmlns:a14="http://schemas.microsoft.com/office/drawing/2010/main" xmlns:m="http://schemas.openxmlformats.org/officeDocument/2006/math" xmlns="" val="1"/>
               </a:ext>
             </a:extLst>
           </p:spPr>
@@ -27153,7 +27154,7 @@
             </a:ln>
             <a:extLst>
               <a:ext uri="{C572A759-6A51-4108-AA02-DFA0A04FC94B}">
-                <ma14:wrappingTextBoxFlag xmlns="" xmlns:m="http://schemas.openxmlformats.org/officeDocument/2006/math" xmlns:a14="http://schemas.microsoft.com/office/drawing/2010/main" xmlns:ma14="http://schemas.microsoft.com/office/mac/drawingml/2011/main" val="1"/>
+                <ma14:wrappingTextBoxFlag xmlns:ma14="http://schemas.microsoft.com/office/mac/drawingml/2011/main" xmlns:a14="http://schemas.microsoft.com/office/drawing/2010/main" xmlns:m="http://schemas.openxmlformats.org/officeDocument/2006/math" xmlns="" val="1"/>
               </a:ext>
             </a:extLst>
           </p:spPr>
@@ -27201,7 +27202,7 @@
             </a:ln>
             <a:extLst>
               <a:ext uri="{C572A759-6A51-4108-AA02-DFA0A04FC94B}">
-                <ma14:wrappingTextBoxFlag xmlns="" xmlns:m="http://schemas.openxmlformats.org/officeDocument/2006/math" xmlns:a14="http://schemas.microsoft.com/office/drawing/2010/main" xmlns:ma14="http://schemas.microsoft.com/office/mac/drawingml/2011/main" val="1"/>
+                <ma14:wrappingTextBoxFlag xmlns:ma14="http://schemas.microsoft.com/office/mac/drawingml/2011/main" xmlns:a14="http://schemas.microsoft.com/office/drawing/2010/main" xmlns:m="http://schemas.openxmlformats.org/officeDocument/2006/math" xmlns="" val="1"/>
               </a:ext>
             </a:extLst>
           </p:spPr>
@@ -27253,7 +27254,7 @@
             </a:ln>
             <a:extLst>
               <a:ext uri="{C572A759-6A51-4108-AA02-DFA0A04FC94B}">
-                <ma14:wrappingTextBoxFlag xmlns="" xmlns:m="http://schemas.openxmlformats.org/officeDocument/2006/math" xmlns:a14="http://schemas.microsoft.com/office/drawing/2010/main" xmlns:ma14="http://schemas.microsoft.com/office/mac/drawingml/2011/main" val="1"/>
+                <ma14:wrappingTextBoxFlag xmlns:ma14="http://schemas.microsoft.com/office/mac/drawingml/2011/main" xmlns:a14="http://schemas.microsoft.com/office/drawing/2010/main" xmlns:m="http://schemas.openxmlformats.org/officeDocument/2006/math" xmlns="" val="1"/>
               </a:ext>
             </a:extLst>
           </p:spPr>
@@ -27311,7 +27312,7 @@
             </a:ln>
             <a:extLst>
               <a:ext uri="{C572A759-6A51-4108-AA02-DFA0A04FC94B}">
-                <ma14:wrappingTextBoxFlag xmlns="" xmlns:m="http://schemas.openxmlformats.org/officeDocument/2006/math" xmlns:a14="http://schemas.microsoft.com/office/drawing/2010/main" xmlns:ma14="http://schemas.microsoft.com/office/mac/drawingml/2011/main" val="1"/>
+                <ma14:wrappingTextBoxFlag xmlns:ma14="http://schemas.microsoft.com/office/mac/drawingml/2011/main" xmlns:a14="http://schemas.microsoft.com/office/drawing/2010/main" xmlns:m="http://schemas.openxmlformats.org/officeDocument/2006/math" xmlns="" val="1"/>
               </a:ext>
             </a:extLst>
           </p:spPr>
@@ -27359,7 +27360,7 @@
             </a:ln>
             <a:extLst>
               <a:ext uri="{C572A759-6A51-4108-AA02-DFA0A04FC94B}">
-                <ma14:wrappingTextBoxFlag xmlns="" xmlns:m="http://schemas.openxmlformats.org/officeDocument/2006/math" xmlns:a14="http://schemas.microsoft.com/office/drawing/2010/main" xmlns:ma14="http://schemas.microsoft.com/office/mac/drawingml/2011/main" val="1"/>
+                <ma14:wrappingTextBoxFlag xmlns:ma14="http://schemas.microsoft.com/office/mac/drawingml/2011/main" xmlns:a14="http://schemas.microsoft.com/office/drawing/2010/main" xmlns:m="http://schemas.openxmlformats.org/officeDocument/2006/math" xmlns="" val="1"/>
               </a:ext>
             </a:extLst>
           </p:spPr>
@@ -27412,7 +27413,7 @@
             </a:ln>
             <a:extLst>
               <a:ext uri="{C572A759-6A51-4108-AA02-DFA0A04FC94B}">
-                <ma14:wrappingTextBoxFlag xmlns="" xmlns:m="http://schemas.openxmlformats.org/officeDocument/2006/math" xmlns:a14="http://schemas.microsoft.com/office/drawing/2010/main" xmlns:ma14="http://schemas.microsoft.com/office/mac/drawingml/2011/main" val="1"/>
+                <ma14:wrappingTextBoxFlag xmlns:ma14="http://schemas.microsoft.com/office/mac/drawingml/2011/main" xmlns:a14="http://schemas.microsoft.com/office/drawing/2010/main" xmlns:m="http://schemas.openxmlformats.org/officeDocument/2006/math" xmlns="" val="1"/>
               </a:ext>
             </a:extLst>
           </p:spPr>
@@ -27460,7 +27461,7 @@
             </a:ln>
             <a:extLst>
               <a:ext uri="{C572A759-6A51-4108-AA02-DFA0A04FC94B}">
-                <ma14:wrappingTextBoxFlag xmlns="" xmlns:m="http://schemas.openxmlformats.org/officeDocument/2006/math" xmlns:a14="http://schemas.microsoft.com/office/drawing/2010/main" xmlns:ma14="http://schemas.microsoft.com/office/mac/drawingml/2011/main" val="1"/>
+                <ma14:wrappingTextBoxFlag xmlns:ma14="http://schemas.microsoft.com/office/mac/drawingml/2011/main" xmlns:a14="http://schemas.microsoft.com/office/drawing/2010/main" xmlns:m="http://schemas.openxmlformats.org/officeDocument/2006/math" xmlns="" val="1"/>
               </a:ext>
             </a:extLst>
           </p:spPr>
@@ -27512,7 +27513,7 @@
             </a:ln>
             <a:extLst>
               <a:ext uri="{C572A759-6A51-4108-AA02-DFA0A04FC94B}">
-                <ma14:wrappingTextBoxFlag xmlns="" xmlns:m="http://schemas.openxmlformats.org/officeDocument/2006/math" xmlns:a14="http://schemas.microsoft.com/office/drawing/2010/main" xmlns:ma14="http://schemas.microsoft.com/office/mac/drawingml/2011/main" val="1"/>
+                <ma14:wrappingTextBoxFlag xmlns:ma14="http://schemas.microsoft.com/office/mac/drawingml/2011/main" xmlns:a14="http://schemas.microsoft.com/office/drawing/2010/main" xmlns:m="http://schemas.openxmlformats.org/officeDocument/2006/math" xmlns="" val="1"/>
               </a:ext>
             </a:extLst>
           </p:spPr>
@@ -27560,7 +27561,7 @@
             </a:ln>
             <a:extLst>
               <a:ext uri="{C572A759-6A51-4108-AA02-DFA0A04FC94B}">
-                <ma14:wrappingTextBoxFlag xmlns="" xmlns:m="http://schemas.openxmlformats.org/officeDocument/2006/math" xmlns:a14="http://schemas.microsoft.com/office/drawing/2010/main" xmlns:ma14="http://schemas.microsoft.com/office/mac/drawingml/2011/main" val="1"/>
+                <ma14:wrappingTextBoxFlag xmlns:ma14="http://schemas.microsoft.com/office/mac/drawingml/2011/main" xmlns:a14="http://schemas.microsoft.com/office/drawing/2010/main" xmlns:m="http://schemas.openxmlformats.org/officeDocument/2006/math" xmlns="" val="1"/>
               </a:ext>
             </a:extLst>
           </p:spPr>
@@ -27614,7 +27615,7 @@
             </a:ln>
             <a:extLst>
               <a:ext uri="{C572A759-6A51-4108-AA02-DFA0A04FC94B}">
-                <ma14:wrappingTextBoxFlag xmlns="" xmlns:m="http://schemas.openxmlformats.org/officeDocument/2006/math" xmlns:a14="http://schemas.microsoft.com/office/drawing/2010/main" xmlns:ma14="http://schemas.microsoft.com/office/mac/drawingml/2011/main" val="1"/>
+                <ma14:wrappingTextBoxFlag xmlns:ma14="http://schemas.microsoft.com/office/mac/drawingml/2011/main" xmlns:a14="http://schemas.microsoft.com/office/drawing/2010/main" xmlns:m="http://schemas.openxmlformats.org/officeDocument/2006/math" xmlns="" val="1"/>
               </a:ext>
             </a:extLst>
           </p:spPr>
@@ -27671,7 +27672,7 @@
             </a:ln>
             <a:extLst>
               <a:ext uri="{C572A759-6A51-4108-AA02-DFA0A04FC94B}">
-                <ma14:wrappingTextBoxFlag xmlns="" xmlns:m="http://schemas.openxmlformats.org/officeDocument/2006/math" xmlns:a14="http://schemas.microsoft.com/office/drawing/2010/main" xmlns:ma14="http://schemas.microsoft.com/office/mac/drawingml/2011/main" val="1"/>
+                <ma14:wrappingTextBoxFlag xmlns:ma14="http://schemas.microsoft.com/office/mac/drawingml/2011/main" xmlns:a14="http://schemas.microsoft.com/office/drawing/2010/main" xmlns:m="http://schemas.openxmlformats.org/officeDocument/2006/math" xmlns="" val="1"/>
               </a:ext>
             </a:extLst>
           </p:spPr>
@@ -27729,7 +27730,7 @@
             </a:ln>
             <a:extLst>
               <a:ext uri="{C572A759-6A51-4108-AA02-DFA0A04FC94B}">
-                <ma14:wrappingTextBoxFlag xmlns="" xmlns:m="http://schemas.openxmlformats.org/officeDocument/2006/math" xmlns:a14="http://schemas.microsoft.com/office/drawing/2010/main" xmlns:ma14="http://schemas.microsoft.com/office/mac/drawingml/2011/main" val="1"/>
+                <ma14:wrappingTextBoxFlag xmlns:ma14="http://schemas.microsoft.com/office/mac/drawingml/2011/main" xmlns:a14="http://schemas.microsoft.com/office/drawing/2010/main" xmlns:m="http://schemas.openxmlformats.org/officeDocument/2006/math" xmlns="" val="1"/>
               </a:ext>
             </a:extLst>
           </p:spPr>
@@ -27810,7 +27811,7 @@
             </a:ln>
             <a:extLst>
               <a:ext uri="{C572A759-6A51-4108-AA02-DFA0A04FC94B}">
-                <ma14:wrappingTextBoxFlag xmlns="" xmlns:m="http://schemas.openxmlformats.org/officeDocument/2006/math" xmlns:a14="http://schemas.microsoft.com/office/drawing/2010/main" xmlns:ma14="http://schemas.microsoft.com/office/mac/drawingml/2011/main" val="1"/>
+                <ma14:wrappingTextBoxFlag xmlns:ma14="http://schemas.microsoft.com/office/mac/drawingml/2011/main" xmlns:a14="http://schemas.microsoft.com/office/drawing/2010/main" xmlns:m="http://schemas.openxmlformats.org/officeDocument/2006/math" xmlns="" val="1"/>
               </a:ext>
             </a:extLst>
           </p:spPr>
@@ -27868,7 +27869,7 @@
             </a:ln>
             <a:extLst>
               <a:ext uri="{C572A759-6A51-4108-AA02-DFA0A04FC94B}">
-                <ma14:wrappingTextBoxFlag xmlns="" xmlns:m="http://schemas.openxmlformats.org/officeDocument/2006/math" xmlns:a14="http://schemas.microsoft.com/office/drawing/2010/main" xmlns:ma14="http://schemas.microsoft.com/office/mac/drawingml/2011/main" val="1"/>
+                <ma14:wrappingTextBoxFlag xmlns:ma14="http://schemas.microsoft.com/office/mac/drawingml/2011/main" xmlns:a14="http://schemas.microsoft.com/office/drawing/2010/main" xmlns:m="http://schemas.openxmlformats.org/officeDocument/2006/math" xmlns="" val="1"/>
               </a:ext>
             </a:extLst>
           </p:spPr>
@@ -27926,7 +27927,7 @@
             </a:ln>
             <a:extLst>
               <a:ext uri="{C572A759-6A51-4108-AA02-DFA0A04FC94B}">
-                <ma14:wrappingTextBoxFlag xmlns="" xmlns:m="http://schemas.openxmlformats.org/officeDocument/2006/math" xmlns:a14="http://schemas.microsoft.com/office/drawing/2010/main" xmlns:ma14="http://schemas.microsoft.com/office/mac/drawingml/2011/main" val="1"/>
+                <ma14:wrappingTextBoxFlag xmlns:ma14="http://schemas.microsoft.com/office/mac/drawingml/2011/main" xmlns:a14="http://schemas.microsoft.com/office/drawing/2010/main" xmlns:m="http://schemas.openxmlformats.org/officeDocument/2006/math" xmlns="" val="1"/>
               </a:ext>
             </a:extLst>
           </p:spPr>
@@ -27984,7 +27985,7 @@
             </a:ln>
             <a:extLst>
               <a:ext uri="{C572A759-6A51-4108-AA02-DFA0A04FC94B}">
-                <ma14:wrappingTextBoxFlag xmlns="" xmlns:m="http://schemas.openxmlformats.org/officeDocument/2006/math" xmlns:a14="http://schemas.microsoft.com/office/drawing/2010/main" xmlns:ma14="http://schemas.microsoft.com/office/mac/drawingml/2011/main" val="1"/>
+                <ma14:wrappingTextBoxFlag xmlns:ma14="http://schemas.microsoft.com/office/mac/drawingml/2011/main" xmlns:a14="http://schemas.microsoft.com/office/drawing/2010/main" xmlns:m="http://schemas.openxmlformats.org/officeDocument/2006/math" xmlns="" val="1"/>
               </a:ext>
             </a:extLst>
           </p:spPr>
@@ -28032,7 +28033,7 @@
             </a:ln>
             <a:extLst>
               <a:ext uri="{C572A759-6A51-4108-AA02-DFA0A04FC94B}">
-                <ma14:wrappingTextBoxFlag xmlns="" xmlns:m="http://schemas.openxmlformats.org/officeDocument/2006/math" xmlns:a14="http://schemas.microsoft.com/office/drawing/2010/main" xmlns:ma14="http://schemas.microsoft.com/office/mac/drawingml/2011/main" val="1"/>
+                <ma14:wrappingTextBoxFlag xmlns:ma14="http://schemas.microsoft.com/office/mac/drawingml/2011/main" xmlns:a14="http://schemas.microsoft.com/office/drawing/2010/main" xmlns:m="http://schemas.openxmlformats.org/officeDocument/2006/math" xmlns="" val="1"/>
               </a:ext>
             </a:extLst>
           </p:spPr>
@@ -28080,7 +28081,7 @@
             </a:ln>
             <a:extLst>
               <a:ext uri="{C572A759-6A51-4108-AA02-DFA0A04FC94B}">
-                <ma14:wrappingTextBoxFlag xmlns="" xmlns:m="http://schemas.openxmlformats.org/officeDocument/2006/math" xmlns:a14="http://schemas.microsoft.com/office/drawing/2010/main" xmlns:ma14="http://schemas.microsoft.com/office/mac/drawingml/2011/main" val="1"/>
+                <ma14:wrappingTextBoxFlag xmlns:ma14="http://schemas.microsoft.com/office/mac/drawingml/2011/main" xmlns:a14="http://schemas.microsoft.com/office/drawing/2010/main" xmlns:m="http://schemas.openxmlformats.org/officeDocument/2006/math" xmlns="" val="1"/>
               </a:ext>
             </a:extLst>
           </p:spPr>
@@ -28134,7 +28135,7 @@
             </a:ln>
             <a:extLst>
               <a:ext uri="{C572A759-6A51-4108-AA02-DFA0A04FC94B}">
-                <ma14:wrappingTextBoxFlag xmlns="" xmlns:m="http://schemas.openxmlformats.org/officeDocument/2006/math" xmlns:a14="http://schemas.microsoft.com/office/drawing/2010/main" xmlns:ma14="http://schemas.microsoft.com/office/mac/drawingml/2011/main" val="1"/>
+                <ma14:wrappingTextBoxFlag xmlns:ma14="http://schemas.microsoft.com/office/mac/drawingml/2011/main" xmlns:a14="http://schemas.microsoft.com/office/drawing/2010/main" xmlns:m="http://schemas.openxmlformats.org/officeDocument/2006/math" xmlns="" val="1"/>
               </a:ext>
             </a:extLst>
           </p:spPr>
@@ -28188,7 +28189,7 @@
             </a:ln>
             <a:extLst>
               <a:ext uri="{C572A759-6A51-4108-AA02-DFA0A04FC94B}">
-                <ma14:wrappingTextBoxFlag xmlns="" xmlns:m="http://schemas.openxmlformats.org/officeDocument/2006/math" xmlns:a14="http://schemas.microsoft.com/office/drawing/2010/main" xmlns:ma14="http://schemas.microsoft.com/office/mac/drawingml/2011/main" val="1"/>
+                <ma14:wrappingTextBoxFlag xmlns:ma14="http://schemas.microsoft.com/office/mac/drawingml/2011/main" xmlns:a14="http://schemas.microsoft.com/office/drawing/2010/main" xmlns:m="http://schemas.openxmlformats.org/officeDocument/2006/math" xmlns="" val="1"/>
               </a:ext>
             </a:extLst>
           </p:spPr>
@@ -28241,7 +28242,7 @@
             </a:ln>
             <a:extLst>
               <a:ext uri="{C572A759-6A51-4108-AA02-DFA0A04FC94B}">
-                <ma14:wrappingTextBoxFlag xmlns="" xmlns:m="http://schemas.openxmlformats.org/officeDocument/2006/math" xmlns:a14="http://schemas.microsoft.com/office/drawing/2010/main" xmlns:ma14="http://schemas.microsoft.com/office/mac/drawingml/2011/main" val="1"/>
+                <ma14:wrappingTextBoxFlag xmlns:ma14="http://schemas.microsoft.com/office/mac/drawingml/2011/main" xmlns:a14="http://schemas.microsoft.com/office/drawing/2010/main" xmlns:m="http://schemas.openxmlformats.org/officeDocument/2006/math" xmlns="" val="1"/>
               </a:ext>
             </a:extLst>
           </p:spPr>
@@ -28294,7 +28295,7 @@
             </a:ln>
             <a:extLst>
               <a:ext uri="{C572A759-6A51-4108-AA02-DFA0A04FC94B}">
-                <ma14:wrappingTextBoxFlag xmlns="" xmlns:m="http://schemas.openxmlformats.org/officeDocument/2006/math" xmlns:a14="http://schemas.microsoft.com/office/drawing/2010/main" xmlns:ma14="http://schemas.microsoft.com/office/mac/drawingml/2011/main" val="1"/>
+                <ma14:wrappingTextBoxFlag xmlns:ma14="http://schemas.microsoft.com/office/mac/drawingml/2011/main" xmlns:a14="http://schemas.microsoft.com/office/drawing/2010/main" xmlns:m="http://schemas.openxmlformats.org/officeDocument/2006/math" xmlns="" val="1"/>
               </a:ext>
             </a:extLst>
           </p:spPr>
@@ -28347,7 +28348,7 @@
             </a:ln>
             <a:extLst>
               <a:ext uri="{C572A759-6A51-4108-AA02-DFA0A04FC94B}">
-                <ma14:wrappingTextBoxFlag xmlns="" xmlns:m="http://schemas.openxmlformats.org/officeDocument/2006/math" xmlns:a14="http://schemas.microsoft.com/office/drawing/2010/main" xmlns:ma14="http://schemas.microsoft.com/office/mac/drawingml/2011/main" val="1"/>
+                <ma14:wrappingTextBoxFlag xmlns:ma14="http://schemas.microsoft.com/office/mac/drawingml/2011/main" xmlns:a14="http://schemas.microsoft.com/office/drawing/2010/main" xmlns:m="http://schemas.openxmlformats.org/officeDocument/2006/math" xmlns="" val="1"/>
               </a:ext>
             </a:extLst>
           </p:spPr>
@@ -28665,7 +28666,7 @@
             </a:ln>
             <a:extLst>
               <a:ext uri="{C572A759-6A51-4108-AA02-DFA0A04FC94B}">
-                <ma14:wrappingTextBoxFlag xmlns="" xmlns:m="http://schemas.openxmlformats.org/officeDocument/2006/math" xmlns:a14="http://schemas.microsoft.com/office/drawing/2010/main" xmlns:ma14="http://schemas.microsoft.com/office/mac/drawingml/2011/main" val="1"/>
+                <ma14:wrappingTextBoxFlag xmlns:ma14="http://schemas.microsoft.com/office/mac/drawingml/2011/main" xmlns:a14="http://schemas.microsoft.com/office/drawing/2010/main" xmlns:m="http://schemas.openxmlformats.org/officeDocument/2006/math" xmlns="" val="1"/>
               </a:ext>
             </a:extLst>
           </p:spPr>
@@ -28713,7 +28714,7 @@
             </a:ln>
             <a:extLst>
               <a:ext uri="{C572A759-6A51-4108-AA02-DFA0A04FC94B}">
-                <ma14:wrappingTextBoxFlag xmlns="" xmlns:m="http://schemas.openxmlformats.org/officeDocument/2006/math" xmlns:a14="http://schemas.microsoft.com/office/drawing/2010/main" xmlns:ma14="http://schemas.microsoft.com/office/mac/drawingml/2011/main" val="1"/>
+                <ma14:wrappingTextBoxFlag xmlns:ma14="http://schemas.microsoft.com/office/mac/drawingml/2011/main" xmlns:a14="http://schemas.microsoft.com/office/drawing/2010/main" xmlns:m="http://schemas.openxmlformats.org/officeDocument/2006/math" xmlns="" val="1"/>
               </a:ext>
             </a:extLst>
           </p:spPr>
@@ -28761,7 +28762,7 @@
             </a:ln>
             <a:extLst>
               <a:ext uri="{C572A759-6A51-4108-AA02-DFA0A04FC94B}">
-                <ma14:wrappingTextBoxFlag xmlns="" xmlns:m="http://schemas.openxmlformats.org/officeDocument/2006/math" xmlns:a14="http://schemas.microsoft.com/office/drawing/2010/main" xmlns:ma14="http://schemas.microsoft.com/office/mac/drawingml/2011/main" val="1"/>
+                <ma14:wrappingTextBoxFlag xmlns:ma14="http://schemas.microsoft.com/office/mac/drawingml/2011/main" xmlns:a14="http://schemas.microsoft.com/office/drawing/2010/main" xmlns:m="http://schemas.openxmlformats.org/officeDocument/2006/math" xmlns="" val="1"/>
               </a:ext>
             </a:extLst>
           </p:spPr>
@@ -28813,7 +28814,7 @@
             </a:ln>
             <a:extLst>
               <a:ext uri="{C572A759-6A51-4108-AA02-DFA0A04FC94B}">
-                <ma14:wrappingTextBoxFlag xmlns="" xmlns:m="http://schemas.openxmlformats.org/officeDocument/2006/math" xmlns:a14="http://schemas.microsoft.com/office/drawing/2010/main" xmlns:ma14="http://schemas.microsoft.com/office/mac/drawingml/2011/main" val="1"/>
+                <ma14:wrappingTextBoxFlag xmlns:ma14="http://schemas.microsoft.com/office/mac/drawingml/2011/main" xmlns:a14="http://schemas.microsoft.com/office/drawing/2010/main" xmlns:m="http://schemas.openxmlformats.org/officeDocument/2006/math" xmlns="" val="1"/>
               </a:ext>
             </a:extLst>
           </p:spPr>
@@ -28861,7 +28862,7 @@
             </a:ln>
             <a:extLst>
               <a:ext uri="{C572A759-6A51-4108-AA02-DFA0A04FC94B}">
-                <ma14:wrappingTextBoxFlag xmlns="" xmlns:m="http://schemas.openxmlformats.org/officeDocument/2006/math" xmlns:a14="http://schemas.microsoft.com/office/drawing/2010/main" xmlns:ma14="http://schemas.microsoft.com/office/mac/drawingml/2011/main" val="1"/>
+                <ma14:wrappingTextBoxFlag xmlns:ma14="http://schemas.microsoft.com/office/mac/drawingml/2011/main" xmlns:a14="http://schemas.microsoft.com/office/drawing/2010/main" xmlns:m="http://schemas.openxmlformats.org/officeDocument/2006/math" xmlns="" val="1"/>
               </a:ext>
             </a:extLst>
           </p:spPr>
@@ -28909,7 +28910,7 @@
             </a:ln>
             <a:extLst>
               <a:ext uri="{C572A759-6A51-4108-AA02-DFA0A04FC94B}">
-                <ma14:wrappingTextBoxFlag xmlns="" xmlns:m="http://schemas.openxmlformats.org/officeDocument/2006/math" xmlns:a14="http://schemas.microsoft.com/office/drawing/2010/main" xmlns:ma14="http://schemas.microsoft.com/office/mac/drawingml/2011/main" val="1"/>
+                <ma14:wrappingTextBoxFlag xmlns:ma14="http://schemas.microsoft.com/office/mac/drawingml/2011/main" xmlns:a14="http://schemas.microsoft.com/office/drawing/2010/main" xmlns:m="http://schemas.openxmlformats.org/officeDocument/2006/math" xmlns="" val="1"/>
               </a:ext>
             </a:extLst>
           </p:spPr>
@@ -28966,7 +28967,7 @@
             </a:ln>
             <a:extLst>
               <a:ext uri="{C572A759-6A51-4108-AA02-DFA0A04FC94B}">
-                <ma14:wrappingTextBoxFlag xmlns="" xmlns:m="http://schemas.openxmlformats.org/officeDocument/2006/math" xmlns:a14="http://schemas.microsoft.com/office/drawing/2010/main" xmlns:ma14="http://schemas.microsoft.com/office/mac/drawingml/2011/main" val="1"/>
+                <ma14:wrappingTextBoxFlag xmlns:ma14="http://schemas.microsoft.com/office/mac/drawingml/2011/main" xmlns:a14="http://schemas.microsoft.com/office/drawing/2010/main" xmlns:m="http://schemas.openxmlformats.org/officeDocument/2006/math" xmlns="" val="1"/>
               </a:ext>
             </a:extLst>
           </p:spPr>
@@ -29024,7 +29025,7 @@
             </a:ln>
             <a:extLst>
               <a:ext uri="{C572A759-6A51-4108-AA02-DFA0A04FC94B}">
-                <ma14:wrappingTextBoxFlag xmlns="" xmlns:m="http://schemas.openxmlformats.org/officeDocument/2006/math" xmlns:a14="http://schemas.microsoft.com/office/drawing/2010/main" xmlns:ma14="http://schemas.microsoft.com/office/mac/drawingml/2011/main" val="1"/>
+                <ma14:wrappingTextBoxFlag xmlns:ma14="http://schemas.microsoft.com/office/mac/drawingml/2011/main" xmlns:a14="http://schemas.microsoft.com/office/drawing/2010/main" xmlns:m="http://schemas.openxmlformats.org/officeDocument/2006/math" xmlns="" val="1"/>
               </a:ext>
             </a:extLst>
           </p:spPr>
@@ -29072,7 +29073,7 @@
             </a:ln>
             <a:extLst>
               <a:ext uri="{C572A759-6A51-4108-AA02-DFA0A04FC94B}">
-                <ma14:wrappingTextBoxFlag xmlns="" xmlns:m="http://schemas.openxmlformats.org/officeDocument/2006/math" xmlns:a14="http://schemas.microsoft.com/office/drawing/2010/main" xmlns:ma14="http://schemas.microsoft.com/office/mac/drawingml/2011/main" val="1"/>
+                <ma14:wrappingTextBoxFlag xmlns:ma14="http://schemas.microsoft.com/office/mac/drawingml/2011/main" xmlns:a14="http://schemas.microsoft.com/office/drawing/2010/main" xmlns:m="http://schemas.openxmlformats.org/officeDocument/2006/math" xmlns="" val="1"/>
               </a:ext>
             </a:extLst>
           </p:spPr>
@@ -29120,7 +29121,7 @@
             </a:ln>
             <a:extLst>
               <a:ext uri="{C572A759-6A51-4108-AA02-DFA0A04FC94B}">
-                <ma14:wrappingTextBoxFlag xmlns="" xmlns:m="http://schemas.openxmlformats.org/officeDocument/2006/math" xmlns:a14="http://schemas.microsoft.com/office/drawing/2010/main" xmlns:ma14="http://schemas.microsoft.com/office/mac/drawingml/2011/main" val="1"/>
+                <ma14:wrappingTextBoxFlag xmlns:ma14="http://schemas.microsoft.com/office/mac/drawingml/2011/main" xmlns:a14="http://schemas.microsoft.com/office/drawing/2010/main" xmlns:m="http://schemas.openxmlformats.org/officeDocument/2006/math" xmlns="" val="1"/>
               </a:ext>
             </a:extLst>
           </p:spPr>
@@ -29168,7 +29169,7 @@
             </a:ln>
             <a:extLst>
               <a:ext uri="{C572A759-6A51-4108-AA02-DFA0A04FC94B}">
-                <ma14:wrappingTextBoxFlag xmlns="" xmlns:m="http://schemas.openxmlformats.org/officeDocument/2006/math" xmlns:a14="http://schemas.microsoft.com/office/drawing/2010/main" xmlns:ma14="http://schemas.microsoft.com/office/mac/drawingml/2011/main" val="1"/>
+                <ma14:wrappingTextBoxFlag xmlns:ma14="http://schemas.microsoft.com/office/mac/drawingml/2011/main" xmlns:a14="http://schemas.microsoft.com/office/drawing/2010/main" xmlns:m="http://schemas.openxmlformats.org/officeDocument/2006/math" xmlns="" val="1"/>
               </a:ext>
             </a:extLst>
           </p:spPr>
@@ -29226,7 +29227,7 @@
             </a:ln>
             <a:extLst>
               <a:ext uri="{C572A759-6A51-4108-AA02-DFA0A04FC94B}">
-                <ma14:wrappingTextBoxFlag xmlns="" xmlns:m="http://schemas.openxmlformats.org/officeDocument/2006/math" xmlns:a14="http://schemas.microsoft.com/office/drawing/2010/main" xmlns:ma14="http://schemas.microsoft.com/office/mac/drawingml/2011/main" val="1"/>
+                <ma14:wrappingTextBoxFlag xmlns:ma14="http://schemas.microsoft.com/office/mac/drawingml/2011/main" xmlns:a14="http://schemas.microsoft.com/office/drawing/2010/main" xmlns:m="http://schemas.openxmlformats.org/officeDocument/2006/math" xmlns="" val="1"/>
               </a:ext>
             </a:extLst>
           </p:spPr>
@@ -29283,7 +29284,7 @@
             </a:ln>
             <a:extLst>
               <a:ext uri="{C572A759-6A51-4108-AA02-DFA0A04FC94B}">
-                <ma14:wrappingTextBoxFlag xmlns="" xmlns:m="http://schemas.openxmlformats.org/officeDocument/2006/math" xmlns:a14="http://schemas.microsoft.com/office/drawing/2010/main" xmlns:ma14="http://schemas.microsoft.com/office/mac/drawingml/2011/main" val="1"/>
+                <ma14:wrappingTextBoxFlag xmlns:ma14="http://schemas.microsoft.com/office/mac/drawingml/2011/main" xmlns:a14="http://schemas.microsoft.com/office/drawing/2010/main" xmlns:m="http://schemas.openxmlformats.org/officeDocument/2006/math" xmlns="" val="1"/>
               </a:ext>
             </a:extLst>
           </p:spPr>
@@ -29331,7 +29332,7 @@
             </a:ln>
             <a:extLst>
               <a:ext uri="{C572A759-6A51-4108-AA02-DFA0A04FC94B}">
-                <ma14:wrappingTextBoxFlag xmlns="" xmlns:m="http://schemas.openxmlformats.org/officeDocument/2006/math" xmlns:a14="http://schemas.microsoft.com/office/drawing/2010/main" xmlns:ma14="http://schemas.microsoft.com/office/mac/drawingml/2011/main" val="1"/>
+                <ma14:wrappingTextBoxFlag xmlns:ma14="http://schemas.microsoft.com/office/mac/drawingml/2011/main" xmlns:a14="http://schemas.microsoft.com/office/drawing/2010/main" xmlns:m="http://schemas.openxmlformats.org/officeDocument/2006/math" xmlns="" val="1"/>
               </a:ext>
             </a:extLst>
           </p:spPr>
@@ -29383,7 +29384,7 @@
             </a:ln>
             <a:extLst>
               <a:ext uri="{C572A759-6A51-4108-AA02-DFA0A04FC94B}">
-                <ma14:wrappingTextBoxFlag xmlns="" xmlns:m="http://schemas.openxmlformats.org/officeDocument/2006/math" xmlns:a14="http://schemas.microsoft.com/office/drawing/2010/main" xmlns:ma14="http://schemas.microsoft.com/office/mac/drawingml/2011/main" val="1"/>
+                <ma14:wrappingTextBoxFlag xmlns:ma14="http://schemas.microsoft.com/office/mac/drawingml/2011/main" xmlns:a14="http://schemas.microsoft.com/office/drawing/2010/main" xmlns:m="http://schemas.openxmlformats.org/officeDocument/2006/math" xmlns="" val="1"/>
               </a:ext>
             </a:extLst>
           </p:spPr>
@@ -29441,7 +29442,7 @@
             </a:ln>
             <a:extLst>
               <a:ext uri="{C572A759-6A51-4108-AA02-DFA0A04FC94B}">
-                <ma14:wrappingTextBoxFlag xmlns="" xmlns:m="http://schemas.openxmlformats.org/officeDocument/2006/math" xmlns:a14="http://schemas.microsoft.com/office/drawing/2010/main" xmlns:ma14="http://schemas.microsoft.com/office/mac/drawingml/2011/main" val="1"/>
+                <ma14:wrappingTextBoxFlag xmlns:ma14="http://schemas.microsoft.com/office/mac/drawingml/2011/main" xmlns:a14="http://schemas.microsoft.com/office/drawing/2010/main" xmlns:m="http://schemas.openxmlformats.org/officeDocument/2006/math" xmlns="" val="1"/>
               </a:ext>
             </a:extLst>
           </p:spPr>
@@ -29489,7 +29490,7 @@
             </a:ln>
             <a:extLst>
               <a:ext uri="{C572A759-6A51-4108-AA02-DFA0A04FC94B}">
-                <ma14:wrappingTextBoxFlag xmlns="" xmlns:m="http://schemas.openxmlformats.org/officeDocument/2006/math" xmlns:a14="http://schemas.microsoft.com/office/drawing/2010/main" xmlns:ma14="http://schemas.microsoft.com/office/mac/drawingml/2011/main" val="1"/>
+                <ma14:wrappingTextBoxFlag xmlns:ma14="http://schemas.microsoft.com/office/mac/drawingml/2011/main" xmlns:a14="http://schemas.microsoft.com/office/drawing/2010/main" xmlns:m="http://schemas.openxmlformats.org/officeDocument/2006/math" xmlns="" val="1"/>
               </a:ext>
             </a:extLst>
           </p:spPr>
@@ -29542,7 +29543,7 @@
             </a:ln>
             <a:extLst>
               <a:ext uri="{C572A759-6A51-4108-AA02-DFA0A04FC94B}">
-                <ma14:wrappingTextBoxFlag xmlns="" xmlns:m="http://schemas.openxmlformats.org/officeDocument/2006/math" xmlns:a14="http://schemas.microsoft.com/office/drawing/2010/main" xmlns:ma14="http://schemas.microsoft.com/office/mac/drawingml/2011/main" val="1"/>
+                <ma14:wrappingTextBoxFlag xmlns:ma14="http://schemas.microsoft.com/office/mac/drawingml/2011/main" xmlns:a14="http://schemas.microsoft.com/office/drawing/2010/main" xmlns:m="http://schemas.openxmlformats.org/officeDocument/2006/math" xmlns="" val="1"/>
               </a:ext>
             </a:extLst>
           </p:spPr>
@@ -29590,7 +29591,7 @@
             </a:ln>
             <a:extLst>
               <a:ext uri="{C572A759-6A51-4108-AA02-DFA0A04FC94B}">
-                <ma14:wrappingTextBoxFlag xmlns="" xmlns:m="http://schemas.openxmlformats.org/officeDocument/2006/math" xmlns:a14="http://schemas.microsoft.com/office/drawing/2010/main" xmlns:ma14="http://schemas.microsoft.com/office/mac/drawingml/2011/main" val="1"/>
+                <ma14:wrappingTextBoxFlag xmlns:ma14="http://schemas.microsoft.com/office/mac/drawingml/2011/main" xmlns:a14="http://schemas.microsoft.com/office/drawing/2010/main" xmlns:m="http://schemas.openxmlformats.org/officeDocument/2006/math" xmlns="" val="1"/>
               </a:ext>
             </a:extLst>
           </p:spPr>
@@ -29642,7 +29643,7 @@
             </a:ln>
             <a:extLst>
               <a:ext uri="{C572A759-6A51-4108-AA02-DFA0A04FC94B}">
-                <ma14:wrappingTextBoxFlag xmlns="" xmlns:m="http://schemas.openxmlformats.org/officeDocument/2006/math" xmlns:a14="http://schemas.microsoft.com/office/drawing/2010/main" xmlns:ma14="http://schemas.microsoft.com/office/mac/drawingml/2011/main" val="1"/>
+                <ma14:wrappingTextBoxFlag xmlns:ma14="http://schemas.microsoft.com/office/mac/drawingml/2011/main" xmlns:a14="http://schemas.microsoft.com/office/drawing/2010/main" xmlns:m="http://schemas.openxmlformats.org/officeDocument/2006/math" xmlns="" val="1"/>
               </a:ext>
             </a:extLst>
           </p:spPr>
@@ -29690,7 +29691,7 @@
             </a:ln>
             <a:extLst>
               <a:ext uri="{C572A759-6A51-4108-AA02-DFA0A04FC94B}">
-                <ma14:wrappingTextBoxFlag xmlns="" xmlns:m="http://schemas.openxmlformats.org/officeDocument/2006/math" xmlns:a14="http://schemas.microsoft.com/office/drawing/2010/main" xmlns:ma14="http://schemas.microsoft.com/office/mac/drawingml/2011/main" val="1"/>
+                <ma14:wrappingTextBoxFlag xmlns:ma14="http://schemas.microsoft.com/office/mac/drawingml/2011/main" xmlns:a14="http://schemas.microsoft.com/office/drawing/2010/main" xmlns:m="http://schemas.openxmlformats.org/officeDocument/2006/math" xmlns="" val="1"/>
               </a:ext>
             </a:extLst>
           </p:spPr>
@@ -29744,7 +29745,7 @@
             </a:ln>
             <a:extLst>
               <a:ext uri="{C572A759-6A51-4108-AA02-DFA0A04FC94B}">
-                <ma14:wrappingTextBoxFlag xmlns="" xmlns:m="http://schemas.openxmlformats.org/officeDocument/2006/math" xmlns:a14="http://schemas.microsoft.com/office/drawing/2010/main" xmlns:ma14="http://schemas.microsoft.com/office/mac/drawingml/2011/main" val="1"/>
+                <ma14:wrappingTextBoxFlag xmlns:ma14="http://schemas.microsoft.com/office/mac/drawingml/2011/main" xmlns:a14="http://schemas.microsoft.com/office/drawing/2010/main" xmlns:m="http://schemas.openxmlformats.org/officeDocument/2006/math" xmlns="" val="1"/>
               </a:ext>
             </a:extLst>
           </p:spPr>
@@ -29801,7 +29802,7 @@
             </a:ln>
             <a:extLst>
               <a:ext uri="{C572A759-6A51-4108-AA02-DFA0A04FC94B}">
-                <ma14:wrappingTextBoxFlag xmlns="" xmlns:m="http://schemas.openxmlformats.org/officeDocument/2006/math" xmlns:a14="http://schemas.microsoft.com/office/drawing/2010/main" xmlns:ma14="http://schemas.microsoft.com/office/mac/drawingml/2011/main" val="1"/>
+                <ma14:wrappingTextBoxFlag xmlns:ma14="http://schemas.microsoft.com/office/mac/drawingml/2011/main" xmlns:a14="http://schemas.microsoft.com/office/drawing/2010/main" xmlns:m="http://schemas.openxmlformats.org/officeDocument/2006/math" xmlns="" val="1"/>
               </a:ext>
             </a:extLst>
           </p:spPr>
@@ -29859,7 +29860,7 @@
             </a:ln>
             <a:extLst>
               <a:ext uri="{C572A759-6A51-4108-AA02-DFA0A04FC94B}">
-                <ma14:wrappingTextBoxFlag xmlns="" xmlns:m="http://schemas.openxmlformats.org/officeDocument/2006/math" xmlns:a14="http://schemas.microsoft.com/office/drawing/2010/main" xmlns:ma14="http://schemas.microsoft.com/office/mac/drawingml/2011/main" val="1"/>
+                <ma14:wrappingTextBoxFlag xmlns:ma14="http://schemas.microsoft.com/office/mac/drawingml/2011/main" xmlns:a14="http://schemas.microsoft.com/office/drawing/2010/main" xmlns:m="http://schemas.openxmlformats.org/officeDocument/2006/math" xmlns="" val="1"/>
               </a:ext>
             </a:extLst>
           </p:spPr>
@@ -29940,7 +29941,7 @@
             </a:ln>
             <a:extLst>
               <a:ext uri="{C572A759-6A51-4108-AA02-DFA0A04FC94B}">
-                <ma14:wrappingTextBoxFlag xmlns="" xmlns:m="http://schemas.openxmlformats.org/officeDocument/2006/math" xmlns:a14="http://schemas.microsoft.com/office/drawing/2010/main" xmlns:ma14="http://schemas.microsoft.com/office/mac/drawingml/2011/main" val="1"/>
+                <ma14:wrappingTextBoxFlag xmlns:ma14="http://schemas.microsoft.com/office/mac/drawingml/2011/main" xmlns:a14="http://schemas.microsoft.com/office/drawing/2010/main" xmlns:m="http://schemas.openxmlformats.org/officeDocument/2006/math" xmlns="" val="1"/>
               </a:ext>
             </a:extLst>
           </p:spPr>
@@ -29998,7 +29999,7 @@
             </a:ln>
             <a:extLst>
               <a:ext uri="{C572A759-6A51-4108-AA02-DFA0A04FC94B}">
-                <ma14:wrappingTextBoxFlag xmlns="" xmlns:m="http://schemas.openxmlformats.org/officeDocument/2006/math" xmlns:a14="http://schemas.microsoft.com/office/drawing/2010/main" xmlns:ma14="http://schemas.microsoft.com/office/mac/drawingml/2011/main" val="1"/>
+                <ma14:wrappingTextBoxFlag xmlns:ma14="http://schemas.microsoft.com/office/mac/drawingml/2011/main" xmlns:a14="http://schemas.microsoft.com/office/drawing/2010/main" xmlns:m="http://schemas.openxmlformats.org/officeDocument/2006/math" xmlns="" val="1"/>
               </a:ext>
             </a:extLst>
           </p:spPr>
@@ -30056,7 +30057,7 @@
             </a:ln>
             <a:extLst>
               <a:ext uri="{C572A759-6A51-4108-AA02-DFA0A04FC94B}">
-                <ma14:wrappingTextBoxFlag xmlns="" xmlns:m="http://schemas.openxmlformats.org/officeDocument/2006/math" xmlns:a14="http://schemas.microsoft.com/office/drawing/2010/main" xmlns:ma14="http://schemas.microsoft.com/office/mac/drawingml/2011/main" val="1"/>
+                <ma14:wrappingTextBoxFlag xmlns:ma14="http://schemas.microsoft.com/office/mac/drawingml/2011/main" xmlns:a14="http://schemas.microsoft.com/office/drawing/2010/main" xmlns:m="http://schemas.openxmlformats.org/officeDocument/2006/math" xmlns="" val="1"/>
               </a:ext>
             </a:extLst>
           </p:spPr>
@@ -30114,7 +30115,7 @@
             </a:ln>
             <a:extLst>
               <a:ext uri="{C572A759-6A51-4108-AA02-DFA0A04FC94B}">
-                <ma14:wrappingTextBoxFlag xmlns="" xmlns:m="http://schemas.openxmlformats.org/officeDocument/2006/math" xmlns:a14="http://schemas.microsoft.com/office/drawing/2010/main" xmlns:ma14="http://schemas.microsoft.com/office/mac/drawingml/2011/main" val="1"/>
+                <ma14:wrappingTextBoxFlag xmlns:ma14="http://schemas.microsoft.com/office/mac/drawingml/2011/main" xmlns:a14="http://schemas.microsoft.com/office/drawing/2010/main" xmlns:m="http://schemas.openxmlformats.org/officeDocument/2006/math" xmlns="" val="1"/>
               </a:ext>
             </a:extLst>
           </p:spPr>
@@ -30162,7 +30163,7 @@
             </a:ln>
             <a:extLst>
               <a:ext uri="{C572A759-6A51-4108-AA02-DFA0A04FC94B}">
-                <ma14:wrappingTextBoxFlag xmlns="" xmlns:m="http://schemas.openxmlformats.org/officeDocument/2006/math" xmlns:a14="http://schemas.microsoft.com/office/drawing/2010/main" xmlns:ma14="http://schemas.microsoft.com/office/mac/drawingml/2011/main" val="1"/>
+                <ma14:wrappingTextBoxFlag xmlns:ma14="http://schemas.microsoft.com/office/mac/drawingml/2011/main" xmlns:a14="http://schemas.microsoft.com/office/drawing/2010/main" xmlns:m="http://schemas.openxmlformats.org/officeDocument/2006/math" xmlns="" val="1"/>
               </a:ext>
             </a:extLst>
           </p:spPr>
@@ -30210,7 +30211,7 @@
             </a:ln>
             <a:extLst>
               <a:ext uri="{C572A759-6A51-4108-AA02-DFA0A04FC94B}">
-                <ma14:wrappingTextBoxFlag xmlns="" xmlns:m="http://schemas.openxmlformats.org/officeDocument/2006/math" xmlns:a14="http://schemas.microsoft.com/office/drawing/2010/main" xmlns:ma14="http://schemas.microsoft.com/office/mac/drawingml/2011/main" val="1"/>
+                <ma14:wrappingTextBoxFlag xmlns:ma14="http://schemas.microsoft.com/office/mac/drawingml/2011/main" xmlns:a14="http://schemas.microsoft.com/office/drawing/2010/main" xmlns:m="http://schemas.openxmlformats.org/officeDocument/2006/math" xmlns="" val="1"/>
               </a:ext>
             </a:extLst>
           </p:spPr>
@@ -30264,7 +30265,7 @@
             </a:ln>
             <a:extLst>
               <a:ext uri="{C572A759-6A51-4108-AA02-DFA0A04FC94B}">
-                <ma14:wrappingTextBoxFlag xmlns="" xmlns:m="http://schemas.openxmlformats.org/officeDocument/2006/math" xmlns:a14="http://schemas.microsoft.com/office/drawing/2010/main" xmlns:ma14="http://schemas.microsoft.com/office/mac/drawingml/2011/main" val="1"/>
+                <ma14:wrappingTextBoxFlag xmlns:ma14="http://schemas.microsoft.com/office/mac/drawingml/2011/main" xmlns:a14="http://schemas.microsoft.com/office/drawing/2010/main" xmlns:m="http://schemas.openxmlformats.org/officeDocument/2006/math" xmlns="" val="1"/>
               </a:ext>
             </a:extLst>
           </p:spPr>
@@ -30318,7 +30319,7 @@
             </a:ln>
             <a:extLst>
               <a:ext uri="{C572A759-6A51-4108-AA02-DFA0A04FC94B}">
-                <ma14:wrappingTextBoxFlag xmlns="" xmlns:m="http://schemas.openxmlformats.org/officeDocument/2006/math" xmlns:a14="http://schemas.microsoft.com/office/drawing/2010/main" xmlns:ma14="http://schemas.microsoft.com/office/mac/drawingml/2011/main" val="1"/>
+                <ma14:wrappingTextBoxFlag xmlns:ma14="http://schemas.microsoft.com/office/mac/drawingml/2011/main" xmlns:a14="http://schemas.microsoft.com/office/drawing/2010/main" xmlns:m="http://schemas.openxmlformats.org/officeDocument/2006/math" xmlns="" val="1"/>
               </a:ext>
             </a:extLst>
           </p:spPr>
@@ -30371,7 +30372,7 @@
             </a:ln>
             <a:extLst>
               <a:ext uri="{C572A759-6A51-4108-AA02-DFA0A04FC94B}">
-                <ma14:wrappingTextBoxFlag xmlns="" xmlns:m="http://schemas.openxmlformats.org/officeDocument/2006/math" xmlns:a14="http://schemas.microsoft.com/office/drawing/2010/main" xmlns:ma14="http://schemas.microsoft.com/office/mac/drawingml/2011/main" val="1"/>
+                <ma14:wrappingTextBoxFlag xmlns:ma14="http://schemas.microsoft.com/office/mac/drawingml/2011/main" xmlns:a14="http://schemas.microsoft.com/office/drawing/2010/main" xmlns:m="http://schemas.openxmlformats.org/officeDocument/2006/math" xmlns="" val="1"/>
               </a:ext>
             </a:extLst>
           </p:spPr>
@@ -30424,7 +30425,7 @@
             </a:ln>
             <a:extLst>
               <a:ext uri="{C572A759-6A51-4108-AA02-DFA0A04FC94B}">
-                <ma14:wrappingTextBoxFlag xmlns="" xmlns:m="http://schemas.openxmlformats.org/officeDocument/2006/math" xmlns:a14="http://schemas.microsoft.com/office/drawing/2010/main" xmlns:ma14="http://schemas.microsoft.com/office/mac/drawingml/2011/main" val="1"/>
+                <ma14:wrappingTextBoxFlag xmlns:ma14="http://schemas.microsoft.com/office/mac/drawingml/2011/main" xmlns:a14="http://schemas.microsoft.com/office/drawing/2010/main" xmlns:m="http://schemas.openxmlformats.org/officeDocument/2006/math" xmlns="" val="1"/>
               </a:ext>
             </a:extLst>
           </p:spPr>
@@ -30477,7 +30478,7 @@
             </a:ln>
             <a:extLst>
               <a:ext uri="{C572A759-6A51-4108-AA02-DFA0A04FC94B}">
-                <ma14:wrappingTextBoxFlag xmlns="" xmlns:m="http://schemas.openxmlformats.org/officeDocument/2006/math" xmlns:a14="http://schemas.microsoft.com/office/drawing/2010/main" xmlns:ma14="http://schemas.microsoft.com/office/mac/drawingml/2011/main" val="1"/>
+                <ma14:wrappingTextBoxFlag xmlns:ma14="http://schemas.microsoft.com/office/mac/drawingml/2011/main" xmlns:a14="http://schemas.microsoft.com/office/drawing/2010/main" xmlns:m="http://schemas.openxmlformats.org/officeDocument/2006/math" xmlns="" val="1"/>
               </a:ext>
             </a:extLst>
           </p:spPr>
@@ -31092,7 +31093,7 @@
             </a:ln>
             <a:extLst>
               <a:ext uri="{C572A759-6A51-4108-AA02-DFA0A04FC94B}">
-                <ma14:wrappingTextBoxFlag xmlns="" xmlns:ma14="http://schemas.microsoft.com/office/mac/drawingml/2011/main" xmlns:a14="http://schemas.microsoft.com/office/drawing/2010/main" xmlns:m="http://schemas.openxmlformats.org/officeDocument/2006/math" val="1"/>
+                <ma14:wrappingTextBoxFlag xmlns:m="http://schemas.openxmlformats.org/officeDocument/2006/math" xmlns:a14="http://schemas.microsoft.com/office/drawing/2010/main" xmlns:ma14="http://schemas.microsoft.com/office/mac/drawingml/2011/main" xmlns="" val="1"/>
               </a:ext>
             </a:extLst>
           </p:spPr>
@@ -31140,7 +31141,7 @@
             </a:ln>
             <a:extLst>
               <a:ext uri="{C572A759-6A51-4108-AA02-DFA0A04FC94B}">
-                <ma14:wrappingTextBoxFlag xmlns="" xmlns:ma14="http://schemas.microsoft.com/office/mac/drawingml/2011/main" xmlns:a14="http://schemas.microsoft.com/office/drawing/2010/main" xmlns:m="http://schemas.openxmlformats.org/officeDocument/2006/math" val="1"/>
+                <ma14:wrappingTextBoxFlag xmlns:m="http://schemas.openxmlformats.org/officeDocument/2006/math" xmlns:a14="http://schemas.microsoft.com/office/drawing/2010/main" xmlns:ma14="http://schemas.microsoft.com/office/mac/drawingml/2011/main" xmlns="" val="1"/>
               </a:ext>
             </a:extLst>
           </p:spPr>
@@ -31188,7 +31189,7 @@
             </a:ln>
             <a:extLst>
               <a:ext uri="{C572A759-6A51-4108-AA02-DFA0A04FC94B}">
-                <ma14:wrappingTextBoxFlag xmlns="" xmlns:ma14="http://schemas.microsoft.com/office/mac/drawingml/2011/main" xmlns:a14="http://schemas.microsoft.com/office/drawing/2010/main" xmlns:m="http://schemas.openxmlformats.org/officeDocument/2006/math" val="1"/>
+                <ma14:wrappingTextBoxFlag xmlns:m="http://schemas.openxmlformats.org/officeDocument/2006/math" xmlns:a14="http://schemas.microsoft.com/office/drawing/2010/main" xmlns:ma14="http://schemas.microsoft.com/office/mac/drawingml/2011/main" xmlns="" val="1"/>
               </a:ext>
             </a:extLst>
           </p:spPr>
@@ -31240,7 +31241,7 @@
             </a:ln>
             <a:extLst>
               <a:ext uri="{C572A759-6A51-4108-AA02-DFA0A04FC94B}">
-                <ma14:wrappingTextBoxFlag xmlns="" xmlns:ma14="http://schemas.microsoft.com/office/mac/drawingml/2011/main" xmlns:a14="http://schemas.microsoft.com/office/drawing/2010/main" xmlns:m="http://schemas.openxmlformats.org/officeDocument/2006/math" val="1"/>
+                <ma14:wrappingTextBoxFlag xmlns:m="http://schemas.openxmlformats.org/officeDocument/2006/math" xmlns:a14="http://schemas.microsoft.com/office/drawing/2010/main" xmlns:ma14="http://schemas.microsoft.com/office/mac/drawingml/2011/main" xmlns="" val="1"/>
               </a:ext>
             </a:extLst>
           </p:spPr>
@@ -31288,7 +31289,7 @@
             </a:ln>
             <a:extLst>
               <a:ext uri="{C572A759-6A51-4108-AA02-DFA0A04FC94B}">
-                <ma14:wrappingTextBoxFlag xmlns="" xmlns:ma14="http://schemas.microsoft.com/office/mac/drawingml/2011/main" xmlns:a14="http://schemas.microsoft.com/office/drawing/2010/main" xmlns:m="http://schemas.openxmlformats.org/officeDocument/2006/math" val="1"/>
+                <ma14:wrappingTextBoxFlag xmlns:m="http://schemas.openxmlformats.org/officeDocument/2006/math" xmlns:a14="http://schemas.microsoft.com/office/drawing/2010/main" xmlns:ma14="http://schemas.microsoft.com/office/mac/drawingml/2011/main" xmlns="" val="1"/>
               </a:ext>
             </a:extLst>
           </p:spPr>
@@ -31336,7 +31337,7 @@
             </a:ln>
             <a:extLst>
               <a:ext uri="{C572A759-6A51-4108-AA02-DFA0A04FC94B}">
-                <ma14:wrappingTextBoxFlag xmlns="" xmlns:ma14="http://schemas.microsoft.com/office/mac/drawingml/2011/main" xmlns:a14="http://schemas.microsoft.com/office/drawing/2010/main" xmlns:m="http://schemas.openxmlformats.org/officeDocument/2006/math" val="1"/>
+                <ma14:wrappingTextBoxFlag xmlns:m="http://schemas.openxmlformats.org/officeDocument/2006/math" xmlns:a14="http://schemas.microsoft.com/office/drawing/2010/main" xmlns:ma14="http://schemas.microsoft.com/office/mac/drawingml/2011/main" xmlns="" val="1"/>
               </a:ext>
             </a:extLst>
           </p:spPr>
@@ -31393,7 +31394,7 @@
             </a:ln>
             <a:extLst>
               <a:ext uri="{C572A759-6A51-4108-AA02-DFA0A04FC94B}">
-                <ma14:wrappingTextBoxFlag xmlns="" xmlns:ma14="http://schemas.microsoft.com/office/mac/drawingml/2011/main" xmlns:a14="http://schemas.microsoft.com/office/drawing/2010/main" xmlns:m="http://schemas.openxmlformats.org/officeDocument/2006/math" val="1"/>
+                <ma14:wrappingTextBoxFlag xmlns:m="http://schemas.openxmlformats.org/officeDocument/2006/math" xmlns:a14="http://schemas.microsoft.com/office/drawing/2010/main" xmlns:ma14="http://schemas.microsoft.com/office/mac/drawingml/2011/main" xmlns="" val="1"/>
               </a:ext>
             </a:extLst>
           </p:spPr>
@@ -31451,7 +31452,7 @@
             </a:ln>
             <a:extLst>
               <a:ext uri="{C572A759-6A51-4108-AA02-DFA0A04FC94B}">
-                <ma14:wrappingTextBoxFlag xmlns="" xmlns:ma14="http://schemas.microsoft.com/office/mac/drawingml/2011/main" xmlns:a14="http://schemas.microsoft.com/office/drawing/2010/main" xmlns:m="http://schemas.openxmlformats.org/officeDocument/2006/math" val="1"/>
+                <ma14:wrappingTextBoxFlag xmlns:m="http://schemas.openxmlformats.org/officeDocument/2006/math" xmlns:a14="http://schemas.microsoft.com/office/drawing/2010/main" xmlns:ma14="http://schemas.microsoft.com/office/mac/drawingml/2011/main" xmlns="" val="1"/>
               </a:ext>
             </a:extLst>
           </p:spPr>
@@ -31499,7 +31500,7 @@
             </a:ln>
             <a:extLst>
               <a:ext uri="{C572A759-6A51-4108-AA02-DFA0A04FC94B}">
-                <ma14:wrappingTextBoxFlag xmlns="" xmlns:ma14="http://schemas.microsoft.com/office/mac/drawingml/2011/main" xmlns:a14="http://schemas.microsoft.com/office/drawing/2010/main" xmlns:m="http://schemas.openxmlformats.org/officeDocument/2006/math" val="1"/>
+                <ma14:wrappingTextBoxFlag xmlns:m="http://schemas.openxmlformats.org/officeDocument/2006/math" xmlns:a14="http://schemas.microsoft.com/office/drawing/2010/main" xmlns:ma14="http://schemas.microsoft.com/office/mac/drawingml/2011/main" xmlns="" val="1"/>
               </a:ext>
             </a:extLst>
           </p:spPr>
@@ -31547,7 +31548,7 @@
             </a:ln>
             <a:extLst>
               <a:ext uri="{C572A759-6A51-4108-AA02-DFA0A04FC94B}">
-                <ma14:wrappingTextBoxFlag xmlns="" xmlns:ma14="http://schemas.microsoft.com/office/mac/drawingml/2011/main" xmlns:a14="http://schemas.microsoft.com/office/drawing/2010/main" xmlns:m="http://schemas.openxmlformats.org/officeDocument/2006/math" val="1"/>
+                <ma14:wrappingTextBoxFlag xmlns:m="http://schemas.openxmlformats.org/officeDocument/2006/math" xmlns:a14="http://schemas.microsoft.com/office/drawing/2010/main" xmlns:ma14="http://schemas.microsoft.com/office/mac/drawingml/2011/main" xmlns="" val="1"/>
               </a:ext>
             </a:extLst>
           </p:spPr>
@@ -31595,7 +31596,7 @@
             </a:ln>
             <a:extLst>
               <a:ext uri="{C572A759-6A51-4108-AA02-DFA0A04FC94B}">
-                <ma14:wrappingTextBoxFlag xmlns="" xmlns:ma14="http://schemas.microsoft.com/office/mac/drawingml/2011/main" xmlns:a14="http://schemas.microsoft.com/office/drawing/2010/main" xmlns:m="http://schemas.openxmlformats.org/officeDocument/2006/math" val="1"/>
+                <ma14:wrappingTextBoxFlag xmlns:m="http://schemas.openxmlformats.org/officeDocument/2006/math" xmlns:a14="http://schemas.microsoft.com/office/drawing/2010/main" xmlns:ma14="http://schemas.microsoft.com/office/mac/drawingml/2011/main" xmlns="" val="1"/>
               </a:ext>
             </a:extLst>
           </p:spPr>
@@ -31653,7 +31654,7 @@
             </a:ln>
             <a:extLst>
               <a:ext uri="{C572A759-6A51-4108-AA02-DFA0A04FC94B}">
-                <ma14:wrappingTextBoxFlag xmlns="" xmlns:ma14="http://schemas.microsoft.com/office/mac/drawingml/2011/main" xmlns:a14="http://schemas.microsoft.com/office/drawing/2010/main" xmlns:m="http://schemas.openxmlformats.org/officeDocument/2006/math" val="1"/>
+                <ma14:wrappingTextBoxFlag xmlns:m="http://schemas.openxmlformats.org/officeDocument/2006/math" xmlns:a14="http://schemas.microsoft.com/office/drawing/2010/main" xmlns:ma14="http://schemas.microsoft.com/office/mac/drawingml/2011/main" xmlns="" val="1"/>
               </a:ext>
             </a:extLst>
           </p:spPr>
@@ -31710,7 +31711,7 @@
             </a:ln>
             <a:extLst>
               <a:ext uri="{C572A759-6A51-4108-AA02-DFA0A04FC94B}">
-                <ma14:wrappingTextBoxFlag xmlns="" xmlns:ma14="http://schemas.microsoft.com/office/mac/drawingml/2011/main" xmlns:a14="http://schemas.microsoft.com/office/drawing/2010/main" xmlns:m="http://schemas.openxmlformats.org/officeDocument/2006/math" val="1"/>
+                <ma14:wrappingTextBoxFlag xmlns:m="http://schemas.openxmlformats.org/officeDocument/2006/math" xmlns:a14="http://schemas.microsoft.com/office/drawing/2010/main" xmlns:ma14="http://schemas.microsoft.com/office/mac/drawingml/2011/main" xmlns="" val="1"/>
               </a:ext>
             </a:extLst>
           </p:spPr>
@@ -31758,7 +31759,7 @@
             </a:ln>
             <a:extLst>
               <a:ext uri="{C572A759-6A51-4108-AA02-DFA0A04FC94B}">
-                <ma14:wrappingTextBoxFlag xmlns="" xmlns:ma14="http://schemas.microsoft.com/office/mac/drawingml/2011/main" xmlns:a14="http://schemas.microsoft.com/office/drawing/2010/main" xmlns:m="http://schemas.openxmlformats.org/officeDocument/2006/math" val="1"/>
+                <ma14:wrappingTextBoxFlag xmlns:m="http://schemas.openxmlformats.org/officeDocument/2006/math" xmlns:a14="http://schemas.microsoft.com/office/drawing/2010/main" xmlns:ma14="http://schemas.microsoft.com/office/mac/drawingml/2011/main" xmlns="" val="1"/>
               </a:ext>
             </a:extLst>
           </p:spPr>
@@ -31810,7 +31811,7 @@
             </a:ln>
             <a:extLst>
               <a:ext uri="{C572A759-6A51-4108-AA02-DFA0A04FC94B}">
-                <ma14:wrappingTextBoxFlag xmlns="" xmlns:ma14="http://schemas.microsoft.com/office/mac/drawingml/2011/main" xmlns:a14="http://schemas.microsoft.com/office/drawing/2010/main" xmlns:m="http://schemas.openxmlformats.org/officeDocument/2006/math" val="1"/>
+                <ma14:wrappingTextBoxFlag xmlns:m="http://schemas.openxmlformats.org/officeDocument/2006/math" xmlns:a14="http://schemas.microsoft.com/office/drawing/2010/main" xmlns:ma14="http://schemas.microsoft.com/office/mac/drawingml/2011/main" xmlns="" val="1"/>
               </a:ext>
             </a:extLst>
           </p:spPr>
@@ -31868,7 +31869,7 @@
             </a:ln>
             <a:extLst>
               <a:ext uri="{C572A759-6A51-4108-AA02-DFA0A04FC94B}">
-                <ma14:wrappingTextBoxFlag xmlns="" xmlns:ma14="http://schemas.microsoft.com/office/mac/drawingml/2011/main" xmlns:a14="http://schemas.microsoft.com/office/drawing/2010/main" xmlns:m="http://schemas.openxmlformats.org/officeDocument/2006/math" val="1"/>
+                <ma14:wrappingTextBoxFlag xmlns:m="http://schemas.openxmlformats.org/officeDocument/2006/math" xmlns:a14="http://schemas.microsoft.com/office/drawing/2010/main" xmlns:ma14="http://schemas.microsoft.com/office/mac/drawingml/2011/main" xmlns="" val="1"/>
               </a:ext>
             </a:extLst>
           </p:spPr>
@@ -31916,7 +31917,7 @@
             </a:ln>
             <a:extLst>
               <a:ext uri="{C572A759-6A51-4108-AA02-DFA0A04FC94B}">
-                <ma14:wrappingTextBoxFlag xmlns="" xmlns:ma14="http://schemas.microsoft.com/office/mac/drawingml/2011/main" xmlns:a14="http://schemas.microsoft.com/office/drawing/2010/main" xmlns:m="http://schemas.openxmlformats.org/officeDocument/2006/math" val="1"/>
+                <ma14:wrappingTextBoxFlag xmlns:m="http://schemas.openxmlformats.org/officeDocument/2006/math" xmlns:a14="http://schemas.microsoft.com/office/drawing/2010/main" xmlns:ma14="http://schemas.microsoft.com/office/mac/drawingml/2011/main" xmlns="" val="1"/>
               </a:ext>
             </a:extLst>
           </p:spPr>
@@ -31969,7 +31970,7 @@
             </a:ln>
             <a:extLst>
               <a:ext uri="{C572A759-6A51-4108-AA02-DFA0A04FC94B}">
-                <ma14:wrappingTextBoxFlag xmlns="" xmlns:ma14="http://schemas.microsoft.com/office/mac/drawingml/2011/main" xmlns:a14="http://schemas.microsoft.com/office/drawing/2010/main" xmlns:m="http://schemas.openxmlformats.org/officeDocument/2006/math" val="1"/>
+                <ma14:wrappingTextBoxFlag xmlns:m="http://schemas.openxmlformats.org/officeDocument/2006/math" xmlns:a14="http://schemas.microsoft.com/office/drawing/2010/main" xmlns:ma14="http://schemas.microsoft.com/office/mac/drawingml/2011/main" xmlns="" val="1"/>
               </a:ext>
             </a:extLst>
           </p:spPr>
@@ -32017,7 +32018,7 @@
             </a:ln>
             <a:extLst>
               <a:ext uri="{C572A759-6A51-4108-AA02-DFA0A04FC94B}">
-                <ma14:wrappingTextBoxFlag xmlns="" xmlns:ma14="http://schemas.microsoft.com/office/mac/drawingml/2011/main" xmlns:a14="http://schemas.microsoft.com/office/drawing/2010/main" xmlns:m="http://schemas.openxmlformats.org/officeDocument/2006/math" val="1"/>
+                <ma14:wrappingTextBoxFlag xmlns:m="http://schemas.openxmlformats.org/officeDocument/2006/math" xmlns:a14="http://schemas.microsoft.com/office/drawing/2010/main" xmlns:ma14="http://schemas.microsoft.com/office/mac/drawingml/2011/main" xmlns="" val="1"/>
               </a:ext>
             </a:extLst>
           </p:spPr>
@@ -32069,7 +32070,7 @@
             </a:ln>
             <a:extLst>
               <a:ext uri="{C572A759-6A51-4108-AA02-DFA0A04FC94B}">
-                <ma14:wrappingTextBoxFlag xmlns="" xmlns:ma14="http://schemas.microsoft.com/office/mac/drawingml/2011/main" xmlns:a14="http://schemas.microsoft.com/office/drawing/2010/main" xmlns:m="http://schemas.openxmlformats.org/officeDocument/2006/math" val="1"/>
+                <ma14:wrappingTextBoxFlag xmlns:m="http://schemas.openxmlformats.org/officeDocument/2006/math" xmlns:a14="http://schemas.microsoft.com/office/drawing/2010/main" xmlns:ma14="http://schemas.microsoft.com/office/mac/drawingml/2011/main" xmlns="" val="1"/>
               </a:ext>
             </a:extLst>
           </p:spPr>
@@ -32117,7 +32118,7 @@
             </a:ln>
             <a:extLst>
               <a:ext uri="{C572A759-6A51-4108-AA02-DFA0A04FC94B}">
-                <ma14:wrappingTextBoxFlag xmlns="" xmlns:ma14="http://schemas.microsoft.com/office/mac/drawingml/2011/main" xmlns:a14="http://schemas.microsoft.com/office/drawing/2010/main" xmlns:m="http://schemas.openxmlformats.org/officeDocument/2006/math" val="1"/>
+                <ma14:wrappingTextBoxFlag xmlns:m="http://schemas.openxmlformats.org/officeDocument/2006/math" xmlns:a14="http://schemas.microsoft.com/office/drawing/2010/main" xmlns:ma14="http://schemas.microsoft.com/office/mac/drawingml/2011/main" xmlns="" val="1"/>
               </a:ext>
             </a:extLst>
           </p:spPr>
@@ -32171,7 +32172,7 @@
             </a:ln>
             <a:extLst>
               <a:ext uri="{C572A759-6A51-4108-AA02-DFA0A04FC94B}">
-                <ma14:wrappingTextBoxFlag xmlns="" xmlns:ma14="http://schemas.microsoft.com/office/mac/drawingml/2011/main" xmlns:a14="http://schemas.microsoft.com/office/drawing/2010/main" xmlns:m="http://schemas.openxmlformats.org/officeDocument/2006/math" val="1"/>
+                <ma14:wrappingTextBoxFlag xmlns:m="http://schemas.openxmlformats.org/officeDocument/2006/math" xmlns:a14="http://schemas.microsoft.com/office/drawing/2010/main" xmlns:ma14="http://schemas.microsoft.com/office/mac/drawingml/2011/main" xmlns="" val="1"/>
               </a:ext>
             </a:extLst>
           </p:spPr>
@@ -32228,7 +32229,7 @@
             </a:ln>
             <a:extLst>
               <a:ext uri="{C572A759-6A51-4108-AA02-DFA0A04FC94B}">
-                <ma14:wrappingTextBoxFlag xmlns="" xmlns:ma14="http://schemas.microsoft.com/office/mac/drawingml/2011/main" xmlns:a14="http://schemas.microsoft.com/office/drawing/2010/main" xmlns:m="http://schemas.openxmlformats.org/officeDocument/2006/math" val="1"/>
+                <ma14:wrappingTextBoxFlag xmlns:m="http://schemas.openxmlformats.org/officeDocument/2006/math" xmlns:a14="http://schemas.microsoft.com/office/drawing/2010/main" xmlns:ma14="http://schemas.microsoft.com/office/mac/drawingml/2011/main" xmlns="" val="1"/>
               </a:ext>
             </a:extLst>
           </p:spPr>
@@ -32286,7 +32287,7 @@
             </a:ln>
             <a:extLst>
               <a:ext uri="{C572A759-6A51-4108-AA02-DFA0A04FC94B}">
-                <ma14:wrappingTextBoxFlag xmlns="" xmlns:ma14="http://schemas.microsoft.com/office/mac/drawingml/2011/main" xmlns:a14="http://schemas.microsoft.com/office/drawing/2010/main" xmlns:m="http://schemas.openxmlformats.org/officeDocument/2006/math" val="1"/>
+                <ma14:wrappingTextBoxFlag xmlns:m="http://schemas.openxmlformats.org/officeDocument/2006/math" xmlns:a14="http://schemas.microsoft.com/office/drawing/2010/main" xmlns:ma14="http://schemas.microsoft.com/office/mac/drawingml/2011/main" xmlns="" val="1"/>
               </a:ext>
             </a:extLst>
           </p:spPr>
@@ -32367,7 +32368,7 @@
             </a:ln>
             <a:extLst>
               <a:ext uri="{C572A759-6A51-4108-AA02-DFA0A04FC94B}">
-                <ma14:wrappingTextBoxFlag xmlns="" xmlns:ma14="http://schemas.microsoft.com/office/mac/drawingml/2011/main" xmlns:a14="http://schemas.microsoft.com/office/drawing/2010/main" xmlns:m="http://schemas.openxmlformats.org/officeDocument/2006/math" val="1"/>
+                <ma14:wrappingTextBoxFlag xmlns:m="http://schemas.openxmlformats.org/officeDocument/2006/math" xmlns:a14="http://schemas.microsoft.com/office/drawing/2010/main" xmlns:ma14="http://schemas.microsoft.com/office/mac/drawingml/2011/main" xmlns="" val="1"/>
               </a:ext>
             </a:extLst>
           </p:spPr>
@@ -32425,7 +32426,7 @@
             </a:ln>
             <a:extLst>
               <a:ext uri="{C572A759-6A51-4108-AA02-DFA0A04FC94B}">
-                <ma14:wrappingTextBoxFlag xmlns="" xmlns:ma14="http://schemas.microsoft.com/office/mac/drawingml/2011/main" xmlns:a14="http://schemas.microsoft.com/office/drawing/2010/main" xmlns:m="http://schemas.openxmlformats.org/officeDocument/2006/math" val="1"/>
+                <ma14:wrappingTextBoxFlag xmlns:m="http://schemas.openxmlformats.org/officeDocument/2006/math" xmlns:a14="http://schemas.microsoft.com/office/drawing/2010/main" xmlns:ma14="http://schemas.microsoft.com/office/mac/drawingml/2011/main" xmlns="" val="1"/>
               </a:ext>
             </a:extLst>
           </p:spPr>
@@ -32483,7 +32484,7 @@
             </a:ln>
             <a:extLst>
               <a:ext uri="{C572A759-6A51-4108-AA02-DFA0A04FC94B}">
-                <ma14:wrappingTextBoxFlag xmlns="" xmlns:ma14="http://schemas.microsoft.com/office/mac/drawingml/2011/main" xmlns:a14="http://schemas.microsoft.com/office/drawing/2010/main" xmlns:m="http://schemas.openxmlformats.org/officeDocument/2006/math" val="1"/>
+                <ma14:wrappingTextBoxFlag xmlns:m="http://schemas.openxmlformats.org/officeDocument/2006/math" xmlns:a14="http://schemas.microsoft.com/office/drawing/2010/main" xmlns:ma14="http://schemas.microsoft.com/office/mac/drawingml/2011/main" xmlns="" val="1"/>
               </a:ext>
             </a:extLst>
           </p:spPr>
@@ -32541,7 +32542,7 @@
             </a:ln>
             <a:extLst>
               <a:ext uri="{C572A759-6A51-4108-AA02-DFA0A04FC94B}">
-                <ma14:wrappingTextBoxFlag xmlns="" xmlns:ma14="http://schemas.microsoft.com/office/mac/drawingml/2011/main" xmlns:a14="http://schemas.microsoft.com/office/drawing/2010/main" xmlns:m="http://schemas.openxmlformats.org/officeDocument/2006/math" val="1"/>
+                <ma14:wrappingTextBoxFlag xmlns:m="http://schemas.openxmlformats.org/officeDocument/2006/math" xmlns:a14="http://schemas.microsoft.com/office/drawing/2010/main" xmlns:ma14="http://schemas.microsoft.com/office/mac/drawingml/2011/main" xmlns="" val="1"/>
               </a:ext>
             </a:extLst>
           </p:spPr>
@@ -32589,7 +32590,7 @@
             </a:ln>
             <a:extLst>
               <a:ext uri="{C572A759-6A51-4108-AA02-DFA0A04FC94B}">
-                <ma14:wrappingTextBoxFlag xmlns="" xmlns:ma14="http://schemas.microsoft.com/office/mac/drawingml/2011/main" xmlns:a14="http://schemas.microsoft.com/office/drawing/2010/main" xmlns:m="http://schemas.openxmlformats.org/officeDocument/2006/math" val="1"/>
+                <ma14:wrappingTextBoxFlag xmlns:m="http://schemas.openxmlformats.org/officeDocument/2006/math" xmlns:a14="http://schemas.microsoft.com/office/drawing/2010/main" xmlns:ma14="http://schemas.microsoft.com/office/mac/drawingml/2011/main" xmlns="" val="1"/>
               </a:ext>
             </a:extLst>
           </p:spPr>
@@ -32637,7 +32638,7 @@
             </a:ln>
             <a:extLst>
               <a:ext uri="{C572A759-6A51-4108-AA02-DFA0A04FC94B}">
-                <ma14:wrappingTextBoxFlag xmlns="" xmlns:ma14="http://schemas.microsoft.com/office/mac/drawingml/2011/main" xmlns:a14="http://schemas.microsoft.com/office/drawing/2010/main" xmlns:m="http://schemas.openxmlformats.org/officeDocument/2006/math" val="1"/>
+                <ma14:wrappingTextBoxFlag xmlns:m="http://schemas.openxmlformats.org/officeDocument/2006/math" xmlns:a14="http://schemas.microsoft.com/office/drawing/2010/main" xmlns:ma14="http://schemas.microsoft.com/office/mac/drawingml/2011/main" xmlns="" val="1"/>
               </a:ext>
             </a:extLst>
           </p:spPr>
@@ -32691,7 +32692,7 @@
             </a:ln>
             <a:extLst>
               <a:ext uri="{C572A759-6A51-4108-AA02-DFA0A04FC94B}">
-                <ma14:wrappingTextBoxFlag xmlns="" xmlns:ma14="http://schemas.microsoft.com/office/mac/drawingml/2011/main" xmlns:a14="http://schemas.microsoft.com/office/drawing/2010/main" xmlns:m="http://schemas.openxmlformats.org/officeDocument/2006/math" val="1"/>
+                <ma14:wrappingTextBoxFlag xmlns:m="http://schemas.openxmlformats.org/officeDocument/2006/math" xmlns:a14="http://schemas.microsoft.com/office/drawing/2010/main" xmlns:ma14="http://schemas.microsoft.com/office/mac/drawingml/2011/main" xmlns="" val="1"/>
               </a:ext>
             </a:extLst>
           </p:spPr>
@@ -32745,7 +32746,7 @@
             </a:ln>
             <a:extLst>
               <a:ext uri="{C572A759-6A51-4108-AA02-DFA0A04FC94B}">
-                <ma14:wrappingTextBoxFlag xmlns="" xmlns:ma14="http://schemas.microsoft.com/office/mac/drawingml/2011/main" xmlns:a14="http://schemas.microsoft.com/office/drawing/2010/main" xmlns:m="http://schemas.openxmlformats.org/officeDocument/2006/math" val="1"/>
+                <ma14:wrappingTextBoxFlag xmlns:m="http://schemas.openxmlformats.org/officeDocument/2006/math" xmlns:a14="http://schemas.microsoft.com/office/drawing/2010/main" xmlns:ma14="http://schemas.microsoft.com/office/mac/drawingml/2011/main" xmlns="" val="1"/>
               </a:ext>
             </a:extLst>
           </p:spPr>
@@ -32798,7 +32799,7 @@
             </a:ln>
             <a:extLst>
               <a:ext uri="{C572A759-6A51-4108-AA02-DFA0A04FC94B}">
-                <ma14:wrappingTextBoxFlag xmlns="" xmlns:ma14="http://schemas.microsoft.com/office/mac/drawingml/2011/main" xmlns:a14="http://schemas.microsoft.com/office/drawing/2010/main" xmlns:m="http://schemas.openxmlformats.org/officeDocument/2006/math" val="1"/>
+                <ma14:wrappingTextBoxFlag xmlns:m="http://schemas.openxmlformats.org/officeDocument/2006/math" xmlns:a14="http://schemas.microsoft.com/office/drawing/2010/main" xmlns:ma14="http://schemas.microsoft.com/office/mac/drawingml/2011/main" xmlns="" val="1"/>
               </a:ext>
             </a:extLst>
           </p:spPr>
@@ -32851,7 +32852,7 @@
             </a:ln>
             <a:extLst>
               <a:ext uri="{C572A759-6A51-4108-AA02-DFA0A04FC94B}">
-                <ma14:wrappingTextBoxFlag xmlns="" xmlns:ma14="http://schemas.microsoft.com/office/mac/drawingml/2011/main" xmlns:a14="http://schemas.microsoft.com/office/drawing/2010/main" xmlns:m="http://schemas.openxmlformats.org/officeDocument/2006/math" val="1"/>
+                <ma14:wrappingTextBoxFlag xmlns:m="http://schemas.openxmlformats.org/officeDocument/2006/math" xmlns:a14="http://schemas.microsoft.com/office/drawing/2010/main" xmlns:ma14="http://schemas.microsoft.com/office/mac/drawingml/2011/main" xmlns="" val="1"/>
               </a:ext>
             </a:extLst>
           </p:spPr>
@@ -32904,7 +32905,7 @@
             </a:ln>
             <a:extLst>
               <a:ext uri="{C572A759-6A51-4108-AA02-DFA0A04FC94B}">
-                <ma14:wrappingTextBoxFlag xmlns="" xmlns:ma14="http://schemas.microsoft.com/office/mac/drawingml/2011/main" xmlns:a14="http://schemas.microsoft.com/office/drawing/2010/main" xmlns:m="http://schemas.openxmlformats.org/officeDocument/2006/math" val="1"/>
+                <ma14:wrappingTextBoxFlag xmlns:m="http://schemas.openxmlformats.org/officeDocument/2006/math" xmlns:a14="http://schemas.microsoft.com/office/drawing/2010/main" xmlns:ma14="http://schemas.microsoft.com/office/mac/drawingml/2011/main" xmlns="" val="1"/>
               </a:ext>
             </a:extLst>
           </p:spPr>
@@ -33263,7 +33264,7 @@
             </a:ln>
             <a:extLst>
               <a:ext uri="{C572A759-6A51-4108-AA02-DFA0A04FC94B}">
-                <ma14:wrappingTextBoxFlag xmlns="" xmlns:m="http://schemas.openxmlformats.org/officeDocument/2006/math" xmlns:a14="http://schemas.microsoft.com/office/drawing/2010/main" xmlns:ma14="http://schemas.microsoft.com/office/mac/drawingml/2011/main" val="1"/>
+                <ma14:wrappingTextBoxFlag xmlns:ma14="http://schemas.microsoft.com/office/mac/drawingml/2011/main" xmlns:a14="http://schemas.microsoft.com/office/drawing/2010/main" xmlns:m="http://schemas.openxmlformats.org/officeDocument/2006/math" xmlns="" val="1"/>
               </a:ext>
             </a:extLst>
           </p:spPr>
@@ -33311,7 +33312,7 @@
             </a:ln>
             <a:extLst>
               <a:ext uri="{C572A759-6A51-4108-AA02-DFA0A04FC94B}">
-                <ma14:wrappingTextBoxFlag xmlns="" xmlns:m="http://schemas.openxmlformats.org/officeDocument/2006/math" xmlns:a14="http://schemas.microsoft.com/office/drawing/2010/main" xmlns:ma14="http://schemas.microsoft.com/office/mac/drawingml/2011/main" val="1"/>
+                <ma14:wrappingTextBoxFlag xmlns:ma14="http://schemas.microsoft.com/office/mac/drawingml/2011/main" xmlns:a14="http://schemas.microsoft.com/office/drawing/2010/main" xmlns:m="http://schemas.openxmlformats.org/officeDocument/2006/math" xmlns="" val="1"/>
               </a:ext>
             </a:extLst>
           </p:spPr>
@@ -33359,7 +33360,7 @@
             </a:ln>
             <a:extLst>
               <a:ext uri="{C572A759-6A51-4108-AA02-DFA0A04FC94B}">
-                <ma14:wrappingTextBoxFlag xmlns="" xmlns:m="http://schemas.openxmlformats.org/officeDocument/2006/math" xmlns:a14="http://schemas.microsoft.com/office/drawing/2010/main" xmlns:ma14="http://schemas.microsoft.com/office/mac/drawingml/2011/main" val="1"/>
+                <ma14:wrappingTextBoxFlag xmlns:ma14="http://schemas.microsoft.com/office/mac/drawingml/2011/main" xmlns:a14="http://schemas.microsoft.com/office/drawing/2010/main" xmlns:m="http://schemas.openxmlformats.org/officeDocument/2006/math" xmlns="" val="1"/>
               </a:ext>
             </a:extLst>
           </p:spPr>
@@ -33411,7 +33412,7 @@
             </a:ln>
             <a:extLst>
               <a:ext uri="{C572A759-6A51-4108-AA02-DFA0A04FC94B}">
-                <ma14:wrappingTextBoxFlag xmlns="" xmlns:m="http://schemas.openxmlformats.org/officeDocument/2006/math" xmlns:a14="http://schemas.microsoft.com/office/drawing/2010/main" xmlns:ma14="http://schemas.microsoft.com/office/mac/drawingml/2011/main" val="1"/>
+                <ma14:wrappingTextBoxFlag xmlns:ma14="http://schemas.microsoft.com/office/mac/drawingml/2011/main" xmlns:a14="http://schemas.microsoft.com/office/drawing/2010/main" xmlns:m="http://schemas.openxmlformats.org/officeDocument/2006/math" xmlns="" val="1"/>
               </a:ext>
             </a:extLst>
           </p:spPr>
@@ -33459,7 +33460,7 @@
             </a:ln>
             <a:extLst>
               <a:ext uri="{C572A759-6A51-4108-AA02-DFA0A04FC94B}">
-                <ma14:wrappingTextBoxFlag xmlns="" xmlns:m="http://schemas.openxmlformats.org/officeDocument/2006/math" xmlns:a14="http://schemas.microsoft.com/office/drawing/2010/main" xmlns:ma14="http://schemas.microsoft.com/office/mac/drawingml/2011/main" val="1"/>
+                <ma14:wrappingTextBoxFlag xmlns:ma14="http://schemas.microsoft.com/office/mac/drawingml/2011/main" xmlns:a14="http://schemas.microsoft.com/office/drawing/2010/main" xmlns:m="http://schemas.openxmlformats.org/officeDocument/2006/math" xmlns="" val="1"/>
               </a:ext>
             </a:extLst>
           </p:spPr>
@@ -33507,7 +33508,7 @@
             </a:ln>
             <a:extLst>
               <a:ext uri="{C572A759-6A51-4108-AA02-DFA0A04FC94B}">
-                <ma14:wrappingTextBoxFlag xmlns="" xmlns:m="http://schemas.openxmlformats.org/officeDocument/2006/math" xmlns:a14="http://schemas.microsoft.com/office/drawing/2010/main" xmlns:ma14="http://schemas.microsoft.com/office/mac/drawingml/2011/main" val="1"/>
+                <ma14:wrappingTextBoxFlag xmlns:ma14="http://schemas.microsoft.com/office/mac/drawingml/2011/main" xmlns:a14="http://schemas.microsoft.com/office/drawing/2010/main" xmlns:m="http://schemas.openxmlformats.org/officeDocument/2006/math" xmlns="" val="1"/>
               </a:ext>
             </a:extLst>
           </p:spPr>
@@ -33564,7 +33565,7 @@
             </a:ln>
             <a:extLst>
               <a:ext uri="{C572A759-6A51-4108-AA02-DFA0A04FC94B}">
-                <ma14:wrappingTextBoxFlag xmlns="" xmlns:m="http://schemas.openxmlformats.org/officeDocument/2006/math" xmlns:a14="http://schemas.microsoft.com/office/drawing/2010/main" xmlns:ma14="http://schemas.microsoft.com/office/mac/drawingml/2011/main" val="1"/>
+                <ma14:wrappingTextBoxFlag xmlns:ma14="http://schemas.microsoft.com/office/mac/drawingml/2011/main" xmlns:a14="http://schemas.microsoft.com/office/drawing/2010/main" xmlns:m="http://schemas.openxmlformats.org/officeDocument/2006/math" xmlns="" val="1"/>
               </a:ext>
             </a:extLst>
           </p:spPr>
@@ -33622,7 +33623,7 @@
             </a:ln>
             <a:extLst>
               <a:ext uri="{C572A759-6A51-4108-AA02-DFA0A04FC94B}">
-                <ma14:wrappingTextBoxFlag xmlns="" xmlns:m="http://schemas.openxmlformats.org/officeDocument/2006/math" xmlns:a14="http://schemas.microsoft.com/office/drawing/2010/main" xmlns:ma14="http://schemas.microsoft.com/office/mac/drawingml/2011/main" val="1"/>
+                <ma14:wrappingTextBoxFlag xmlns:ma14="http://schemas.microsoft.com/office/mac/drawingml/2011/main" xmlns:a14="http://schemas.microsoft.com/office/drawing/2010/main" xmlns:m="http://schemas.openxmlformats.org/officeDocument/2006/math" xmlns="" val="1"/>
               </a:ext>
             </a:extLst>
           </p:spPr>
@@ -33670,7 +33671,7 @@
             </a:ln>
             <a:extLst>
               <a:ext uri="{C572A759-6A51-4108-AA02-DFA0A04FC94B}">
-                <ma14:wrappingTextBoxFlag xmlns="" xmlns:m="http://schemas.openxmlformats.org/officeDocument/2006/math" xmlns:a14="http://schemas.microsoft.com/office/drawing/2010/main" xmlns:ma14="http://schemas.microsoft.com/office/mac/drawingml/2011/main" val="1"/>
+                <ma14:wrappingTextBoxFlag xmlns:ma14="http://schemas.microsoft.com/office/mac/drawingml/2011/main" xmlns:a14="http://schemas.microsoft.com/office/drawing/2010/main" xmlns:m="http://schemas.openxmlformats.org/officeDocument/2006/math" xmlns="" val="1"/>
               </a:ext>
             </a:extLst>
           </p:spPr>
@@ -33718,7 +33719,7 @@
             </a:ln>
             <a:extLst>
               <a:ext uri="{C572A759-6A51-4108-AA02-DFA0A04FC94B}">
-                <ma14:wrappingTextBoxFlag xmlns="" xmlns:m="http://schemas.openxmlformats.org/officeDocument/2006/math" xmlns:a14="http://schemas.microsoft.com/office/drawing/2010/main" xmlns:ma14="http://schemas.microsoft.com/office/mac/drawingml/2011/main" val="1"/>
+                <ma14:wrappingTextBoxFlag xmlns:ma14="http://schemas.microsoft.com/office/mac/drawingml/2011/main" xmlns:a14="http://schemas.microsoft.com/office/drawing/2010/main" xmlns:m="http://schemas.openxmlformats.org/officeDocument/2006/math" xmlns="" val="1"/>
               </a:ext>
             </a:extLst>
           </p:spPr>
@@ -33766,7 +33767,7 @@
             </a:ln>
             <a:extLst>
               <a:ext uri="{C572A759-6A51-4108-AA02-DFA0A04FC94B}">
-                <ma14:wrappingTextBoxFlag xmlns="" xmlns:m="http://schemas.openxmlformats.org/officeDocument/2006/math" xmlns:a14="http://schemas.microsoft.com/office/drawing/2010/main" xmlns:ma14="http://schemas.microsoft.com/office/mac/drawingml/2011/main" val="1"/>
+                <ma14:wrappingTextBoxFlag xmlns:ma14="http://schemas.microsoft.com/office/mac/drawingml/2011/main" xmlns:a14="http://schemas.microsoft.com/office/drawing/2010/main" xmlns:m="http://schemas.openxmlformats.org/officeDocument/2006/math" xmlns="" val="1"/>
               </a:ext>
             </a:extLst>
           </p:spPr>
@@ -33824,7 +33825,7 @@
             </a:ln>
             <a:extLst>
               <a:ext uri="{C572A759-6A51-4108-AA02-DFA0A04FC94B}">
-                <ma14:wrappingTextBoxFlag xmlns="" xmlns:m="http://schemas.openxmlformats.org/officeDocument/2006/math" xmlns:a14="http://schemas.microsoft.com/office/drawing/2010/main" xmlns:ma14="http://schemas.microsoft.com/office/mac/drawingml/2011/main" val="1"/>
+                <ma14:wrappingTextBoxFlag xmlns:ma14="http://schemas.microsoft.com/office/mac/drawingml/2011/main" xmlns:a14="http://schemas.microsoft.com/office/drawing/2010/main" xmlns:m="http://schemas.openxmlformats.org/officeDocument/2006/math" xmlns="" val="1"/>
               </a:ext>
             </a:extLst>
           </p:spPr>
@@ -33881,7 +33882,7 @@
             </a:ln>
             <a:extLst>
               <a:ext uri="{C572A759-6A51-4108-AA02-DFA0A04FC94B}">
-                <ma14:wrappingTextBoxFlag xmlns="" xmlns:m="http://schemas.openxmlformats.org/officeDocument/2006/math" xmlns:a14="http://schemas.microsoft.com/office/drawing/2010/main" xmlns:ma14="http://schemas.microsoft.com/office/mac/drawingml/2011/main" val="1"/>
+                <ma14:wrappingTextBoxFlag xmlns:ma14="http://schemas.microsoft.com/office/mac/drawingml/2011/main" xmlns:a14="http://schemas.microsoft.com/office/drawing/2010/main" xmlns:m="http://schemas.openxmlformats.org/officeDocument/2006/math" xmlns="" val="1"/>
               </a:ext>
             </a:extLst>
           </p:spPr>
@@ -33929,7 +33930,7 @@
             </a:ln>
             <a:extLst>
               <a:ext uri="{C572A759-6A51-4108-AA02-DFA0A04FC94B}">
-                <ma14:wrappingTextBoxFlag xmlns="" xmlns:m="http://schemas.openxmlformats.org/officeDocument/2006/math" xmlns:a14="http://schemas.microsoft.com/office/drawing/2010/main" xmlns:ma14="http://schemas.microsoft.com/office/mac/drawingml/2011/main" val="1"/>
+                <ma14:wrappingTextBoxFlag xmlns:ma14="http://schemas.microsoft.com/office/mac/drawingml/2011/main" xmlns:a14="http://schemas.microsoft.com/office/drawing/2010/main" xmlns:m="http://schemas.openxmlformats.org/officeDocument/2006/math" xmlns="" val="1"/>
               </a:ext>
             </a:extLst>
           </p:spPr>
@@ -33981,7 +33982,7 @@
             </a:ln>
             <a:extLst>
               <a:ext uri="{C572A759-6A51-4108-AA02-DFA0A04FC94B}">
-                <ma14:wrappingTextBoxFlag xmlns="" xmlns:m="http://schemas.openxmlformats.org/officeDocument/2006/math" xmlns:a14="http://schemas.microsoft.com/office/drawing/2010/main" xmlns:ma14="http://schemas.microsoft.com/office/mac/drawingml/2011/main" val="1"/>
+                <ma14:wrappingTextBoxFlag xmlns:ma14="http://schemas.microsoft.com/office/mac/drawingml/2011/main" xmlns:a14="http://schemas.microsoft.com/office/drawing/2010/main" xmlns:m="http://schemas.openxmlformats.org/officeDocument/2006/math" xmlns="" val="1"/>
               </a:ext>
             </a:extLst>
           </p:spPr>
@@ -34039,7 +34040,7 @@
             </a:ln>
             <a:extLst>
               <a:ext uri="{C572A759-6A51-4108-AA02-DFA0A04FC94B}">
-                <ma14:wrappingTextBoxFlag xmlns="" xmlns:m="http://schemas.openxmlformats.org/officeDocument/2006/math" xmlns:a14="http://schemas.microsoft.com/office/drawing/2010/main" xmlns:ma14="http://schemas.microsoft.com/office/mac/drawingml/2011/main" val="1"/>
+                <ma14:wrappingTextBoxFlag xmlns:ma14="http://schemas.microsoft.com/office/mac/drawingml/2011/main" xmlns:a14="http://schemas.microsoft.com/office/drawing/2010/main" xmlns:m="http://schemas.openxmlformats.org/officeDocument/2006/math" xmlns="" val="1"/>
               </a:ext>
             </a:extLst>
           </p:spPr>
@@ -34087,7 +34088,7 @@
             </a:ln>
             <a:extLst>
               <a:ext uri="{C572A759-6A51-4108-AA02-DFA0A04FC94B}">
-                <ma14:wrappingTextBoxFlag xmlns="" xmlns:m="http://schemas.openxmlformats.org/officeDocument/2006/math" xmlns:a14="http://schemas.microsoft.com/office/drawing/2010/main" xmlns:ma14="http://schemas.microsoft.com/office/mac/drawingml/2011/main" val="1"/>
+                <ma14:wrappingTextBoxFlag xmlns:ma14="http://schemas.microsoft.com/office/mac/drawingml/2011/main" xmlns:a14="http://schemas.microsoft.com/office/drawing/2010/main" xmlns:m="http://schemas.openxmlformats.org/officeDocument/2006/math" xmlns="" val="1"/>
               </a:ext>
             </a:extLst>
           </p:spPr>
@@ -34140,7 +34141,7 @@
             </a:ln>
             <a:extLst>
               <a:ext uri="{C572A759-6A51-4108-AA02-DFA0A04FC94B}">
-                <ma14:wrappingTextBoxFlag xmlns="" xmlns:m="http://schemas.openxmlformats.org/officeDocument/2006/math" xmlns:a14="http://schemas.microsoft.com/office/drawing/2010/main" xmlns:ma14="http://schemas.microsoft.com/office/mac/drawingml/2011/main" val="1"/>
+                <ma14:wrappingTextBoxFlag xmlns:ma14="http://schemas.microsoft.com/office/mac/drawingml/2011/main" xmlns:a14="http://schemas.microsoft.com/office/drawing/2010/main" xmlns:m="http://schemas.openxmlformats.org/officeDocument/2006/math" xmlns="" val="1"/>
               </a:ext>
             </a:extLst>
           </p:spPr>
@@ -34188,7 +34189,7 @@
             </a:ln>
             <a:extLst>
               <a:ext uri="{C572A759-6A51-4108-AA02-DFA0A04FC94B}">
-                <ma14:wrappingTextBoxFlag xmlns="" xmlns:m="http://schemas.openxmlformats.org/officeDocument/2006/math" xmlns:a14="http://schemas.microsoft.com/office/drawing/2010/main" xmlns:ma14="http://schemas.microsoft.com/office/mac/drawingml/2011/main" val="1"/>
+                <ma14:wrappingTextBoxFlag xmlns:ma14="http://schemas.microsoft.com/office/mac/drawingml/2011/main" xmlns:a14="http://schemas.microsoft.com/office/drawing/2010/main" xmlns:m="http://schemas.openxmlformats.org/officeDocument/2006/math" xmlns="" val="1"/>
               </a:ext>
             </a:extLst>
           </p:spPr>
@@ -34240,7 +34241,7 @@
             </a:ln>
             <a:extLst>
               <a:ext uri="{C572A759-6A51-4108-AA02-DFA0A04FC94B}">
-                <ma14:wrappingTextBoxFlag xmlns="" xmlns:m="http://schemas.openxmlformats.org/officeDocument/2006/math" xmlns:a14="http://schemas.microsoft.com/office/drawing/2010/main" xmlns:ma14="http://schemas.microsoft.com/office/mac/drawingml/2011/main" val="1"/>
+                <ma14:wrappingTextBoxFlag xmlns:ma14="http://schemas.microsoft.com/office/mac/drawingml/2011/main" xmlns:a14="http://schemas.microsoft.com/office/drawing/2010/main" xmlns:m="http://schemas.openxmlformats.org/officeDocument/2006/math" xmlns="" val="1"/>
               </a:ext>
             </a:extLst>
           </p:spPr>
@@ -34288,7 +34289,7 @@
             </a:ln>
             <a:extLst>
               <a:ext uri="{C572A759-6A51-4108-AA02-DFA0A04FC94B}">
-                <ma14:wrappingTextBoxFlag xmlns="" xmlns:m="http://schemas.openxmlformats.org/officeDocument/2006/math" xmlns:a14="http://schemas.microsoft.com/office/drawing/2010/main" xmlns:ma14="http://schemas.microsoft.com/office/mac/drawingml/2011/main" val="1"/>
+                <ma14:wrappingTextBoxFlag xmlns:ma14="http://schemas.microsoft.com/office/mac/drawingml/2011/main" xmlns:a14="http://schemas.microsoft.com/office/drawing/2010/main" xmlns:m="http://schemas.openxmlformats.org/officeDocument/2006/math" xmlns="" val="1"/>
               </a:ext>
             </a:extLst>
           </p:spPr>
@@ -34342,7 +34343,7 @@
             </a:ln>
             <a:extLst>
               <a:ext uri="{C572A759-6A51-4108-AA02-DFA0A04FC94B}">
-                <ma14:wrappingTextBoxFlag xmlns="" xmlns:m="http://schemas.openxmlformats.org/officeDocument/2006/math" xmlns:a14="http://schemas.microsoft.com/office/drawing/2010/main" xmlns:ma14="http://schemas.microsoft.com/office/mac/drawingml/2011/main" val="1"/>
+                <ma14:wrappingTextBoxFlag xmlns:ma14="http://schemas.microsoft.com/office/mac/drawingml/2011/main" xmlns:a14="http://schemas.microsoft.com/office/drawing/2010/main" xmlns:m="http://schemas.openxmlformats.org/officeDocument/2006/math" xmlns="" val="1"/>
               </a:ext>
             </a:extLst>
           </p:spPr>
@@ -34399,7 +34400,7 @@
             </a:ln>
             <a:extLst>
               <a:ext uri="{C572A759-6A51-4108-AA02-DFA0A04FC94B}">
-                <ma14:wrappingTextBoxFlag xmlns="" xmlns:m="http://schemas.openxmlformats.org/officeDocument/2006/math" xmlns:a14="http://schemas.microsoft.com/office/drawing/2010/main" xmlns:ma14="http://schemas.microsoft.com/office/mac/drawingml/2011/main" val="1"/>
+                <ma14:wrappingTextBoxFlag xmlns:ma14="http://schemas.microsoft.com/office/mac/drawingml/2011/main" xmlns:a14="http://schemas.microsoft.com/office/drawing/2010/main" xmlns:m="http://schemas.openxmlformats.org/officeDocument/2006/math" xmlns="" val="1"/>
               </a:ext>
             </a:extLst>
           </p:spPr>
@@ -34457,7 +34458,7 @@
             </a:ln>
             <a:extLst>
               <a:ext uri="{C572A759-6A51-4108-AA02-DFA0A04FC94B}">
-                <ma14:wrappingTextBoxFlag xmlns="" xmlns:m="http://schemas.openxmlformats.org/officeDocument/2006/math" xmlns:a14="http://schemas.microsoft.com/office/drawing/2010/main" xmlns:ma14="http://schemas.microsoft.com/office/mac/drawingml/2011/main" val="1"/>
+                <ma14:wrappingTextBoxFlag xmlns:ma14="http://schemas.microsoft.com/office/mac/drawingml/2011/main" xmlns:a14="http://schemas.microsoft.com/office/drawing/2010/main" xmlns:m="http://schemas.openxmlformats.org/officeDocument/2006/math" xmlns="" val="1"/>
               </a:ext>
             </a:extLst>
           </p:spPr>
@@ -34538,7 +34539,7 @@
             </a:ln>
             <a:extLst>
               <a:ext uri="{C572A759-6A51-4108-AA02-DFA0A04FC94B}">
-                <ma14:wrappingTextBoxFlag xmlns="" xmlns:m="http://schemas.openxmlformats.org/officeDocument/2006/math" xmlns:a14="http://schemas.microsoft.com/office/drawing/2010/main" xmlns:ma14="http://schemas.microsoft.com/office/mac/drawingml/2011/main" val="1"/>
+                <ma14:wrappingTextBoxFlag xmlns:ma14="http://schemas.microsoft.com/office/mac/drawingml/2011/main" xmlns:a14="http://schemas.microsoft.com/office/drawing/2010/main" xmlns:m="http://schemas.openxmlformats.org/officeDocument/2006/math" xmlns="" val="1"/>
               </a:ext>
             </a:extLst>
           </p:spPr>
@@ -34596,7 +34597,7 @@
             </a:ln>
             <a:extLst>
               <a:ext uri="{C572A759-6A51-4108-AA02-DFA0A04FC94B}">
-                <ma14:wrappingTextBoxFlag xmlns="" xmlns:m="http://schemas.openxmlformats.org/officeDocument/2006/math" xmlns:a14="http://schemas.microsoft.com/office/drawing/2010/main" xmlns:ma14="http://schemas.microsoft.com/office/mac/drawingml/2011/main" val="1"/>
+                <ma14:wrappingTextBoxFlag xmlns:ma14="http://schemas.microsoft.com/office/mac/drawingml/2011/main" xmlns:a14="http://schemas.microsoft.com/office/drawing/2010/main" xmlns:m="http://schemas.openxmlformats.org/officeDocument/2006/math" xmlns="" val="1"/>
               </a:ext>
             </a:extLst>
           </p:spPr>
@@ -34654,7 +34655,7 @@
             </a:ln>
             <a:extLst>
               <a:ext uri="{C572A759-6A51-4108-AA02-DFA0A04FC94B}">
-                <ma14:wrappingTextBoxFlag xmlns="" xmlns:m="http://schemas.openxmlformats.org/officeDocument/2006/math" xmlns:a14="http://schemas.microsoft.com/office/drawing/2010/main" xmlns:ma14="http://schemas.microsoft.com/office/mac/drawingml/2011/main" val="1"/>
+                <ma14:wrappingTextBoxFlag xmlns:ma14="http://schemas.microsoft.com/office/mac/drawingml/2011/main" xmlns:a14="http://schemas.microsoft.com/office/drawing/2010/main" xmlns:m="http://schemas.openxmlformats.org/officeDocument/2006/math" xmlns="" val="1"/>
               </a:ext>
             </a:extLst>
           </p:spPr>
@@ -34712,7 +34713,7 @@
             </a:ln>
             <a:extLst>
               <a:ext uri="{C572A759-6A51-4108-AA02-DFA0A04FC94B}">
-                <ma14:wrappingTextBoxFlag xmlns="" xmlns:m="http://schemas.openxmlformats.org/officeDocument/2006/math" xmlns:a14="http://schemas.microsoft.com/office/drawing/2010/main" xmlns:ma14="http://schemas.microsoft.com/office/mac/drawingml/2011/main" val="1"/>
+                <ma14:wrappingTextBoxFlag xmlns:ma14="http://schemas.microsoft.com/office/mac/drawingml/2011/main" xmlns:a14="http://schemas.microsoft.com/office/drawing/2010/main" xmlns:m="http://schemas.openxmlformats.org/officeDocument/2006/math" xmlns="" val="1"/>
               </a:ext>
             </a:extLst>
           </p:spPr>
@@ -34760,7 +34761,7 @@
             </a:ln>
             <a:extLst>
               <a:ext uri="{C572A759-6A51-4108-AA02-DFA0A04FC94B}">
-                <ma14:wrappingTextBoxFlag xmlns="" xmlns:m="http://schemas.openxmlformats.org/officeDocument/2006/math" xmlns:a14="http://schemas.microsoft.com/office/drawing/2010/main" xmlns:ma14="http://schemas.microsoft.com/office/mac/drawingml/2011/main" val="1"/>
+                <ma14:wrappingTextBoxFlag xmlns:ma14="http://schemas.microsoft.com/office/mac/drawingml/2011/main" xmlns:a14="http://schemas.microsoft.com/office/drawing/2010/main" xmlns:m="http://schemas.openxmlformats.org/officeDocument/2006/math" xmlns="" val="1"/>
               </a:ext>
             </a:extLst>
           </p:spPr>
@@ -34808,7 +34809,7 @@
             </a:ln>
             <a:extLst>
               <a:ext uri="{C572A759-6A51-4108-AA02-DFA0A04FC94B}">
-                <ma14:wrappingTextBoxFlag xmlns="" xmlns:m="http://schemas.openxmlformats.org/officeDocument/2006/math" xmlns:a14="http://schemas.microsoft.com/office/drawing/2010/main" xmlns:ma14="http://schemas.microsoft.com/office/mac/drawingml/2011/main" val="1"/>
+                <ma14:wrappingTextBoxFlag xmlns:ma14="http://schemas.microsoft.com/office/mac/drawingml/2011/main" xmlns:a14="http://schemas.microsoft.com/office/drawing/2010/main" xmlns:m="http://schemas.openxmlformats.org/officeDocument/2006/math" xmlns="" val="1"/>
               </a:ext>
             </a:extLst>
           </p:spPr>
@@ -34862,7 +34863,7 @@
             </a:ln>
             <a:extLst>
               <a:ext uri="{C572A759-6A51-4108-AA02-DFA0A04FC94B}">
-                <ma14:wrappingTextBoxFlag xmlns="" xmlns:m="http://schemas.openxmlformats.org/officeDocument/2006/math" xmlns:a14="http://schemas.microsoft.com/office/drawing/2010/main" xmlns:ma14="http://schemas.microsoft.com/office/mac/drawingml/2011/main" val="1"/>
+                <ma14:wrappingTextBoxFlag xmlns:ma14="http://schemas.microsoft.com/office/mac/drawingml/2011/main" xmlns:a14="http://schemas.microsoft.com/office/drawing/2010/main" xmlns:m="http://schemas.openxmlformats.org/officeDocument/2006/math" xmlns="" val="1"/>
               </a:ext>
             </a:extLst>
           </p:spPr>
@@ -34916,7 +34917,7 @@
             </a:ln>
             <a:extLst>
               <a:ext uri="{C572A759-6A51-4108-AA02-DFA0A04FC94B}">
-                <ma14:wrappingTextBoxFlag xmlns="" xmlns:m="http://schemas.openxmlformats.org/officeDocument/2006/math" xmlns:a14="http://schemas.microsoft.com/office/drawing/2010/main" xmlns:ma14="http://schemas.microsoft.com/office/mac/drawingml/2011/main" val="1"/>
+                <ma14:wrappingTextBoxFlag xmlns:ma14="http://schemas.microsoft.com/office/mac/drawingml/2011/main" xmlns:a14="http://schemas.microsoft.com/office/drawing/2010/main" xmlns:m="http://schemas.openxmlformats.org/officeDocument/2006/math" xmlns="" val="1"/>
               </a:ext>
             </a:extLst>
           </p:spPr>
@@ -34969,7 +34970,7 @@
             </a:ln>
             <a:extLst>
               <a:ext uri="{C572A759-6A51-4108-AA02-DFA0A04FC94B}">
-                <ma14:wrappingTextBoxFlag xmlns="" xmlns:m="http://schemas.openxmlformats.org/officeDocument/2006/math" xmlns:a14="http://schemas.microsoft.com/office/drawing/2010/main" xmlns:ma14="http://schemas.microsoft.com/office/mac/drawingml/2011/main" val="1"/>
+                <ma14:wrappingTextBoxFlag xmlns:ma14="http://schemas.microsoft.com/office/mac/drawingml/2011/main" xmlns:a14="http://schemas.microsoft.com/office/drawing/2010/main" xmlns:m="http://schemas.openxmlformats.org/officeDocument/2006/math" xmlns="" val="1"/>
               </a:ext>
             </a:extLst>
           </p:spPr>
@@ -35022,7 +35023,7 @@
             </a:ln>
             <a:extLst>
               <a:ext uri="{C572A759-6A51-4108-AA02-DFA0A04FC94B}">
-                <ma14:wrappingTextBoxFlag xmlns="" xmlns:m="http://schemas.openxmlformats.org/officeDocument/2006/math" xmlns:a14="http://schemas.microsoft.com/office/drawing/2010/main" xmlns:ma14="http://schemas.microsoft.com/office/mac/drawingml/2011/main" val="1"/>
+                <ma14:wrappingTextBoxFlag xmlns:ma14="http://schemas.microsoft.com/office/mac/drawingml/2011/main" xmlns:a14="http://schemas.microsoft.com/office/drawing/2010/main" xmlns:m="http://schemas.openxmlformats.org/officeDocument/2006/math" xmlns="" val="1"/>
               </a:ext>
             </a:extLst>
           </p:spPr>
@@ -35075,7 +35076,7 @@
             </a:ln>
             <a:extLst>
               <a:ext uri="{C572A759-6A51-4108-AA02-DFA0A04FC94B}">
-                <ma14:wrappingTextBoxFlag xmlns="" xmlns:m="http://schemas.openxmlformats.org/officeDocument/2006/math" xmlns:a14="http://schemas.microsoft.com/office/drawing/2010/main" xmlns:ma14="http://schemas.microsoft.com/office/mac/drawingml/2011/main" val="1"/>
+                <ma14:wrappingTextBoxFlag xmlns:ma14="http://schemas.microsoft.com/office/mac/drawingml/2011/main" xmlns:a14="http://schemas.microsoft.com/office/drawing/2010/main" xmlns:m="http://schemas.openxmlformats.org/officeDocument/2006/math" xmlns="" val="1"/>
               </a:ext>
             </a:extLst>
           </p:spPr>
@@ -35902,7 +35903,7 @@
             </a:ln>
             <a:extLst>
               <a:ext uri="{C572A759-6A51-4108-AA02-DFA0A04FC94B}">
-                <ma14:wrappingTextBoxFlag xmlns="" xmlns:ma14="http://schemas.microsoft.com/office/mac/drawingml/2011/main" xmlns:a14="http://schemas.microsoft.com/office/drawing/2010/main" xmlns:m="http://schemas.openxmlformats.org/officeDocument/2006/math" val="1"/>
+                <ma14:wrappingTextBoxFlag xmlns:m="http://schemas.openxmlformats.org/officeDocument/2006/math" xmlns:a14="http://schemas.microsoft.com/office/drawing/2010/main" xmlns:ma14="http://schemas.microsoft.com/office/mac/drawingml/2011/main" xmlns="" val="1"/>
               </a:ext>
             </a:extLst>
           </p:spPr>
@@ -35950,7 +35951,7 @@
             </a:ln>
             <a:extLst>
               <a:ext uri="{C572A759-6A51-4108-AA02-DFA0A04FC94B}">
-                <ma14:wrappingTextBoxFlag xmlns="" xmlns:ma14="http://schemas.microsoft.com/office/mac/drawingml/2011/main" xmlns:a14="http://schemas.microsoft.com/office/drawing/2010/main" xmlns:m="http://schemas.openxmlformats.org/officeDocument/2006/math" val="1"/>
+                <ma14:wrappingTextBoxFlag xmlns:m="http://schemas.openxmlformats.org/officeDocument/2006/math" xmlns:a14="http://schemas.microsoft.com/office/drawing/2010/main" xmlns:ma14="http://schemas.microsoft.com/office/mac/drawingml/2011/main" xmlns="" val="1"/>
               </a:ext>
             </a:extLst>
           </p:spPr>
@@ -35998,7 +35999,7 @@
             </a:ln>
             <a:extLst>
               <a:ext uri="{C572A759-6A51-4108-AA02-DFA0A04FC94B}">
-                <ma14:wrappingTextBoxFlag xmlns="" xmlns:ma14="http://schemas.microsoft.com/office/mac/drawingml/2011/main" xmlns:a14="http://schemas.microsoft.com/office/drawing/2010/main" xmlns:m="http://schemas.openxmlformats.org/officeDocument/2006/math" val="1"/>
+                <ma14:wrappingTextBoxFlag xmlns:m="http://schemas.openxmlformats.org/officeDocument/2006/math" xmlns:a14="http://schemas.microsoft.com/office/drawing/2010/main" xmlns:ma14="http://schemas.microsoft.com/office/mac/drawingml/2011/main" xmlns="" val="1"/>
               </a:ext>
             </a:extLst>
           </p:spPr>
@@ -36050,7 +36051,7 @@
             </a:ln>
             <a:extLst>
               <a:ext uri="{C572A759-6A51-4108-AA02-DFA0A04FC94B}">
-                <ma14:wrappingTextBoxFlag xmlns="" xmlns:ma14="http://schemas.microsoft.com/office/mac/drawingml/2011/main" xmlns:a14="http://schemas.microsoft.com/office/drawing/2010/main" xmlns:m="http://schemas.openxmlformats.org/officeDocument/2006/math" val="1"/>
+                <ma14:wrappingTextBoxFlag xmlns:m="http://schemas.openxmlformats.org/officeDocument/2006/math" xmlns:a14="http://schemas.microsoft.com/office/drawing/2010/main" xmlns:ma14="http://schemas.microsoft.com/office/mac/drawingml/2011/main" xmlns="" val="1"/>
               </a:ext>
             </a:extLst>
           </p:spPr>
@@ -36098,7 +36099,7 @@
             </a:ln>
             <a:extLst>
               <a:ext uri="{C572A759-6A51-4108-AA02-DFA0A04FC94B}">
-                <ma14:wrappingTextBoxFlag xmlns="" xmlns:ma14="http://schemas.microsoft.com/office/mac/drawingml/2011/main" xmlns:a14="http://schemas.microsoft.com/office/drawing/2010/main" xmlns:m="http://schemas.openxmlformats.org/officeDocument/2006/math" val="1"/>
+                <ma14:wrappingTextBoxFlag xmlns:m="http://schemas.openxmlformats.org/officeDocument/2006/math" xmlns:a14="http://schemas.microsoft.com/office/drawing/2010/main" xmlns:ma14="http://schemas.microsoft.com/office/mac/drawingml/2011/main" xmlns="" val="1"/>
               </a:ext>
             </a:extLst>
           </p:spPr>
@@ -36146,7 +36147,7 @@
             </a:ln>
             <a:extLst>
               <a:ext uri="{C572A759-6A51-4108-AA02-DFA0A04FC94B}">
-                <ma14:wrappingTextBoxFlag xmlns="" xmlns:ma14="http://schemas.microsoft.com/office/mac/drawingml/2011/main" xmlns:a14="http://schemas.microsoft.com/office/drawing/2010/main" xmlns:m="http://schemas.openxmlformats.org/officeDocument/2006/math" val="1"/>
+                <ma14:wrappingTextBoxFlag xmlns:m="http://schemas.openxmlformats.org/officeDocument/2006/math" xmlns:a14="http://schemas.microsoft.com/office/drawing/2010/main" xmlns:ma14="http://schemas.microsoft.com/office/mac/drawingml/2011/main" xmlns="" val="1"/>
               </a:ext>
             </a:extLst>
           </p:spPr>
@@ -36203,7 +36204,7 @@
             </a:ln>
             <a:extLst>
               <a:ext uri="{C572A759-6A51-4108-AA02-DFA0A04FC94B}">
-                <ma14:wrappingTextBoxFlag xmlns="" xmlns:ma14="http://schemas.microsoft.com/office/mac/drawingml/2011/main" xmlns:a14="http://schemas.microsoft.com/office/drawing/2010/main" xmlns:m="http://schemas.openxmlformats.org/officeDocument/2006/math" val="1"/>
+                <ma14:wrappingTextBoxFlag xmlns:m="http://schemas.openxmlformats.org/officeDocument/2006/math" xmlns:a14="http://schemas.microsoft.com/office/drawing/2010/main" xmlns:ma14="http://schemas.microsoft.com/office/mac/drawingml/2011/main" xmlns="" val="1"/>
               </a:ext>
             </a:extLst>
           </p:spPr>
@@ -36261,7 +36262,7 @@
             </a:ln>
             <a:extLst>
               <a:ext uri="{C572A759-6A51-4108-AA02-DFA0A04FC94B}">
-                <ma14:wrappingTextBoxFlag xmlns="" xmlns:ma14="http://schemas.microsoft.com/office/mac/drawingml/2011/main" xmlns:a14="http://schemas.microsoft.com/office/drawing/2010/main" xmlns:m="http://schemas.openxmlformats.org/officeDocument/2006/math" val="1"/>
+                <ma14:wrappingTextBoxFlag xmlns:m="http://schemas.openxmlformats.org/officeDocument/2006/math" xmlns:a14="http://schemas.microsoft.com/office/drawing/2010/main" xmlns:ma14="http://schemas.microsoft.com/office/mac/drawingml/2011/main" xmlns="" val="1"/>
               </a:ext>
             </a:extLst>
           </p:spPr>
@@ -36309,7 +36310,7 @@
             </a:ln>
             <a:extLst>
               <a:ext uri="{C572A759-6A51-4108-AA02-DFA0A04FC94B}">
-                <ma14:wrappingTextBoxFlag xmlns="" xmlns:ma14="http://schemas.microsoft.com/office/mac/drawingml/2011/main" xmlns:a14="http://schemas.microsoft.com/office/drawing/2010/main" xmlns:m="http://schemas.openxmlformats.org/officeDocument/2006/math" val="1"/>
+                <ma14:wrappingTextBoxFlag xmlns:m="http://schemas.openxmlformats.org/officeDocument/2006/math" xmlns:a14="http://schemas.microsoft.com/office/drawing/2010/main" xmlns:ma14="http://schemas.microsoft.com/office/mac/drawingml/2011/main" xmlns="" val="1"/>
               </a:ext>
             </a:extLst>
           </p:spPr>
@@ -36357,7 +36358,7 @@
             </a:ln>
             <a:extLst>
               <a:ext uri="{C572A759-6A51-4108-AA02-DFA0A04FC94B}">
-                <ma14:wrappingTextBoxFlag xmlns="" xmlns:ma14="http://schemas.microsoft.com/office/mac/drawingml/2011/main" xmlns:a14="http://schemas.microsoft.com/office/drawing/2010/main" xmlns:m="http://schemas.openxmlformats.org/officeDocument/2006/math" val="1"/>
+                <ma14:wrappingTextBoxFlag xmlns:m="http://schemas.openxmlformats.org/officeDocument/2006/math" xmlns:a14="http://schemas.microsoft.com/office/drawing/2010/main" xmlns:ma14="http://schemas.microsoft.com/office/mac/drawingml/2011/main" xmlns="" val="1"/>
               </a:ext>
             </a:extLst>
           </p:spPr>
@@ -36405,7 +36406,7 @@
             </a:ln>
             <a:extLst>
               <a:ext uri="{C572A759-6A51-4108-AA02-DFA0A04FC94B}">
-                <ma14:wrappingTextBoxFlag xmlns="" xmlns:ma14="http://schemas.microsoft.com/office/mac/drawingml/2011/main" xmlns:a14="http://schemas.microsoft.com/office/drawing/2010/main" xmlns:m="http://schemas.openxmlformats.org/officeDocument/2006/math" val="1"/>
+                <ma14:wrappingTextBoxFlag xmlns:m="http://schemas.openxmlformats.org/officeDocument/2006/math" xmlns:a14="http://schemas.microsoft.com/office/drawing/2010/main" xmlns:ma14="http://schemas.microsoft.com/office/mac/drawingml/2011/main" xmlns="" val="1"/>
               </a:ext>
             </a:extLst>
           </p:spPr>
@@ -36463,7 +36464,7 @@
             </a:ln>
             <a:extLst>
               <a:ext uri="{C572A759-6A51-4108-AA02-DFA0A04FC94B}">
-                <ma14:wrappingTextBoxFlag xmlns="" xmlns:ma14="http://schemas.microsoft.com/office/mac/drawingml/2011/main" xmlns:a14="http://schemas.microsoft.com/office/drawing/2010/main" xmlns:m="http://schemas.openxmlformats.org/officeDocument/2006/math" val="1"/>
+                <ma14:wrappingTextBoxFlag xmlns:m="http://schemas.openxmlformats.org/officeDocument/2006/math" xmlns:a14="http://schemas.microsoft.com/office/drawing/2010/main" xmlns:ma14="http://schemas.microsoft.com/office/mac/drawingml/2011/main" xmlns="" val="1"/>
               </a:ext>
             </a:extLst>
           </p:spPr>
@@ -36520,7 +36521,7 @@
             </a:ln>
             <a:extLst>
               <a:ext uri="{C572A759-6A51-4108-AA02-DFA0A04FC94B}">
-                <ma14:wrappingTextBoxFlag xmlns="" xmlns:ma14="http://schemas.microsoft.com/office/mac/drawingml/2011/main" xmlns:a14="http://schemas.microsoft.com/office/drawing/2010/main" xmlns:m="http://schemas.openxmlformats.org/officeDocument/2006/math" val="1"/>
+                <ma14:wrappingTextBoxFlag xmlns:m="http://schemas.openxmlformats.org/officeDocument/2006/math" xmlns:a14="http://schemas.microsoft.com/office/drawing/2010/main" xmlns:ma14="http://schemas.microsoft.com/office/mac/drawingml/2011/main" xmlns="" val="1"/>
               </a:ext>
             </a:extLst>
           </p:spPr>
@@ -36568,7 +36569,7 @@
             </a:ln>
             <a:extLst>
               <a:ext uri="{C572A759-6A51-4108-AA02-DFA0A04FC94B}">
-                <ma14:wrappingTextBoxFlag xmlns="" xmlns:ma14="http://schemas.microsoft.com/office/mac/drawingml/2011/main" xmlns:a14="http://schemas.microsoft.com/office/drawing/2010/main" xmlns:m="http://schemas.openxmlformats.org/officeDocument/2006/math" val="1"/>
+                <ma14:wrappingTextBoxFlag xmlns:m="http://schemas.openxmlformats.org/officeDocument/2006/math" xmlns:a14="http://schemas.microsoft.com/office/drawing/2010/main" xmlns:ma14="http://schemas.microsoft.com/office/mac/drawingml/2011/main" xmlns="" val="1"/>
               </a:ext>
             </a:extLst>
           </p:spPr>
@@ -36620,7 +36621,7 @@
             </a:ln>
             <a:extLst>
               <a:ext uri="{C572A759-6A51-4108-AA02-DFA0A04FC94B}">
-                <ma14:wrappingTextBoxFlag xmlns="" xmlns:ma14="http://schemas.microsoft.com/office/mac/drawingml/2011/main" xmlns:a14="http://schemas.microsoft.com/office/drawing/2010/main" xmlns:m="http://schemas.openxmlformats.org/officeDocument/2006/math" val="1"/>
+                <ma14:wrappingTextBoxFlag xmlns:m="http://schemas.openxmlformats.org/officeDocument/2006/math" xmlns:a14="http://schemas.microsoft.com/office/drawing/2010/main" xmlns:ma14="http://schemas.microsoft.com/office/mac/drawingml/2011/main" xmlns="" val="1"/>
               </a:ext>
             </a:extLst>
           </p:spPr>
@@ -36678,7 +36679,7 @@
             </a:ln>
             <a:extLst>
               <a:ext uri="{C572A759-6A51-4108-AA02-DFA0A04FC94B}">
-                <ma14:wrappingTextBoxFlag xmlns="" xmlns:ma14="http://schemas.microsoft.com/office/mac/drawingml/2011/main" xmlns:a14="http://schemas.microsoft.com/office/drawing/2010/main" xmlns:m="http://schemas.openxmlformats.org/officeDocument/2006/math" val="1"/>
+                <ma14:wrappingTextBoxFlag xmlns:m="http://schemas.openxmlformats.org/officeDocument/2006/math" xmlns:a14="http://schemas.microsoft.com/office/drawing/2010/main" xmlns:ma14="http://schemas.microsoft.com/office/mac/drawingml/2011/main" xmlns="" val="1"/>
               </a:ext>
             </a:extLst>
           </p:spPr>
@@ -36726,7 +36727,7 @@
             </a:ln>
             <a:extLst>
               <a:ext uri="{C572A759-6A51-4108-AA02-DFA0A04FC94B}">
-                <ma14:wrappingTextBoxFlag xmlns="" xmlns:ma14="http://schemas.microsoft.com/office/mac/drawingml/2011/main" xmlns:a14="http://schemas.microsoft.com/office/drawing/2010/main" xmlns:m="http://schemas.openxmlformats.org/officeDocument/2006/math" val="1"/>
+                <ma14:wrappingTextBoxFlag xmlns:m="http://schemas.openxmlformats.org/officeDocument/2006/math" xmlns:a14="http://schemas.microsoft.com/office/drawing/2010/main" xmlns:ma14="http://schemas.microsoft.com/office/mac/drawingml/2011/main" xmlns="" val="1"/>
               </a:ext>
             </a:extLst>
           </p:spPr>
@@ -36779,7 +36780,7 @@
             </a:ln>
             <a:extLst>
               <a:ext uri="{C572A759-6A51-4108-AA02-DFA0A04FC94B}">
-                <ma14:wrappingTextBoxFlag xmlns="" xmlns:ma14="http://schemas.microsoft.com/office/mac/drawingml/2011/main" xmlns:a14="http://schemas.microsoft.com/office/drawing/2010/main" xmlns:m="http://schemas.openxmlformats.org/officeDocument/2006/math" val="1"/>
+                <ma14:wrappingTextBoxFlag xmlns:m="http://schemas.openxmlformats.org/officeDocument/2006/math" xmlns:a14="http://schemas.microsoft.com/office/drawing/2010/main" xmlns:ma14="http://schemas.microsoft.com/office/mac/drawingml/2011/main" xmlns="" val="1"/>
               </a:ext>
             </a:extLst>
           </p:spPr>
@@ -36827,7 +36828,7 @@
             </a:ln>
             <a:extLst>
               <a:ext uri="{C572A759-6A51-4108-AA02-DFA0A04FC94B}">
-                <ma14:wrappingTextBoxFlag xmlns="" xmlns:ma14="http://schemas.microsoft.com/office/mac/drawingml/2011/main" xmlns:a14="http://schemas.microsoft.com/office/drawing/2010/main" xmlns:m="http://schemas.openxmlformats.org/officeDocument/2006/math" val="1"/>
+                <ma14:wrappingTextBoxFlag xmlns:m="http://schemas.openxmlformats.org/officeDocument/2006/math" xmlns:a14="http://schemas.microsoft.com/office/drawing/2010/main" xmlns:ma14="http://schemas.microsoft.com/office/mac/drawingml/2011/main" xmlns="" val="1"/>
               </a:ext>
             </a:extLst>
           </p:spPr>
@@ -36879,7 +36880,7 @@
             </a:ln>
             <a:extLst>
               <a:ext uri="{C572A759-6A51-4108-AA02-DFA0A04FC94B}">
-                <ma14:wrappingTextBoxFlag xmlns="" xmlns:ma14="http://schemas.microsoft.com/office/mac/drawingml/2011/main" xmlns:a14="http://schemas.microsoft.com/office/drawing/2010/main" xmlns:m="http://schemas.openxmlformats.org/officeDocument/2006/math" val="1"/>
+                <ma14:wrappingTextBoxFlag xmlns:m="http://schemas.openxmlformats.org/officeDocument/2006/math" xmlns:a14="http://schemas.microsoft.com/office/drawing/2010/main" xmlns:ma14="http://schemas.microsoft.com/office/mac/drawingml/2011/main" xmlns="" val="1"/>
               </a:ext>
             </a:extLst>
           </p:spPr>
@@ -36927,7 +36928,7 @@
             </a:ln>
             <a:extLst>
               <a:ext uri="{C572A759-6A51-4108-AA02-DFA0A04FC94B}">
-                <ma14:wrappingTextBoxFlag xmlns="" xmlns:ma14="http://schemas.microsoft.com/office/mac/drawingml/2011/main" xmlns:a14="http://schemas.microsoft.com/office/drawing/2010/main" xmlns:m="http://schemas.openxmlformats.org/officeDocument/2006/math" val="1"/>
+                <ma14:wrappingTextBoxFlag xmlns:m="http://schemas.openxmlformats.org/officeDocument/2006/math" xmlns:a14="http://schemas.microsoft.com/office/drawing/2010/main" xmlns:ma14="http://schemas.microsoft.com/office/mac/drawingml/2011/main" xmlns="" val="1"/>
               </a:ext>
             </a:extLst>
           </p:spPr>
@@ -36981,7 +36982,7 @@
             </a:ln>
             <a:extLst>
               <a:ext uri="{C572A759-6A51-4108-AA02-DFA0A04FC94B}">
-                <ma14:wrappingTextBoxFlag xmlns="" xmlns:ma14="http://schemas.microsoft.com/office/mac/drawingml/2011/main" xmlns:a14="http://schemas.microsoft.com/office/drawing/2010/main" xmlns:m="http://schemas.openxmlformats.org/officeDocument/2006/math" val="1"/>
+                <ma14:wrappingTextBoxFlag xmlns:m="http://schemas.openxmlformats.org/officeDocument/2006/math" xmlns:a14="http://schemas.microsoft.com/office/drawing/2010/main" xmlns:ma14="http://schemas.microsoft.com/office/mac/drawingml/2011/main" xmlns="" val="1"/>
               </a:ext>
             </a:extLst>
           </p:spPr>
@@ -37038,7 +37039,7 @@
             </a:ln>
             <a:extLst>
               <a:ext uri="{C572A759-6A51-4108-AA02-DFA0A04FC94B}">
-                <ma14:wrappingTextBoxFlag xmlns="" xmlns:ma14="http://schemas.microsoft.com/office/mac/drawingml/2011/main" xmlns:a14="http://schemas.microsoft.com/office/drawing/2010/main" xmlns:m="http://schemas.openxmlformats.org/officeDocument/2006/math" val="1"/>
+                <ma14:wrappingTextBoxFlag xmlns:m="http://schemas.openxmlformats.org/officeDocument/2006/math" xmlns:a14="http://schemas.microsoft.com/office/drawing/2010/main" xmlns:ma14="http://schemas.microsoft.com/office/mac/drawingml/2011/main" xmlns="" val="1"/>
               </a:ext>
             </a:extLst>
           </p:spPr>
@@ -37096,7 +37097,7 @@
             </a:ln>
             <a:extLst>
               <a:ext uri="{C572A759-6A51-4108-AA02-DFA0A04FC94B}">
-                <ma14:wrappingTextBoxFlag xmlns="" xmlns:ma14="http://schemas.microsoft.com/office/mac/drawingml/2011/main" xmlns:a14="http://schemas.microsoft.com/office/drawing/2010/main" xmlns:m="http://schemas.openxmlformats.org/officeDocument/2006/math" val="1"/>
+                <ma14:wrappingTextBoxFlag xmlns:m="http://schemas.openxmlformats.org/officeDocument/2006/math" xmlns:a14="http://schemas.microsoft.com/office/drawing/2010/main" xmlns:ma14="http://schemas.microsoft.com/office/mac/drawingml/2011/main" xmlns="" val="1"/>
               </a:ext>
             </a:extLst>
           </p:spPr>
@@ -37177,7 +37178,7 @@
             </a:ln>
             <a:extLst>
               <a:ext uri="{C572A759-6A51-4108-AA02-DFA0A04FC94B}">
-                <ma14:wrappingTextBoxFlag xmlns="" xmlns:ma14="http://schemas.microsoft.com/office/mac/drawingml/2011/main" xmlns:a14="http://schemas.microsoft.com/office/drawing/2010/main" xmlns:m="http://schemas.openxmlformats.org/officeDocument/2006/math" val="1"/>
+                <ma14:wrappingTextBoxFlag xmlns:m="http://schemas.openxmlformats.org/officeDocument/2006/math" xmlns:a14="http://schemas.microsoft.com/office/drawing/2010/main" xmlns:ma14="http://schemas.microsoft.com/office/mac/drawingml/2011/main" xmlns="" val="1"/>
               </a:ext>
             </a:extLst>
           </p:spPr>
@@ -37235,7 +37236,7 @@
             </a:ln>
             <a:extLst>
               <a:ext uri="{C572A759-6A51-4108-AA02-DFA0A04FC94B}">
-                <ma14:wrappingTextBoxFlag xmlns="" xmlns:ma14="http://schemas.microsoft.com/office/mac/drawingml/2011/main" xmlns:a14="http://schemas.microsoft.com/office/drawing/2010/main" xmlns:m="http://schemas.openxmlformats.org/officeDocument/2006/math" val="1"/>
+                <ma14:wrappingTextBoxFlag xmlns:m="http://schemas.openxmlformats.org/officeDocument/2006/math" xmlns:a14="http://schemas.microsoft.com/office/drawing/2010/main" xmlns:ma14="http://schemas.microsoft.com/office/mac/drawingml/2011/main" xmlns="" val="1"/>
               </a:ext>
             </a:extLst>
           </p:spPr>
@@ -37293,7 +37294,7 @@
             </a:ln>
             <a:extLst>
               <a:ext uri="{C572A759-6A51-4108-AA02-DFA0A04FC94B}">
-                <ma14:wrappingTextBoxFlag xmlns="" xmlns:ma14="http://schemas.microsoft.com/office/mac/drawingml/2011/main" xmlns:a14="http://schemas.microsoft.com/office/drawing/2010/main" xmlns:m="http://schemas.openxmlformats.org/officeDocument/2006/math" val="1"/>
+                <ma14:wrappingTextBoxFlag xmlns:m="http://schemas.openxmlformats.org/officeDocument/2006/math" xmlns:a14="http://schemas.microsoft.com/office/drawing/2010/main" xmlns:ma14="http://schemas.microsoft.com/office/mac/drawingml/2011/main" xmlns="" val="1"/>
               </a:ext>
             </a:extLst>
           </p:spPr>
@@ -37351,7 +37352,7 @@
             </a:ln>
             <a:extLst>
               <a:ext uri="{C572A759-6A51-4108-AA02-DFA0A04FC94B}">
-                <ma14:wrappingTextBoxFlag xmlns="" xmlns:ma14="http://schemas.microsoft.com/office/mac/drawingml/2011/main" xmlns:a14="http://schemas.microsoft.com/office/drawing/2010/main" xmlns:m="http://schemas.openxmlformats.org/officeDocument/2006/math" val="1"/>
+                <ma14:wrappingTextBoxFlag xmlns:m="http://schemas.openxmlformats.org/officeDocument/2006/math" xmlns:a14="http://schemas.microsoft.com/office/drawing/2010/main" xmlns:ma14="http://schemas.microsoft.com/office/mac/drawingml/2011/main" xmlns="" val="1"/>
               </a:ext>
             </a:extLst>
           </p:spPr>
@@ -37399,7 +37400,7 @@
             </a:ln>
             <a:extLst>
               <a:ext uri="{C572A759-6A51-4108-AA02-DFA0A04FC94B}">
-                <ma14:wrappingTextBoxFlag xmlns="" xmlns:ma14="http://schemas.microsoft.com/office/mac/drawingml/2011/main" xmlns:a14="http://schemas.microsoft.com/office/drawing/2010/main" xmlns:m="http://schemas.openxmlformats.org/officeDocument/2006/math" val="1"/>
+                <ma14:wrappingTextBoxFlag xmlns:m="http://schemas.openxmlformats.org/officeDocument/2006/math" xmlns:a14="http://schemas.microsoft.com/office/drawing/2010/main" xmlns:ma14="http://schemas.microsoft.com/office/mac/drawingml/2011/main" xmlns="" val="1"/>
               </a:ext>
             </a:extLst>
           </p:spPr>
@@ -37447,7 +37448,7 @@
             </a:ln>
             <a:extLst>
               <a:ext uri="{C572A759-6A51-4108-AA02-DFA0A04FC94B}">
-                <ma14:wrappingTextBoxFlag xmlns="" xmlns:ma14="http://schemas.microsoft.com/office/mac/drawingml/2011/main" xmlns:a14="http://schemas.microsoft.com/office/drawing/2010/main" xmlns:m="http://schemas.openxmlformats.org/officeDocument/2006/math" val="1"/>
+                <ma14:wrappingTextBoxFlag xmlns:m="http://schemas.openxmlformats.org/officeDocument/2006/math" xmlns:a14="http://schemas.microsoft.com/office/drawing/2010/main" xmlns:ma14="http://schemas.microsoft.com/office/mac/drawingml/2011/main" xmlns="" val="1"/>
               </a:ext>
             </a:extLst>
           </p:spPr>
@@ -37501,7 +37502,7 @@
             </a:ln>
             <a:extLst>
               <a:ext uri="{C572A759-6A51-4108-AA02-DFA0A04FC94B}">
-                <ma14:wrappingTextBoxFlag xmlns="" xmlns:ma14="http://schemas.microsoft.com/office/mac/drawingml/2011/main" xmlns:a14="http://schemas.microsoft.com/office/drawing/2010/main" xmlns:m="http://schemas.openxmlformats.org/officeDocument/2006/math" val="1"/>
+                <ma14:wrappingTextBoxFlag xmlns:m="http://schemas.openxmlformats.org/officeDocument/2006/math" xmlns:a14="http://schemas.microsoft.com/office/drawing/2010/main" xmlns:ma14="http://schemas.microsoft.com/office/mac/drawingml/2011/main" xmlns="" val="1"/>
               </a:ext>
             </a:extLst>
           </p:spPr>
@@ -37555,7 +37556,7 @@
             </a:ln>
             <a:extLst>
               <a:ext uri="{C572A759-6A51-4108-AA02-DFA0A04FC94B}">
-                <ma14:wrappingTextBoxFlag xmlns="" xmlns:ma14="http://schemas.microsoft.com/office/mac/drawingml/2011/main" xmlns:a14="http://schemas.microsoft.com/office/drawing/2010/main" xmlns:m="http://schemas.openxmlformats.org/officeDocument/2006/math" val="1"/>
+                <ma14:wrappingTextBoxFlag xmlns:m="http://schemas.openxmlformats.org/officeDocument/2006/math" xmlns:a14="http://schemas.microsoft.com/office/drawing/2010/main" xmlns:ma14="http://schemas.microsoft.com/office/mac/drawingml/2011/main" xmlns="" val="1"/>
               </a:ext>
             </a:extLst>
           </p:spPr>
@@ -37608,7 +37609,7 @@
             </a:ln>
             <a:extLst>
               <a:ext uri="{C572A759-6A51-4108-AA02-DFA0A04FC94B}">
-                <ma14:wrappingTextBoxFlag xmlns="" xmlns:ma14="http://schemas.microsoft.com/office/mac/drawingml/2011/main" xmlns:a14="http://schemas.microsoft.com/office/drawing/2010/main" xmlns:m="http://schemas.openxmlformats.org/officeDocument/2006/math" val="1"/>
+                <ma14:wrappingTextBoxFlag xmlns:m="http://schemas.openxmlformats.org/officeDocument/2006/math" xmlns:a14="http://schemas.microsoft.com/office/drawing/2010/main" xmlns:ma14="http://schemas.microsoft.com/office/mac/drawingml/2011/main" xmlns="" val="1"/>
               </a:ext>
             </a:extLst>
           </p:spPr>
@@ -37661,7 +37662,7 @@
             </a:ln>
             <a:extLst>
               <a:ext uri="{C572A759-6A51-4108-AA02-DFA0A04FC94B}">
-                <ma14:wrappingTextBoxFlag xmlns="" xmlns:ma14="http://schemas.microsoft.com/office/mac/drawingml/2011/main" xmlns:a14="http://schemas.microsoft.com/office/drawing/2010/main" xmlns:m="http://schemas.openxmlformats.org/officeDocument/2006/math" val="1"/>
+                <ma14:wrappingTextBoxFlag xmlns:m="http://schemas.openxmlformats.org/officeDocument/2006/math" xmlns:a14="http://schemas.microsoft.com/office/drawing/2010/main" xmlns:ma14="http://schemas.microsoft.com/office/mac/drawingml/2011/main" xmlns="" val="1"/>
               </a:ext>
             </a:extLst>
           </p:spPr>
@@ -37714,7 +37715,7 @@
             </a:ln>
             <a:extLst>
               <a:ext uri="{C572A759-6A51-4108-AA02-DFA0A04FC94B}">
-                <ma14:wrappingTextBoxFlag xmlns="" xmlns:ma14="http://schemas.microsoft.com/office/mac/drawingml/2011/main" xmlns:a14="http://schemas.microsoft.com/office/drawing/2010/main" xmlns:m="http://schemas.openxmlformats.org/officeDocument/2006/math" val="1"/>
+                <ma14:wrappingTextBoxFlag xmlns:m="http://schemas.openxmlformats.org/officeDocument/2006/math" xmlns:a14="http://schemas.microsoft.com/office/drawing/2010/main" xmlns:ma14="http://schemas.microsoft.com/office/mac/drawingml/2011/main" xmlns="" val="1"/>
               </a:ext>
             </a:extLst>
           </p:spPr>
@@ -43181,6 +43182,182 @@
 </file>
 
 <file path=ppt/slides/slide5.xml><?xml version="1.0" encoding="utf-8"?>
+<p:sld xmlns:a="http://schemas.openxmlformats.org/drawingml/2006/main" xmlns:r="http://schemas.openxmlformats.org/officeDocument/2006/relationships" xmlns:p="http://schemas.openxmlformats.org/presentationml/2006/main" show="0">
+  <p:cSld>
+    <p:spTree>
+      <p:nvGrpSpPr>
+        <p:cNvPr id="1" name=""/>
+        <p:cNvGrpSpPr/>
+        <p:nvPr/>
+      </p:nvGrpSpPr>
+      <p:grpSpPr>
+        <a:xfrm>
+          <a:off x="0" y="0"/>
+          <a:ext cx="0" cy="0"/>
+          <a:chOff x="0" y="0"/>
+          <a:chExt cx="0" cy="0"/>
+        </a:xfrm>
+      </p:grpSpPr>
+      <p:sp>
+        <p:nvSpPr>
+          <p:cNvPr id="2" name="Title 1">
+            <a:extLst>
+              <a:ext uri="{FF2B5EF4-FFF2-40B4-BE49-F238E27FC236}">
+                <a16:creationId xmlns:a16="http://schemas.microsoft.com/office/drawing/2014/main" id="{F9E03E42-4E21-438E-885A-1F54A1EF7770}"/>
+              </a:ext>
+            </a:extLst>
+          </p:cNvPr>
+          <p:cNvSpPr>
+            <a:spLocks noGrp="1"/>
+          </p:cNvSpPr>
+          <p:nvPr>
+            <p:ph type="title"/>
+          </p:nvPr>
+        </p:nvSpPr>
+        <p:spPr/>
+        <p:txBody>
+          <a:bodyPr/>
+          <a:lstStyle/>
+          <a:p>
+            <a:r>
+              <a:rPr lang="en-US" dirty="0"/>
+              <a:t>Notebook activity</a:t>
+            </a:r>
+          </a:p>
+        </p:txBody>
+      </p:sp>
+      <p:sp>
+        <p:nvSpPr>
+          <p:cNvPr id="3" name="Footer Placeholder 2">
+            <a:extLst>
+              <a:ext uri="{FF2B5EF4-FFF2-40B4-BE49-F238E27FC236}">
+                <a16:creationId xmlns:a16="http://schemas.microsoft.com/office/drawing/2014/main" id="{310E5327-908A-424A-BE3F-E939E83C935A}"/>
+              </a:ext>
+            </a:extLst>
+          </p:cNvPr>
+          <p:cNvSpPr>
+            <a:spLocks noGrp="1"/>
+          </p:cNvSpPr>
+          <p:nvPr>
+            <p:ph type="ftr" sz="quarter" idx="3"/>
+          </p:nvPr>
+        </p:nvSpPr>
+        <p:spPr/>
+        <p:txBody>
+          <a:bodyPr/>
+          <a:lstStyle/>
+          <a:p>
+            <a:r>
+              <a:rPr lang="en-US"/>
+              <a:t>WWW.SOLLIANCE.NET</a:t>
+            </a:r>
+            <a:endParaRPr lang="en-US" dirty="0"/>
+          </a:p>
+        </p:txBody>
+      </p:sp>
+      <p:sp>
+        <p:nvSpPr>
+          <p:cNvPr id="4" name="Slide Number Placeholder 3">
+            <a:extLst>
+              <a:ext uri="{FF2B5EF4-FFF2-40B4-BE49-F238E27FC236}">
+                <a16:creationId xmlns:a16="http://schemas.microsoft.com/office/drawing/2014/main" id="{BEA167C6-2E31-4170-879E-CA835EE267DD}"/>
+              </a:ext>
+            </a:extLst>
+          </p:cNvPr>
+          <p:cNvSpPr>
+            <a:spLocks noGrp="1"/>
+          </p:cNvSpPr>
+          <p:nvPr>
+            <p:ph type="sldNum" sz="quarter" idx="4"/>
+          </p:nvPr>
+        </p:nvSpPr>
+        <p:spPr/>
+        <p:txBody>
+          <a:bodyPr/>
+          <a:lstStyle/>
+          <a:p>
+            <a:fld id="{00F9DAA1-1DF7-43E0-8E29-0CE1148553C7}" type="slidenum">
+              <a:rPr lang="en-US" smtClean="0"/>
+              <a:pPr/>
+              <a:t>5</a:t>
+            </a:fld>
+            <a:endParaRPr lang="en-US" dirty="0"/>
+          </a:p>
+        </p:txBody>
+      </p:sp>
+      <p:sp>
+        <p:nvSpPr>
+          <p:cNvPr id="5" name="Text Placeholder 4">
+            <a:extLst>
+              <a:ext uri="{FF2B5EF4-FFF2-40B4-BE49-F238E27FC236}">
+                <a16:creationId xmlns:a16="http://schemas.microsoft.com/office/drawing/2014/main" id="{E0473410-CC01-47D7-B379-B7314E69771C}"/>
+              </a:ext>
+            </a:extLst>
+          </p:cNvPr>
+          <p:cNvSpPr>
+            <a:spLocks noGrp="1"/>
+          </p:cNvSpPr>
+          <p:nvPr>
+            <p:ph type="body" sz="quarter" idx="10"/>
+          </p:nvPr>
+        </p:nvSpPr>
+        <p:spPr/>
+        <p:txBody>
+          <a:bodyPr/>
+          <a:lstStyle/>
+          <a:p>
+            <a:r>
+              <a:rPr lang="en-US" dirty="0"/>
+              <a:t>Runs a Synapse notebook in your Synapse Workspace</a:t>
+            </a:r>
+          </a:p>
+          <a:p>
+            <a:endParaRPr lang="en-US" dirty="0"/>
+          </a:p>
+          <a:p>
+            <a:endParaRPr lang="en-US" dirty="0"/>
+          </a:p>
+        </p:txBody>
+      </p:sp>
+      <p:sp>
+        <p:nvSpPr>
+          <p:cNvPr id="6" name="Text Placeholder 5">
+            <a:extLst>
+              <a:ext uri="{FF2B5EF4-FFF2-40B4-BE49-F238E27FC236}">
+                <a16:creationId xmlns:a16="http://schemas.microsoft.com/office/drawing/2014/main" id="{16D211A2-9FFA-48AD-8F5A-51252B1198BE}"/>
+              </a:ext>
+            </a:extLst>
+          </p:cNvPr>
+          <p:cNvSpPr>
+            <a:spLocks noGrp="1"/>
+          </p:cNvSpPr>
+          <p:nvPr>
+            <p:ph type="body" sz="quarter" idx="16"/>
+          </p:nvPr>
+        </p:nvSpPr>
+        <p:spPr/>
+        <p:txBody>
+          <a:bodyPr/>
+          <a:lstStyle/>
+          <a:p>
+            <a:endParaRPr lang="en-US"/>
+          </a:p>
+        </p:txBody>
+      </p:sp>
+    </p:spTree>
+    <p:extLst>
+      <p:ext uri="{BB962C8B-B14F-4D97-AF65-F5344CB8AC3E}">
+        <p14:creationId xmlns:p14="http://schemas.microsoft.com/office/powerpoint/2010/main" val="2947309483"/>
+      </p:ext>
+    </p:extLst>
+  </p:cSld>
+  <p:clrMapOvr>
+    <a:masterClrMapping/>
+  </p:clrMapOvr>
+</p:sld>
+</file>
+
+<file path=ppt/slides/slide6.xml><?xml version="1.0" encoding="utf-8"?>
 <p:sld xmlns:a="http://schemas.openxmlformats.org/drawingml/2006/main" xmlns:r="http://schemas.openxmlformats.org/officeDocument/2006/relationships" xmlns:p="http://schemas.openxmlformats.org/presentationml/2006/main">
   <p:cSld>
     <p:spTree>
@@ -43278,7 +43455,7 @@
 </p:sld>
 </file>
 
-<file path=ppt/slides/slide6.xml><?xml version="1.0" encoding="utf-8"?>
+<file path=ppt/slides/slide7.xml><?xml version="1.0" encoding="utf-8"?>
 <p:sld xmlns:a="http://schemas.openxmlformats.org/drawingml/2006/main" xmlns:r="http://schemas.openxmlformats.org/officeDocument/2006/relationships" xmlns:p="http://schemas.openxmlformats.org/presentationml/2006/main">
   <p:cSld>
     <p:spTree>
